--- a/Qube.pptx
+++ b/Qube.pptx
@@ -355,7 +355,7 @@
           <a:p>
             <a:fld id="{D7F135F6-2A09-4FDD-9ECA-096E230CA0FA}" type="datetimeFigureOut">
               <a:rPr lang="fr-FR" smtClean="0"/>
-              <a:t>31/01/2024</a:t>
+              <a:t>01/02/2024</a:t>
             </a:fld>
             <a:endParaRPr lang="fr-FR"/>
           </a:p>
@@ -560,7 +560,7 @@
           <a:p>
             <a:fld id="{D7F135F6-2A09-4FDD-9ECA-096E230CA0FA}" type="datetimeFigureOut">
               <a:rPr lang="fr-FR" smtClean="0"/>
-              <a:t>31/01/2024</a:t>
+              <a:t>01/02/2024</a:t>
             </a:fld>
             <a:endParaRPr lang="fr-FR"/>
           </a:p>
@@ -816,7 +816,7 @@
           <a:p>
             <a:fld id="{D7F135F6-2A09-4FDD-9ECA-096E230CA0FA}" type="datetimeFigureOut">
               <a:rPr lang="fr-FR" smtClean="0"/>
-              <a:t>31/01/2024</a:t>
+              <a:t>01/02/2024</a:t>
             </a:fld>
             <a:endParaRPr lang="fr-FR"/>
           </a:p>
@@ -1022,7 +1022,7 @@
           <a:p>
             <a:fld id="{D7F135F6-2A09-4FDD-9ECA-096E230CA0FA}" type="datetimeFigureOut">
               <a:rPr lang="fr-FR" smtClean="0"/>
-              <a:t>31/01/2024</a:t>
+              <a:t>01/02/2024</a:t>
             </a:fld>
             <a:endParaRPr lang="fr-FR"/>
           </a:p>
@@ -1384,7 +1384,7 @@
           <a:p>
             <a:fld id="{D7F135F6-2A09-4FDD-9ECA-096E230CA0FA}" type="datetimeFigureOut">
               <a:rPr lang="fr-FR" smtClean="0"/>
-              <a:t>31/01/2024</a:t>
+              <a:t>01/02/2024</a:t>
             </a:fld>
             <a:endParaRPr lang="fr-FR"/>
           </a:p>
@@ -1659,7 +1659,7 @@
           <a:p>
             <a:fld id="{D7F135F6-2A09-4FDD-9ECA-096E230CA0FA}" type="datetimeFigureOut">
               <a:rPr lang="fr-FR" smtClean="0"/>
-              <a:t>31/01/2024</a:t>
+              <a:t>01/02/2024</a:t>
             </a:fld>
             <a:endParaRPr lang="fr-FR"/>
           </a:p>
@@ -2038,7 +2038,7 @@
           <a:p>
             <a:fld id="{D7F135F6-2A09-4FDD-9ECA-096E230CA0FA}" type="datetimeFigureOut">
               <a:rPr lang="fr-FR" smtClean="0"/>
-              <a:t>31/01/2024</a:t>
+              <a:t>01/02/2024</a:t>
             </a:fld>
             <a:endParaRPr lang="fr-FR"/>
           </a:p>
@@ -2156,7 +2156,7 @@
           <a:p>
             <a:fld id="{D7F135F6-2A09-4FDD-9ECA-096E230CA0FA}" type="datetimeFigureOut">
               <a:rPr lang="fr-FR" smtClean="0"/>
-              <a:t>31/01/2024</a:t>
+              <a:t>01/02/2024</a:t>
             </a:fld>
             <a:endParaRPr lang="fr-FR"/>
           </a:p>
@@ -2330,7 +2330,7 @@
           <a:p>
             <a:fld id="{D7F135F6-2A09-4FDD-9ECA-096E230CA0FA}" type="datetimeFigureOut">
               <a:rPr lang="fr-FR" smtClean="0"/>
-              <a:t>31/01/2024</a:t>
+              <a:t>01/02/2024</a:t>
             </a:fld>
             <a:endParaRPr lang="fr-FR"/>
           </a:p>
@@ -2687,7 +2687,7 @@
           <a:p>
             <a:fld id="{D7F135F6-2A09-4FDD-9ECA-096E230CA0FA}" type="datetimeFigureOut">
               <a:rPr lang="fr-FR" smtClean="0"/>
-              <a:t>31/01/2024</a:t>
+              <a:t>01/02/2024</a:t>
             </a:fld>
             <a:endParaRPr lang="fr-FR"/>
           </a:p>
@@ -3072,7 +3072,7 @@
           <a:p>
             <a:fld id="{D7F135F6-2A09-4FDD-9ECA-096E230CA0FA}" type="datetimeFigureOut">
               <a:rPr lang="fr-FR" smtClean="0"/>
-              <a:t>31/01/2024</a:t>
+              <a:t>01/02/2024</a:t>
             </a:fld>
             <a:endParaRPr lang="fr-FR"/>
           </a:p>
@@ -3362,7 +3362,7 @@
           <a:p>
             <a:fld id="{D7F135F6-2A09-4FDD-9ECA-096E230CA0FA}" type="datetimeFigureOut">
               <a:rPr lang="fr-FR" smtClean="0"/>
-              <a:t>31/01/2024</a:t>
+              <a:t>01/02/2024</a:t>
             </a:fld>
             <a:endParaRPr lang="fr-FR" dirty="0"/>
           </a:p>
@@ -4423,8 +4423,8 @@
           </a:p>
         </p:txBody>
       </p:sp>
-      <mc:AlternateContent xmlns:mc="http://schemas.openxmlformats.org/markup-compatibility/2006">
-        <mc:Choice xmlns:a14="http://schemas.microsoft.com/office/drawing/2010/main" Requires="a14">
+      <mc:AlternateContent xmlns:mc="http://schemas.openxmlformats.org/markup-compatibility/2006" xmlns:a14="http://schemas.microsoft.com/office/drawing/2010/main">
+        <mc:Choice Requires="a14">
           <p:sp>
             <p:nvSpPr>
               <p:cNvPr id="50" name="ZoneTexte 49">
@@ -4505,7 +4505,7 @@
             </p:txBody>
           </p:sp>
         </mc:Choice>
-        <mc:Fallback>
+        <mc:Fallback xmlns="">
           <p:sp>
             <p:nvSpPr>
               <p:cNvPr id="50" name="ZoneTexte 49">
@@ -4550,8 +4550,8 @@
           </p:sp>
         </mc:Fallback>
       </mc:AlternateContent>
-      <mc:AlternateContent xmlns:mc="http://schemas.openxmlformats.org/markup-compatibility/2006">
-        <mc:Choice xmlns:a14="http://schemas.microsoft.com/office/drawing/2010/main" Requires="a14">
+      <mc:AlternateContent xmlns:mc="http://schemas.openxmlformats.org/markup-compatibility/2006" xmlns:a14="http://schemas.microsoft.com/office/drawing/2010/main">
+        <mc:Choice Requires="a14">
           <p:sp>
             <p:nvSpPr>
               <p:cNvPr id="51" name="ZoneTexte 50">
@@ -4632,7 +4632,7 @@
             </p:txBody>
           </p:sp>
         </mc:Choice>
-        <mc:Fallback>
+        <mc:Fallback xmlns="">
           <p:sp>
             <p:nvSpPr>
               <p:cNvPr id="51" name="ZoneTexte 50">
@@ -4677,8 +4677,8 @@
           </p:sp>
         </mc:Fallback>
       </mc:AlternateContent>
-      <mc:AlternateContent xmlns:mc="http://schemas.openxmlformats.org/markup-compatibility/2006">
-        <mc:Choice xmlns:a14="http://schemas.microsoft.com/office/drawing/2010/main" Requires="a14">
+      <mc:AlternateContent xmlns:mc="http://schemas.openxmlformats.org/markup-compatibility/2006" xmlns:a14="http://schemas.microsoft.com/office/drawing/2010/main">
+        <mc:Choice Requires="a14">
           <p:sp>
             <p:nvSpPr>
               <p:cNvPr id="54" name="ZoneTexte 53">
@@ -4759,7 +4759,7 @@
             </p:txBody>
           </p:sp>
         </mc:Choice>
-        <mc:Fallback>
+        <mc:Fallback xmlns="">
           <p:sp>
             <p:nvSpPr>
               <p:cNvPr id="54" name="ZoneTexte 53">
@@ -4858,8 +4858,8 @@
           </a:p>
         </p:txBody>
       </p:sp>
-      <mc:AlternateContent xmlns:mc="http://schemas.openxmlformats.org/markup-compatibility/2006">
-        <mc:Choice xmlns:a14="http://schemas.microsoft.com/office/drawing/2010/main" Requires="a14">
+      <mc:AlternateContent xmlns:mc="http://schemas.openxmlformats.org/markup-compatibility/2006" xmlns:a14="http://schemas.microsoft.com/office/drawing/2010/main">
+        <mc:Choice Requires="a14">
           <p:sp>
             <p:nvSpPr>
               <p:cNvPr id="56" name="ZoneTexte 55">
@@ -4909,7 +4909,7 @@
             </p:txBody>
           </p:sp>
         </mc:Choice>
-        <mc:Fallback>
+        <mc:Fallback xmlns="">
           <p:sp>
             <p:nvSpPr>
               <p:cNvPr id="56" name="ZoneTexte 55">
@@ -6237,8 +6237,8 @@
           </a:p>
         </p:txBody>
       </p:sp>
-      <mc:AlternateContent xmlns:mc="http://schemas.openxmlformats.org/markup-compatibility/2006">
-        <mc:Choice xmlns:a14="http://schemas.microsoft.com/office/drawing/2010/main" Requires="a14">
+      <mc:AlternateContent xmlns:mc="http://schemas.openxmlformats.org/markup-compatibility/2006" xmlns:a14="http://schemas.microsoft.com/office/drawing/2010/main">
+        <mc:Choice Requires="a14">
           <p:sp>
             <p:nvSpPr>
               <p:cNvPr id="75" name="ZoneTexte 74">
@@ -6319,7 +6319,7 @@
             </p:txBody>
           </p:sp>
         </mc:Choice>
-        <mc:Fallback>
+        <mc:Fallback xmlns="">
           <p:sp>
             <p:nvSpPr>
               <p:cNvPr id="75" name="ZoneTexte 74">
@@ -6364,8 +6364,8 @@
           </p:sp>
         </mc:Fallback>
       </mc:AlternateContent>
-      <mc:AlternateContent xmlns:mc="http://schemas.openxmlformats.org/markup-compatibility/2006">
-        <mc:Choice xmlns:a14="http://schemas.microsoft.com/office/drawing/2010/main" Requires="a14">
+      <mc:AlternateContent xmlns:mc="http://schemas.openxmlformats.org/markup-compatibility/2006" xmlns:a14="http://schemas.microsoft.com/office/drawing/2010/main">
+        <mc:Choice Requires="a14">
           <p:sp>
             <p:nvSpPr>
               <p:cNvPr id="76" name="ZoneTexte 75">
@@ -6446,7 +6446,7 @@
             </p:txBody>
           </p:sp>
         </mc:Choice>
-        <mc:Fallback>
+        <mc:Fallback xmlns="">
           <p:sp>
             <p:nvSpPr>
               <p:cNvPr id="76" name="ZoneTexte 75">
@@ -6491,8 +6491,8 @@
           </p:sp>
         </mc:Fallback>
       </mc:AlternateContent>
-      <mc:AlternateContent xmlns:mc="http://schemas.openxmlformats.org/markup-compatibility/2006">
-        <mc:Choice xmlns:a14="http://schemas.microsoft.com/office/drawing/2010/main" Requires="a14">
+      <mc:AlternateContent xmlns:mc="http://schemas.openxmlformats.org/markup-compatibility/2006" xmlns:a14="http://schemas.microsoft.com/office/drawing/2010/main">
+        <mc:Choice Requires="a14">
           <p:sp>
             <p:nvSpPr>
               <p:cNvPr id="77" name="ZoneTexte 76">
@@ -6573,7 +6573,7 @@
             </p:txBody>
           </p:sp>
         </mc:Choice>
-        <mc:Fallback>
+        <mc:Fallback xmlns="">
           <p:sp>
             <p:nvSpPr>
               <p:cNvPr id="77" name="ZoneTexte 76">
@@ -6618,8 +6618,8 @@
           </p:sp>
         </mc:Fallback>
       </mc:AlternateContent>
-      <mc:AlternateContent xmlns:mc="http://schemas.openxmlformats.org/markup-compatibility/2006">
-        <mc:Choice xmlns:a14="http://schemas.microsoft.com/office/drawing/2010/main" Requires="a14">
+      <mc:AlternateContent xmlns:mc="http://schemas.openxmlformats.org/markup-compatibility/2006" xmlns:a14="http://schemas.microsoft.com/office/drawing/2010/main">
+        <mc:Choice Requires="a14">
           <p:sp>
             <p:nvSpPr>
               <p:cNvPr id="78" name="ZoneTexte 77">
@@ -6669,7 +6669,7 @@
             </p:txBody>
           </p:sp>
         </mc:Choice>
-        <mc:Fallback>
+        <mc:Fallback xmlns="">
           <p:sp>
             <p:nvSpPr>
               <p:cNvPr id="78" name="ZoneTexte 77">
@@ -6714,8 +6714,8 @@
           </p:sp>
         </mc:Fallback>
       </mc:AlternateContent>
-      <mc:AlternateContent xmlns:mc="http://schemas.openxmlformats.org/markup-compatibility/2006">
-        <mc:Choice xmlns:a14="http://schemas.microsoft.com/office/drawing/2010/main" Requires="a14">
+      <mc:AlternateContent xmlns:mc="http://schemas.openxmlformats.org/markup-compatibility/2006" xmlns:a14="http://schemas.microsoft.com/office/drawing/2010/main">
+        <mc:Choice Requires="a14">
           <p:sp>
             <p:nvSpPr>
               <p:cNvPr id="79" name="ZoneTexte 78">
@@ -6796,7 +6796,7 @@
             </p:txBody>
           </p:sp>
         </mc:Choice>
-        <mc:Fallback>
+        <mc:Fallback xmlns="">
           <p:sp>
             <p:nvSpPr>
               <p:cNvPr id="79" name="ZoneTexte 78">
@@ -6841,8 +6841,8 @@
           </p:sp>
         </mc:Fallback>
       </mc:AlternateContent>
-      <mc:AlternateContent xmlns:mc="http://schemas.openxmlformats.org/markup-compatibility/2006">
-        <mc:Choice xmlns:a14="http://schemas.microsoft.com/office/drawing/2010/main" Requires="a14">
+      <mc:AlternateContent xmlns:mc="http://schemas.openxmlformats.org/markup-compatibility/2006" xmlns:a14="http://schemas.microsoft.com/office/drawing/2010/main">
+        <mc:Choice Requires="a14">
           <p:sp>
             <p:nvSpPr>
               <p:cNvPr id="80" name="ZoneTexte 79">
@@ -6923,7 +6923,7 @@
             </p:txBody>
           </p:sp>
         </mc:Choice>
-        <mc:Fallback>
+        <mc:Fallback xmlns="">
           <p:sp>
             <p:nvSpPr>
               <p:cNvPr id="80" name="ZoneTexte 79">
@@ -6968,8 +6968,8 @@
           </p:sp>
         </mc:Fallback>
       </mc:AlternateContent>
-      <mc:AlternateContent xmlns:mc="http://schemas.openxmlformats.org/markup-compatibility/2006">
-        <mc:Choice xmlns:a14="http://schemas.microsoft.com/office/drawing/2010/main" Requires="a14">
+      <mc:AlternateContent xmlns:mc="http://schemas.openxmlformats.org/markup-compatibility/2006" xmlns:a14="http://schemas.microsoft.com/office/drawing/2010/main">
+        <mc:Choice Requires="a14">
           <p:sp>
             <p:nvSpPr>
               <p:cNvPr id="81" name="ZoneTexte 80">
@@ -7050,7 +7050,7 @@
             </p:txBody>
           </p:sp>
         </mc:Choice>
-        <mc:Fallback>
+        <mc:Fallback xmlns="">
           <p:sp>
             <p:nvSpPr>
               <p:cNvPr id="81" name="ZoneTexte 80">
@@ -7095,8 +7095,8 @@
           </p:sp>
         </mc:Fallback>
       </mc:AlternateContent>
-      <mc:AlternateContent xmlns:mc="http://schemas.openxmlformats.org/markup-compatibility/2006">
-        <mc:Choice xmlns:a14="http://schemas.microsoft.com/office/drawing/2010/main" Requires="a14">
+      <mc:AlternateContent xmlns:mc="http://schemas.openxmlformats.org/markup-compatibility/2006" xmlns:a14="http://schemas.microsoft.com/office/drawing/2010/main">
+        <mc:Choice Requires="a14">
           <p:sp>
             <p:nvSpPr>
               <p:cNvPr id="82" name="ZoneTexte 81">
@@ -7177,7 +7177,7 @@
             </p:txBody>
           </p:sp>
         </mc:Choice>
-        <mc:Fallback>
+        <mc:Fallback xmlns="">
           <p:sp>
             <p:nvSpPr>
               <p:cNvPr id="82" name="ZoneTexte 81">
@@ -7242,25 +7242,25 @@
             </p:nvSpPr>
             <p:spPr>
               <a:xfrm>
-                <a:off x="2500464" y="981887"/>
-                <a:ext cx="9358652" cy="5253339"/>
+                <a:off x="5334000" y="882799"/>
+                <a:ext cx="6858000" cy="2435748"/>
               </a:xfrm>
             </p:spPr>
             <p:txBody>
               <a:bodyPr>
-                <a:normAutofit fontScale="92500" lnSpcReduction="10000"/>
+                <a:noAutofit/>
               </a:bodyPr>
               <a:lstStyle/>
               <a:p>
                 <a:r>
-                  <a:rPr lang="fr-FR" sz="2400" dirty="0"/>
+                  <a:rPr lang="fr-FR" sz="1800" dirty="0"/>
                   <a:t>Solide 1 : </a:t>
                 </a:r>
               </a:p>
               <a:p>
                 <a:pPr lvl="1"/>
                 <a:r>
-                  <a:rPr lang="fr-FR" sz="2000" dirty="0"/>
+                  <a:rPr lang="fr-FR" sz="1600" dirty="0"/>
                   <a:t>Le plan </a:t>
                 </a:r>
                 <a14:m>
@@ -7268,20 +7268,20 @@
                     <m:d>
                       <m:dPr>
                         <m:ctrlPr>
-                          <a:rPr lang="fr-FR" sz="2000" i="1" smtClean="0">
+                          <a:rPr lang="fr-FR" sz="1600" i="1" smtClean="0">
                             <a:latin typeface="Cambria Math" panose="02040503050406030204" pitchFamily="18" charset="0"/>
                           </a:rPr>
                         </m:ctrlPr>
                       </m:dPr>
                       <m:e>
                         <m:r>
-                          <a:rPr lang="fr-FR" sz="2000" b="0" i="1" smtClean="0">
+                          <a:rPr lang="fr-FR" sz="1600" b="0" i="1" smtClean="0">
                             <a:latin typeface="Cambria Math" panose="02040503050406030204" pitchFamily="18" charset="0"/>
                           </a:rPr>
                           <m:t>𝑂</m:t>
                         </m:r>
                         <m:r>
-                          <a:rPr lang="fr-FR" sz="2000" b="0" i="1" smtClean="0">
+                          <a:rPr lang="fr-FR" sz="1600" b="0" i="1" smtClean="0">
                             <a:latin typeface="Cambria Math" panose="02040503050406030204" pitchFamily="18" charset="0"/>
                           </a:rPr>
                           <m:t>,</m:t>
@@ -7290,7 +7290,7 @@
                           <m:accPr>
                             <m:chr m:val="⃗"/>
                             <m:ctrlPr>
-                              <a:rPr lang="fr-FR" sz="2000" i="1">
+                              <a:rPr lang="fr-FR" sz="1600" i="1">
                                 <a:latin typeface="Cambria Math" panose="02040503050406030204" pitchFamily="18" charset="0"/>
                               </a:rPr>
                             </m:ctrlPr>
@@ -7299,14 +7299,14 @@
                             <m:sSub>
                               <m:sSubPr>
                                 <m:ctrlPr>
-                                  <a:rPr lang="fr-FR" sz="2000" i="1">
+                                  <a:rPr lang="fr-FR" sz="1600" i="1">
                                     <a:latin typeface="Cambria Math" panose="02040503050406030204" pitchFamily="18" charset="0"/>
                                   </a:rPr>
                                 </m:ctrlPr>
                               </m:sSubPr>
                               <m:e>
                                 <m:r>
-                                  <a:rPr lang="fr-FR" sz="2000" i="1">
+                                  <a:rPr lang="fr-FR" sz="1600" i="1">
                                     <a:latin typeface="Cambria Math" panose="02040503050406030204" pitchFamily="18" charset="0"/>
                                   </a:rPr>
                                   <m:t>𝑧</m:t>
@@ -7314,7 +7314,7 @@
                               </m:e>
                               <m:sub>
                                 <m:r>
-                                  <a:rPr lang="fr-FR" sz="2000" b="0" i="1" smtClean="0">
+                                  <a:rPr lang="fr-FR" sz="1600" b="0" i="1" smtClean="0">
                                     <a:latin typeface="Cambria Math" panose="02040503050406030204" pitchFamily="18" charset="0"/>
                                   </a:rPr>
                                   <m:t>1</m:t>
@@ -7324,7 +7324,7 @@
                           </m:e>
                         </m:acc>
                         <m:r>
-                          <a:rPr lang="fr-FR" sz="2000" b="0" i="1" smtClean="0">
+                          <a:rPr lang="fr-FR" sz="1600" b="0" i="1" smtClean="0">
                             <a:latin typeface="Cambria Math" panose="02040503050406030204" pitchFamily="18" charset="0"/>
                           </a:rPr>
                           <m:t>,</m:t>
@@ -7333,7 +7333,7 @@
                           <m:accPr>
                             <m:chr m:val="⃗"/>
                             <m:ctrlPr>
-                              <a:rPr lang="fr-FR" sz="2000" i="1">
+                              <a:rPr lang="fr-FR" sz="1600" i="1">
                                 <a:latin typeface="Cambria Math" panose="02040503050406030204" pitchFamily="18" charset="0"/>
                               </a:rPr>
                             </m:ctrlPr>
@@ -7342,14 +7342,14 @@
                             <m:sSub>
                               <m:sSubPr>
                                 <m:ctrlPr>
-                                  <a:rPr lang="fr-FR" sz="2000" i="1">
+                                  <a:rPr lang="fr-FR" sz="1600" i="1">
                                     <a:latin typeface="Cambria Math" panose="02040503050406030204" pitchFamily="18" charset="0"/>
                                   </a:rPr>
                                 </m:ctrlPr>
                               </m:sSubPr>
                               <m:e>
                                 <m:r>
-                                  <a:rPr lang="fr-FR" sz="2000" b="0" i="1" smtClean="0">
+                                  <a:rPr lang="fr-FR" sz="1600" b="0" i="1" smtClean="0">
                                     <a:latin typeface="Cambria Math" panose="02040503050406030204" pitchFamily="18" charset="0"/>
                                   </a:rPr>
                                   <m:t>𝑥</m:t>
@@ -7357,7 +7357,7 @@
                               </m:e>
                               <m:sub>
                                 <m:r>
-                                  <a:rPr lang="fr-FR" sz="2000" b="0" i="1" smtClean="0">
+                                  <a:rPr lang="fr-FR" sz="1600" b="0" i="1" smtClean="0">
                                     <a:latin typeface="Cambria Math" panose="02040503050406030204" pitchFamily="18" charset="0"/>
                                   </a:rPr>
                                   <m:t>1</m:t>
@@ -7371,13 +7371,13 @@
                   </m:oMath>
                 </a14:m>
                 <a:r>
-                  <a:rPr lang="fr-FR" sz="2000" dirty="0"/>
+                  <a:rPr lang="fr-FR" sz="1600" dirty="0"/>
                   <a:t> est plan de symétrie; donc : </a:t>
                 </a:r>
                 <a14:m>
                   <m:oMath xmlns:m="http://schemas.openxmlformats.org/officeDocument/2006/math">
                     <m:r>
-                      <a:rPr lang="fr-FR" sz="2000" b="0" i="1" smtClean="0">
+                      <a:rPr lang="fr-FR" sz="1600" b="0" i="1" smtClean="0">
                         <a:latin typeface="Cambria Math" panose="02040503050406030204" pitchFamily="18" charset="0"/>
                       </a:rPr>
                       <m:t>𝐼</m:t>
@@ -7385,28 +7385,34 @@
                     <m:d>
                       <m:dPr>
                         <m:ctrlPr>
-                          <a:rPr lang="fr-FR" sz="2000" b="0" i="1" smtClean="0">
+                          <a:rPr lang="fr-FR" sz="1600" b="0" i="1" smtClean="0">
                             <a:latin typeface="Cambria Math" panose="02040503050406030204" pitchFamily="18" charset="0"/>
                           </a:rPr>
                         </m:ctrlPr>
                       </m:dPr>
                       <m:e>
                         <m:r>
-                          <a:rPr lang="fr-FR" sz="2000" b="0" i="1" smtClean="0">
+                          <a:rPr lang="fr-FR" sz="1600" b="0" i="1" smtClean="0">
                             <a:latin typeface="Cambria Math" panose="02040503050406030204" pitchFamily="18" charset="0"/>
                           </a:rPr>
                           <m:t>𝑂</m:t>
                         </m:r>
                         <m:r>
-                          <a:rPr lang="fr-FR" sz="2000" b="0" i="1" smtClean="0">
+                          <a:rPr lang="fr-FR" sz="1600" b="0" i="1" smtClean="0">
                             <a:latin typeface="Cambria Math" panose="02040503050406030204" pitchFamily="18" charset="0"/>
                           </a:rPr>
-                          <m:t>,1</m:t>
+                          <m:t>,</m:t>
+                        </m:r>
+                        <m:r>
+                          <a:rPr lang="fr-FR" sz="1600" b="0" i="1" smtClean="0">
+                            <a:latin typeface="Cambria Math" panose="02040503050406030204" pitchFamily="18" charset="0"/>
+                          </a:rPr>
+                          <m:t>1</m:t>
                         </m:r>
                       </m:e>
                     </m:d>
                     <m:r>
-                      <a:rPr lang="fr-FR" sz="2000" b="0" i="1" smtClean="0">
+                      <a:rPr lang="fr-FR" sz="1600" b="0" i="1" smtClean="0">
                         <a:latin typeface="Cambria Math" panose="02040503050406030204" pitchFamily="18" charset="0"/>
                       </a:rPr>
                       <m:t>=</m:t>
@@ -7414,7 +7420,7 @@
                     <m:sSub>
                       <m:sSubPr>
                         <m:ctrlPr>
-                          <a:rPr lang="fr-FR" sz="2000" b="0" i="1" smtClean="0">
+                          <a:rPr lang="fr-FR" sz="1600" b="0" i="1" smtClean="0">
                             <a:latin typeface="Cambria Math" panose="02040503050406030204" pitchFamily="18" charset="0"/>
                           </a:rPr>
                         </m:ctrlPr>
@@ -7425,7 +7431,7 @@
                             <m:begChr m:val="["/>
                             <m:endChr m:val="]"/>
                             <m:ctrlPr>
-                              <a:rPr lang="fr-FR" sz="2000" b="0" i="1" smtClean="0">
+                              <a:rPr lang="fr-FR" sz="1600" b="0" i="1" smtClean="0">
                                 <a:latin typeface="Cambria Math" panose="02040503050406030204" pitchFamily="18" charset="0"/>
                               </a:rPr>
                             </m:ctrlPr>
@@ -7442,7 +7448,7 @@
                                   </m:mc>
                                 </m:mcs>
                                 <m:ctrlPr>
-                                  <a:rPr lang="fr-FR" sz="2000" b="0" i="1" smtClean="0">
+                                  <a:rPr lang="fr-FR" sz="1600" b="0" i="1" smtClean="0">
                                     <a:latin typeface="Cambria Math" panose="02040503050406030204" pitchFamily="18" charset="0"/>
                                   </a:rPr>
                                 </m:ctrlPr>
@@ -7452,7 +7458,7 @@
                                   <m:sSub>
                                     <m:sSubPr>
                                       <m:ctrlPr>
-                                        <a:rPr lang="fr-FR" sz="2000" b="0" i="1" smtClean="0">
+                                        <a:rPr lang="fr-FR" sz="1600" b="0" i="1" smtClean="0">
                                           <a:latin typeface="Cambria Math" panose="02040503050406030204" pitchFamily="18" charset="0"/>
                                         </a:rPr>
                                       </m:ctrlPr>
@@ -7462,7 +7468,7 @@
                                         <m:rPr>
                                           <m:brk m:alnAt="7"/>
                                         </m:rPr>
-                                        <a:rPr lang="fr-FR" sz="2000" b="0" i="1" smtClean="0">
+                                        <a:rPr lang="fr-FR" sz="1600" b="0" i="1" smtClean="0">
                                           <a:latin typeface="Cambria Math" panose="02040503050406030204" pitchFamily="18" charset="0"/>
                                         </a:rPr>
                                         <m:t>𝐴</m:t>
@@ -7470,7 +7476,7 @@
                                     </m:e>
                                     <m:sub>
                                       <m:r>
-                                        <a:rPr lang="fr-FR" sz="2000" b="0" i="1" smtClean="0">
+                                        <a:rPr lang="fr-FR" sz="1600" b="0" i="1" smtClean="0">
                                           <a:latin typeface="Cambria Math" panose="02040503050406030204" pitchFamily="18" charset="0"/>
                                         </a:rPr>
                                         <m:t>1</m:t>
@@ -7480,7 +7486,7 @@
                                 </m:e>
                                 <m:e>
                                   <m:r>
-                                    <a:rPr lang="fr-FR" sz="2000" b="0" i="1" smtClean="0">
+                                    <a:rPr lang="fr-FR" sz="1600" b="0" i="1" smtClean="0">
                                       <a:latin typeface="Cambria Math" panose="02040503050406030204" pitchFamily="18" charset="0"/>
                                     </a:rPr>
                                     <m:t>0</m:t>
@@ -7488,7 +7494,7 @@
                                 </m:e>
                                 <m:e>
                                   <m:r>
-                                    <a:rPr lang="fr-FR" sz="2000" b="0" i="1" smtClean="0">
+                                    <a:rPr lang="fr-FR" sz="1600" b="0" i="1" smtClean="0">
                                       <a:latin typeface="Cambria Math" panose="02040503050406030204" pitchFamily="18" charset="0"/>
                                     </a:rPr>
                                     <m:t>−</m:t>
@@ -7496,14 +7502,14 @@
                                   <m:sSub>
                                     <m:sSubPr>
                                       <m:ctrlPr>
-                                        <a:rPr lang="fr-FR" sz="2000" b="0" i="1" smtClean="0">
+                                        <a:rPr lang="fr-FR" sz="1600" b="0" i="1" smtClean="0">
                                           <a:latin typeface="Cambria Math" panose="02040503050406030204" pitchFamily="18" charset="0"/>
                                         </a:rPr>
                                       </m:ctrlPr>
                                     </m:sSubPr>
                                     <m:e>
                                       <m:r>
-                                        <a:rPr lang="fr-FR" sz="2000" b="0" i="1" smtClean="0">
+                                        <a:rPr lang="fr-FR" sz="1600" b="0" i="1" smtClean="0">
                                           <a:latin typeface="Cambria Math" panose="02040503050406030204" pitchFamily="18" charset="0"/>
                                         </a:rPr>
                                         <m:t>𝐸</m:t>
@@ -7511,7 +7517,7 @@
                                     </m:e>
                                     <m:sub>
                                       <m:r>
-                                        <a:rPr lang="fr-FR" sz="2000" b="0" i="1" smtClean="0">
+                                        <a:rPr lang="fr-FR" sz="1600" b="0" i="1" smtClean="0">
                                           <a:latin typeface="Cambria Math" panose="02040503050406030204" pitchFamily="18" charset="0"/>
                                         </a:rPr>
                                         <m:t>1</m:t>
@@ -7523,7 +7529,7 @@
                               <m:mr>
                                 <m:e>
                                   <m:r>
-                                    <a:rPr lang="fr-FR" sz="2000" b="0" i="1" smtClean="0">
+                                    <a:rPr lang="fr-FR" sz="1600" b="0" i="1" smtClean="0">
                                       <a:latin typeface="Cambria Math" panose="02040503050406030204" pitchFamily="18" charset="0"/>
                                     </a:rPr>
                                     <m:t>0</m:t>
@@ -7533,14 +7539,14 @@
                                   <m:sSub>
                                     <m:sSubPr>
                                       <m:ctrlPr>
-                                        <a:rPr lang="fr-FR" sz="2000" b="0" i="1" smtClean="0">
+                                        <a:rPr lang="fr-FR" sz="1600" b="0" i="1" smtClean="0">
                                           <a:latin typeface="Cambria Math" panose="02040503050406030204" pitchFamily="18" charset="0"/>
                                         </a:rPr>
                                       </m:ctrlPr>
                                     </m:sSubPr>
                                     <m:e>
                                       <m:r>
-                                        <a:rPr lang="fr-FR" sz="2000" b="0" i="1" smtClean="0">
+                                        <a:rPr lang="fr-FR" sz="1600" b="0" i="1" smtClean="0">
                                           <a:latin typeface="Cambria Math" panose="02040503050406030204" pitchFamily="18" charset="0"/>
                                         </a:rPr>
                                         <m:t>𝐵</m:t>
@@ -7548,7 +7554,7 @@
                                     </m:e>
                                     <m:sub>
                                       <m:r>
-                                        <a:rPr lang="fr-FR" sz="2000" b="0" i="1" smtClean="0">
+                                        <a:rPr lang="fr-FR" sz="1600" b="0" i="1" smtClean="0">
                                           <a:latin typeface="Cambria Math" panose="02040503050406030204" pitchFamily="18" charset="0"/>
                                         </a:rPr>
                                         <m:t>1</m:t>
@@ -7558,7 +7564,7 @@
                                 </m:e>
                                 <m:e>
                                   <m:r>
-                                    <a:rPr lang="fr-FR" sz="2000" b="0" i="1" smtClean="0">
+                                    <a:rPr lang="fr-FR" sz="1600" b="0" i="1" smtClean="0">
                                       <a:latin typeface="Cambria Math" panose="02040503050406030204" pitchFamily="18" charset="0"/>
                                     </a:rPr>
                                     <m:t>0</m:t>
@@ -7568,7 +7574,7 @@
                               <m:mr>
                                 <m:e>
                                   <m:r>
-                                    <a:rPr lang="fr-FR" sz="2000" i="1">
+                                    <a:rPr lang="fr-FR" sz="1600" i="1">
                                       <a:latin typeface="Cambria Math" panose="02040503050406030204" pitchFamily="18" charset="0"/>
                                     </a:rPr>
                                     <m:t>−</m:t>
@@ -7576,14 +7582,14 @@
                                   <m:sSub>
                                     <m:sSubPr>
                                       <m:ctrlPr>
-                                        <a:rPr lang="fr-FR" sz="2000" i="1">
+                                        <a:rPr lang="fr-FR" sz="1600" i="1">
                                           <a:latin typeface="Cambria Math" panose="02040503050406030204" pitchFamily="18" charset="0"/>
                                         </a:rPr>
                                       </m:ctrlPr>
                                     </m:sSubPr>
                                     <m:e>
                                       <m:r>
-                                        <a:rPr lang="fr-FR" sz="2000" i="1">
+                                        <a:rPr lang="fr-FR" sz="1600" i="1">
                                           <a:latin typeface="Cambria Math" panose="02040503050406030204" pitchFamily="18" charset="0"/>
                                         </a:rPr>
                                         <m:t>𝐸</m:t>
@@ -7591,7 +7597,7 @@
                                     </m:e>
                                     <m:sub>
                                       <m:r>
-                                        <a:rPr lang="fr-FR" sz="2000" b="0" i="1" smtClean="0">
+                                        <a:rPr lang="fr-FR" sz="1600" b="0" i="1" smtClean="0">
                                           <a:latin typeface="Cambria Math" panose="02040503050406030204" pitchFamily="18" charset="0"/>
                                         </a:rPr>
                                         <m:t>1</m:t>
@@ -7601,7 +7607,7 @@
                                 </m:e>
                                 <m:e>
                                   <m:r>
-                                    <a:rPr lang="fr-FR" sz="2000" b="0" i="1" smtClean="0">
+                                    <a:rPr lang="fr-FR" sz="1600" b="0" i="1" smtClean="0">
                                       <a:latin typeface="Cambria Math" panose="02040503050406030204" pitchFamily="18" charset="0"/>
                                     </a:rPr>
                                     <m:t>0</m:t>
@@ -7611,14 +7617,14 @@
                                   <m:sSub>
                                     <m:sSubPr>
                                       <m:ctrlPr>
-                                        <a:rPr lang="fr-FR" sz="2000" b="0" i="1" smtClean="0">
+                                        <a:rPr lang="fr-FR" sz="1600" b="0" i="1" smtClean="0">
                                           <a:latin typeface="Cambria Math" panose="02040503050406030204" pitchFamily="18" charset="0"/>
                                         </a:rPr>
                                       </m:ctrlPr>
                                     </m:sSubPr>
                                     <m:e>
                                       <m:r>
-                                        <a:rPr lang="fr-FR" sz="2000" b="0" i="1" smtClean="0">
+                                        <a:rPr lang="fr-FR" sz="1600" b="0" i="1" smtClean="0">
                                           <a:latin typeface="Cambria Math" panose="02040503050406030204" pitchFamily="18" charset="0"/>
                                         </a:rPr>
                                         <m:t>𝐶</m:t>
@@ -7626,7 +7632,7 @@
                                     </m:e>
                                     <m:sub>
                                       <m:r>
-                                        <a:rPr lang="fr-FR" sz="2000" b="0" i="1" smtClean="0">
+                                        <a:rPr lang="fr-FR" sz="1600" b="0" i="1" smtClean="0">
                                           <a:latin typeface="Cambria Math" panose="02040503050406030204" pitchFamily="18" charset="0"/>
                                         </a:rPr>
                                         <m:t>1</m:t>
@@ -7643,7 +7649,7 @@
                         <m:sSub>
                           <m:sSubPr>
                             <m:ctrlPr>
-                              <a:rPr lang="fr-FR" sz="2000" b="0" i="1" smtClean="0">
+                              <a:rPr lang="fr-FR" sz="1600" b="0" i="1" smtClean="0">
                                 <a:latin typeface="Cambria Math" panose="02040503050406030204" pitchFamily="18" charset="0"/>
                                 <a:ea typeface="Cambria Math" panose="02040503050406030204" pitchFamily="18" charset="0"/>
                               </a:rPr>
@@ -7651,7 +7657,7 @@
                           </m:sSubPr>
                           <m:e>
                             <m:r>
-                              <a:rPr lang="fr-FR" sz="2000" b="0" i="1" smtClean="0">
+                              <a:rPr lang="fr-FR" sz="1600" b="0" i="1" smtClean="0">
                                 <a:latin typeface="Cambria Math" panose="02040503050406030204" pitchFamily="18" charset="0"/>
                                 <a:ea typeface="Cambria Math" panose="02040503050406030204" pitchFamily="18" charset="0"/>
                               </a:rPr>
@@ -7660,7 +7666,7 @@
                           </m:e>
                           <m:sub>
                             <m:r>
-                              <a:rPr lang="fr-FR" sz="2000" b="0" i="1" smtClean="0">
+                              <a:rPr lang="fr-FR" sz="1600" b="0" i="1" smtClean="0">
                                 <a:latin typeface="Cambria Math" panose="02040503050406030204" pitchFamily="18" charset="0"/>
                                 <a:ea typeface="Cambria Math" panose="02040503050406030204" pitchFamily="18" charset="0"/>
                               </a:rPr>
@@ -7672,7 +7678,7 @@
                     </m:sSub>
                   </m:oMath>
                 </a14:m>
-                <a:endParaRPr lang="fr-FR" sz="2000" dirty="0"/>
+                <a:endParaRPr lang="fr-FR" sz="1600" dirty="0"/>
               </a:p>
               <a:p>
                 <a:pPr lvl="1"/>
@@ -7682,14 +7688,14 @@
                       <m:accPr>
                         <m:chr m:val="⃗"/>
                         <m:ctrlPr>
-                          <a:rPr lang="fr-FR" sz="2000" i="1" smtClean="0">
+                          <a:rPr lang="fr-FR" sz="1600" i="1" smtClean="0">
                             <a:latin typeface="Cambria Math" panose="02040503050406030204" pitchFamily="18" charset="0"/>
                           </a:rPr>
                         </m:ctrlPr>
                       </m:accPr>
                       <m:e>
                         <m:r>
-                          <a:rPr lang="fr-FR" sz="2000" b="0" i="1" smtClean="0">
+                          <a:rPr lang="fr-FR" sz="1600" b="0" i="1" smtClean="0">
                             <a:latin typeface="Cambria Math" panose="02040503050406030204" pitchFamily="18" charset="0"/>
                           </a:rPr>
                           <m:t>𝜎</m:t>
@@ -7697,35 +7703,41 @@
                         <m:d>
                           <m:dPr>
                             <m:ctrlPr>
-                              <a:rPr lang="fr-FR" sz="2000" b="0" i="1" smtClean="0">
+                              <a:rPr lang="fr-FR" sz="1600" b="0" i="1" smtClean="0">
                                 <a:latin typeface="Cambria Math" panose="02040503050406030204" pitchFamily="18" charset="0"/>
                               </a:rPr>
                             </m:ctrlPr>
                           </m:dPr>
                           <m:e>
                             <m:r>
-                              <a:rPr lang="fr-FR" sz="2000" b="0" i="1" smtClean="0">
+                              <a:rPr lang="fr-FR" sz="1600" b="0" i="1" smtClean="0">
                                 <a:latin typeface="Cambria Math" panose="02040503050406030204" pitchFamily="18" charset="0"/>
                               </a:rPr>
                               <m:t>𝑂</m:t>
                             </m:r>
                             <m:r>
-                              <a:rPr lang="fr-FR" sz="2000" b="0" i="1" smtClean="0">
-                                <a:latin typeface="Cambria Math" panose="02040503050406030204" pitchFamily="18" charset="0"/>
-                              </a:rPr>
-                              <m:t>,1</m:t>
+                              <a:rPr lang="fr-FR" sz="1600" b="0" i="1" smtClean="0">
+                                <a:latin typeface="Cambria Math" panose="02040503050406030204" pitchFamily="18" charset="0"/>
+                              </a:rPr>
+                              <m:t>,</m:t>
+                            </m:r>
+                            <m:r>
+                              <a:rPr lang="fr-FR" sz="1600" b="0" i="1" smtClean="0">
+                                <a:latin typeface="Cambria Math" panose="02040503050406030204" pitchFamily="18" charset="0"/>
+                              </a:rPr>
+                              <m:t>1</m:t>
                             </m:r>
                             <m:r>
                               <m:rPr>
                                 <m:lit/>
                               </m:rPr>
-                              <a:rPr lang="fr-FR" sz="2000" b="0" i="1" smtClean="0">
+                              <a:rPr lang="fr-FR" sz="1600" b="0" i="1" smtClean="0">
                                 <a:latin typeface="Cambria Math" panose="02040503050406030204" pitchFamily="18" charset="0"/>
                               </a:rPr>
                               <m:t>/</m:t>
                             </m:r>
                             <m:r>
-                              <a:rPr lang="fr-FR" sz="2000" b="0" i="1" smtClean="0">
+                              <a:rPr lang="fr-FR" sz="1600" b="0" i="1" smtClean="0">
                                 <a:latin typeface="Cambria Math" panose="02040503050406030204" pitchFamily="18" charset="0"/>
                               </a:rPr>
                               <m:t>0</m:t>
@@ -7735,7 +7747,7 @@
                       </m:e>
                     </m:acc>
                     <m:r>
-                      <a:rPr lang="fr-FR" sz="2000" b="0" i="1" smtClean="0">
+                      <a:rPr lang="fr-FR" sz="1600" b="0" i="1" smtClean="0">
                         <a:latin typeface="Cambria Math" panose="02040503050406030204" pitchFamily="18" charset="0"/>
                       </a:rPr>
                       <m:t>=</m:t>
@@ -7743,7 +7755,7 @@
                     <m:sSub>
                       <m:sSubPr>
                         <m:ctrlPr>
-                          <a:rPr lang="fr-FR" sz="2000" i="1">
+                          <a:rPr lang="fr-FR" sz="1600" i="1">
                             <a:latin typeface="Cambria Math" panose="02040503050406030204" pitchFamily="18" charset="0"/>
                           </a:rPr>
                         </m:ctrlPr>
@@ -7754,7 +7766,7 @@
                             <m:begChr m:val="["/>
                             <m:endChr m:val="]"/>
                             <m:ctrlPr>
-                              <a:rPr lang="fr-FR" sz="2000" i="1">
+                              <a:rPr lang="fr-FR" sz="1600" i="1">
                                 <a:latin typeface="Cambria Math" panose="02040503050406030204" pitchFamily="18" charset="0"/>
                               </a:rPr>
                             </m:ctrlPr>
@@ -7771,7 +7783,7 @@
                                   </m:mc>
                                 </m:mcs>
                                 <m:ctrlPr>
-                                  <a:rPr lang="fr-FR" sz="2000" i="1">
+                                  <a:rPr lang="fr-FR" sz="1600" i="1">
                                     <a:latin typeface="Cambria Math" panose="02040503050406030204" pitchFamily="18" charset="0"/>
                                   </a:rPr>
                                 </m:ctrlPr>
@@ -7781,7 +7793,7 @@
                                   <m:sSub>
                                     <m:sSubPr>
                                       <m:ctrlPr>
-                                        <a:rPr lang="fr-FR" sz="2000" i="1">
+                                        <a:rPr lang="fr-FR" sz="1600" i="1">
                                           <a:latin typeface="Cambria Math" panose="02040503050406030204" pitchFamily="18" charset="0"/>
                                         </a:rPr>
                                       </m:ctrlPr>
@@ -7791,7 +7803,7 @@
                                         <m:rPr>
                                           <m:brk m:alnAt="7"/>
                                         </m:rPr>
-                                        <a:rPr lang="fr-FR" sz="2000" i="1">
+                                        <a:rPr lang="fr-FR" sz="1600" i="1">
                                           <a:latin typeface="Cambria Math" panose="02040503050406030204" pitchFamily="18" charset="0"/>
                                         </a:rPr>
                                         <m:t>𝐴</m:t>
@@ -7799,7 +7811,7 @@
                                     </m:e>
                                     <m:sub>
                                       <m:r>
-                                        <a:rPr lang="fr-FR" sz="2000" i="1">
+                                        <a:rPr lang="fr-FR" sz="1600" i="1">
                                           <a:latin typeface="Cambria Math" panose="02040503050406030204" pitchFamily="18" charset="0"/>
                                         </a:rPr>
                                         <m:t>1</m:t>
@@ -7809,7 +7821,7 @@
                                 </m:e>
                                 <m:e>
                                   <m:r>
-                                    <a:rPr lang="fr-FR" sz="2000" i="1">
+                                    <a:rPr lang="fr-FR" sz="1600" i="1">
                                       <a:latin typeface="Cambria Math" panose="02040503050406030204" pitchFamily="18" charset="0"/>
                                     </a:rPr>
                                     <m:t>0</m:t>
@@ -7817,7 +7829,7 @@
                                 </m:e>
                                 <m:e>
                                   <m:r>
-                                    <a:rPr lang="fr-FR" sz="2000" i="1">
+                                    <a:rPr lang="fr-FR" sz="1600" i="1">
                                       <a:latin typeface="Cambria Math" panose="02040503050406030204" pitchFamily="18" charset="0"/>
                                     </a:rPr>
                                     <m:t>−</m:t>
@@ -7825,14 +7837,14 @@
                                   <m:sSub>
                                     <m:sSubPr>
                                       <m:ctrlPr>
-                                        <a:rPr lang="fr-FR" sz="2000" i="1">
+                                        <a:rPr lang="fr-FR" sz="1600" i="1">
                                           <a:latin typeface="Cambria Math" panose="02040503050406030204" pitchFamily="18" charset="0"/>
                                         </a:rPr>
                                       </m:ctrlPr>
                                     </m:sSubPr>
                                     <m:e>
                                       <m:r>
-                                        <a:rPr lang="fr-FR" sz="2000" i="1">
+                                        <a:rPr lang="fr-FR" sz="1600" i="1">
                                           <a:latin typeface="Cambria Math" panose="02040503050406030204" pitchFamily="18" charset="0"/>
                                         </a:rPr>
                                         <m:t>𝐸</m:t>
@@ -7840,7 +7852,7 @@
                                     </m:e>
                                     <m:sub>
                                       <m:r>
-                                        <a:rPr lang="fr-FR" sz="2000" i="1">
+                                        <a:rPr lang="fr-FR" sz="1600" i="1">
                                           <a:latin typeface="Cambria Math" panose="02040503050406030204" pitchFamily="18" charset="0"/>
                                         </a:rPr>
                                         <m:t>1</m:t>
@@ -7852,7 +7864,7 @@
                               <m:mr>
                                 <m:e>
                                   <m:r>
-                                    <a:rPr lang="fr-FR" sz="2000" i="1">
+                                    <a:rPr lang="fr-FR" sz="1600" i="1">
                                       <a:latin typeface="Cambria Math" panose="02040503050406030204" pitchFamily="18" charset="0"/>
                                     </a:rPr>
                                     <m:t>0</m:t>
@@ -7862,14 +7874,14 @@
                                   <m:sSub>
                                     <m:sSubPr>
                                       <m:ctrlPr>
-                                        <a:rPr lang="fr-FR" sz="2000" i="1">
+                                        <a:rPr lang="fr-FR" sz="1600" i="1">
                                           <a:latin typeface="Cambria Math" panose="02040503050406030204" pitchFamily="18" charset="0"/>
                                         </a:rPr>
                                       </m:ctrlPr>
                                     </m:sSubPr>
                                     <m:e>
                                       <m:r>
-                                        <a:rPr lang="fr-FR" sz="2000" i="1">
+                                        <a:rPr lang="fr-FR" sz="1600" i="1">
                                           <a:latin typeface="Cambria Math" panose="02040503050406030204" pitchFamily="18" charset="0"/>
                                         </a:rPr>
                                         <m:t>𝐵</m:t>
@@ -7877,7 +7889,7 @@
                                     </m:e>
                                     <m:sub>
                                       <m:r>
-                                        <a:rPr lang="fr-FR" sz="2000" i="1">
+                                        <a:rPr lang="fr-FR" sz="1600" i="1">
                                           <a:latin typeface="Cambria Math" panose="02040503050406030204" pitchFamily="18" charset="0"/>
                                         </a:rPr>
                                         <m:t>1</m:t>
@@ -7887,7 +7899,7 @@
                                 </m:e>
                                 <m:e>
                                   <m:r>
-                                    <a:rPr lang="fr-FR" sz="2000" i="1">
+                                    <a:rPr lang="fr-FR" sz="1600" i="1">
                                       <a:latin typeface="Cambria Math" panose="02040503050406030204" pitchFamily="18" charset="0"/>
                                     </a:rPr>
                                     <m:t>0</m:t>
@@ -7897,7 +7909,7 @@
                               <m:mr>
                                 <m:e>
                                   <m:r>
-                                    <a:rPr lang="fr-FR" sz="2000" i="1">
+                                    <a:rPr lang="fr-FR" sz="1600" i="1">
                                       <a:latin typeface="Cambria Math" panose="02040503050406030204" pitchFamily="18" charset="0"/>
                                     </a:rPr>
                                     <m:t>−</m:t>
@@ -7905,14 +7917,14 @@
                                   <m:sSub>
                                     <m:sSubPr>
                                       <m:ctrlPr>
-                                        <a:rPr lang="fr-FR" sz="2000" i="1">
+                                        <a:rPr lang="fr-FR" sz="1600" i="1">
                                           <a:latin typeface="Cambria Math" panose="02040503050406030204" pitchFamily="18" charset="0"/>
                                         </a:rPr>
                                       </m:ctrlPr>
                                     </m:sSubPr>
                                     <m:e>
                                       <m:r>
-                                        <a:rPr lang="fr-FR" sz="2000" i="1">
+                                        <a:rPr lang="fr-FR" sz="1600" i="1">
                                           <a:latin typeface="Cambria Math" panose="02040503050406030204" pitchFamily="18" charset="0"/>
                                         </a:rPr>
                                         <m:t>𝐸</m:t>
@@ -7920,7 +7932,7 @@
                                     </m:e>
                                     <m:sub>
                                       <m:r>
-                                        <a:rPr lang="fr-FR" sz="2000" i="1">
+                                        <a:rPr lang="fr-FR" sz="1600" i="1">
                                           <a:latin typeface="Cambria Math" panose="02040503050406030204" pitchFamily="18" charset="0"/>
                                         </a:rPr>
                                         <m:t>1</m:t>
@@ -7930,7 +7942,7 @@
                                 </m:e>
                                 <m:e>
                                   <m:r>
-                                    <a:rPr lang="fr-FR" sz="2000" i="1">
+                                    <a:rPr lang="fr-FR" sz="1600" i="1">
                                       <a:latin typeface="Cambria Math" panose="02040503050406030204" pitchFamily="18" charset="0"/>
                                     </a:rPr>
                                     <m:t>0</m:t>
@@ -7940,14 +7952,14 @@
                                   <m:sSub>
                                     <m:sSubPr>
                                       <m:ctrlPr>
-                                        <a:rPr lang="fr-FR" sz="2000" i="1">
+                                        <a:rPr lang="fr-FR" sz="1600" i="1">
                                           <a:latin typeface="Cambria Math" panose="02040503050406030204" pitchFamily="18" charset="0"/>
                                         </a:rPr>
                                       </m:ctrlPr>
                                     </m:sSubPr>
                                     <m:e>
                                       <m:r>
-                                        <a:rPr lang="fr-FR" sz="2000" i="1">
+                                        <a:rPr lang="fr-FR" sz="1600" i="1">
                                           <a:latin typeface="Cambria Math" panose="02040503050406030204" pitchFamily="18" charset="0"/>
                                         </a:rPr>
                                         <m:t>𝐶</m:t>
@@ -7955,7 +7967,7 @@
                                     </m:e>
                                     <m:sub>
                                       <m:r>
-                                        <a:rPr lang="fr-FR" sz="2000" i="1">
+                                        <a:rPr lang="fr-FR" sz="1600" i="1">
                                           <a:latin typeface="Cambria Math" panose="02040503050406030204" pitchFamily="18" charset="0"/>
                                         </a:rPr>
                                         <m:t>1</m:t>
@@ -7972,7 +7984,7 @@
                         <m:sSub>
                           <m:sSubPr>
                             <m:ctrlPr>
-                              <a:rPr lang="fr-FR" sz="2000" i="1">
+                              <a:rPr lang="fr-FR" sz="1600" i="1">
                                 <a:latin typeface="Cambria Math" panose="02040503050406030204" pitchFamily="18" charset="0"/>
                                 <a:ea typeface="Cambria Math" panose="02040503050406030204" pitchFamily="18" charset="0"/>
                               </a:rPr>
@@ -7980,7 +7992,7 @@
                           </m:sSubPr>
                           <m:e>
                             <m:r>
-                              <a:rPr lang="fr-FR" sz="2000" i="1">
+                              <a:rPr lang="fr-FR" sz="1600" i="1">
                                 <a:latin typeface="Cambria Math" panose="02040503050406030204" pitchFamily="18" charset="0"/>
                                 <a:ea typeface="Cambria Math" panose="02040503050406030204" pitchFamily="18" charset="0"/>
                               </a:rPr>
@@ -7989,7 +8001,7 @@
                           </m:e>
                           <m:sub>
                             <m:r>
-                              <a:rPr lang="fr-FR" sz="2000" i="1">
+                              <a:rPr lang="fr-FR" sz="1600" i="1">
                                 <a:latin typeface="Cambria Math" panose="02040503050406030204" pitchFamily="18" charset="0"/>
                                 <a:ea typeface="Cambria Math" panose="02040503050406030204" pitchFamily="18" charset="0"/>
                               </a:rPr>
@@ -8002,7 +8014,7 @@
                     <m:sSub>
                       <m:sSubPr>
                         <m:ctrlPr>
-                          <a:rPr lang="fr-FR" sz="2000" b="0" i="1" smtClean="0">
+                          <a:rPr lang="fr-FR" sz="1600" b="0" i="1" smtClean="0">
                             <a:latin typeface="Cambria Math" panose="02040503050406030204" pitchFamily="18" charset="0"/>
                             <a:ea typeface="Cambria Math" panose="02040503050406030204" pitchFamily="18" charset="0"/>
                           </a:rPr>
@@ -8014,7 +8026,7 @@
                             <m:begChr m:val="["/>
                             <m:endChr m:val="]"/>
                             <m:ctrlPr>
-                              <a:rPr lang="fr-FR" sz="2000" i="1" smtClean="0">
+                              <a:rPr lang="fr-FR" sz="1600" i="1" smtClean="0">
                                 <a:latin typeface="Cambria Math" panose="02040503050406030204" pitchFamily="18" charset="0"/>
                                 <a:ea typeface="Cambria Math" panose="02040503050406030204" pitchFamily="18" charset="0"/>
                               </a:rPr>
@@ -8032,7 +8044,7 @@
                                   </m:mc>
                                 </m:mcs>
                                 <m:ctrlPr>
-                                  <a:rPr lang="fr-FR" sz="2000" i="1" smtClean="0">
+                                  <a:rPr lang="fr-FR" sz="1600" i="1" smtClean="0">
                                     <a:latin typeface="Cambria Math" panose="02040503050406030204" pitchFamily="18" charset="0"/>
                                     <a:ea typeface="Cambria Math" panose="02040503050406030204" pitchFamily="18" charset="0"/>
                                   </a:rPr>
@@ -8044,7 +8056,7 @@
                                     <m:rPr>
                                       <m:brk m:alnAt="7"/>
                                     </m:rPr>
-                                    <a:rPr lang="fr-FR" sz="2000" b="0" i="1" smtClean="0">
+                                    <a:rPr lang="fr-FR" sz="1600" b="0" i="1" smtClean="0">
                                       <a:latin typeface="Cambria Math" panose="02040503050406030204" pitchFamily="18" charset="0"/>
                                       <a:ea typeface="Cambria Math" panose="02040503050406030204" pitchFamily="18" charset="0"/>
                                     </a:rPr>
@@ -8055,7 +8067,7 @@
                               <m:mr>
                                 <m:e>
                                   <m:r>
-                                    <a:rPr lang="fr-FR" sz="2000" b="0" i="1" smtClean="0">
+                                    <a:rPr lang="fr-FR" sz="1600" b="0" i="1" smtClean="0">
                                       <a:latin typeface="Cambria Math" panose="02040503050406030204" pitchFamily="18" charset="0"/>
                                       <a:ea typeface="Cambria Math" panose="02040503050406030204" pitchFamily="18" charset="0"/>
                                     </a:rPr>
@@ -8069,7 +8081,7 @@
                                     <m:accPr>
                                       <m:chr m:val="̇"/>
                                       <m:ctrlPr>
-                                        <a:rPr lang="fr-FR" sz="2000" i="1" smtClean="0">
+                                        <a:rPr lang="fr-FR" sz="1600" i="1" smtClean="0">
                                           <a:latin typeface="Cambria Math" panose="02040503050406030204" pitchFamily="18" charset="0"/>
                                           <a:ea typeface="Cambria Math" panose="02040503050406030204" pitchFamily="18" charset="0"/>
                                         </a:rPr>
@@ -8077,7 +8089,7 @@
                                     </m:accPr>
                                     <m:e>
                                       <m:r>
-                                        <a:rPr lang="fr-FR" sz="2000" b="0" i="1" smtClean="0">
+                                        <a:rPr lang="fr-FR" sz="1600" b="0" i="1" smtClean="0">
                                           <a:latin typeface="Cambria Math" panose="02040503050406030204" pitchFamily="18" charset="0"/>
                                           <a:ea typeface="Cambria Math" panose="02040503050406030204" pitchFamily="18" charset="0"/>
                                         </a:rPr>
@@ -8095,7 +8107,7 @@
                         <m:sSub>
                           <m:sSubPr>
                             <m:ctrlPr>
-                              <a:rPr lang="fr-FR" sz="2000" i="1">
+                              <a:rPr lang="fr-FR" sz="1600" i="1">
                                 <a:latin typeface="Cambria Math" panose="02040503050406030204" pitchFamily="18" charset="0"/>
                                 <a:ea typeface="Cambria Math" panose="02040503050406030204" pitchFamily="18" charset="0"/>
                               </a:rPr>
@@ -8103,7 +8115,7 @@
                           </m:sSubPr>
                           <m:e>
                             <m:r>
-                              <a:rPr lang="fr-FR" sz="2000" i="1">
+                              <a:rPr lang="fr-FR" sz="1600" i="1">
                                 <a:latin typeface="Cambria Math" panose="02040503050406030204" pitchFamily="18" charset="0"/>
                                 <a:ea typeface="Cambria Math" panose="02040503050406030204" pitchFamily="18" charset="0"/>
                               </a:rPr>
@@ -8112,7 +8124,7 @@
                           </m:e>
                           <m:sub>
                             <m:r>
-                              <a:rPr lang="fr-FR" sz="2000" i="1">
+                              <a:rPr lang="fr-FR" sz="1600" i="1">
                                 <a:latin typeface="Cambria Math" panose="02040503050406030204" pitchFamily="18" charset="0"/>
                                 <a:ea typeface="Cambria Math" panose="02040503050406030204" pitchFamily="18" charset="0"/>
                               </a:rPr>
@@ -8123,14 +8135,14 @@
                       </m:sub>
                     </m:sSub>
                     <m:r>
-                      <a:rPr lang="fr-FR" sz="2000" b="0" i="1" smtClean="0">
+                      <a:rPr lang="fr-FR" sz="1600" b="0" i="1" smtClean="0">
                         <a:latin typeface="Cambria Math" panose="02040503050406030204" pitchFamily="18" charset="0"/>
                         <a:ea typeface="Cambria Math" panose="02040503050406030204" pitchFamily="18" charset="0"/>
                       </a:rPr>
                       <m:t>=</m:t>
                     </m:r>
                     <m:r>
-                      <a:rPr lang="fr-FR" sz="2000" i="1">
+                      <a:rPr lang="fr-FR" sz="1600" i="1">
                         <a:latin typeface="Cambria Math" panose="02040503050406030204" pitchFamily="18" charset="0"/>
                         <a:ea typeface="Cambria Math" panose="02040503050406030204" pitchFamily="18" charset="0"/>
                       </a:rPr>
@@ -8139,7 +8151,7 @@
                     <m:sSub>
                       <m:sSubPr>
                         <m:ctrlPr>
-                          <a:rPr lang="fr-FR" sz="2000" i="1">
+                          <a:rPr lang="fr-FR" sz="1600" i="1">
                             <a:latin typeface="Cambria Math" panose="02040503050406030204" pitchFamily="18" charset="0"/>
                             <a:ea typeface="Cambria Math" panose="02040503050406030204" pitchFamily="18" charset="0"/>
                           </a:rPr>
@@ -8147,7 +8159,7 @@
                       </m:sSubPr>
                       <m:e>
                         <m:r>
-                          <a:rPr lang="fr-FR" sz="2000" i="1">
+                          <a:rPr lang="fr-FR" sz="1600" i="1">
                             <a:latin typeface="Cambria Math" panose="02040503050406030204" pitchFamily="18" charset="0"/>
                             <a:ea typeface="Cambria Math" panose="02040503050406030204" pitchFamily="18" charset="0"/>
                           </a:rPr>
@@ -8156,7 +8168,7 @@
                       </m:e>
                       <m:sub>
                         <m:r>
-                          <a:rPr lang="fr-FR" sz="2000" i="1">
+                          <a:rPr lang="fr-FR" sz="1600" i="1">
                             <a:latin typeface="Cambria Math" panose="02040503050406030204" pitchFamily="18" charset="0"/>
                             <a:ea typeface="Cambria Math" panose="02040503050406030204" pitchFamily="18" charset="0"/>
                           </a:rPr>
@@ -8168,7 +8180,7 @@
                       <m:accPr>
                         <m:chr m:val="̇"/>
                         <m:ctrlPr>
-                          <a:rPr lang="fr-FR" sz="2000" i="1">
+                          <a:rPr lang="fr-FR" sz="1600" i="1">
                             <a:latin typeface="Cambria Math" panose="02040503050406030204" pitchFamily="18" charset="0"/>
                             <a:ea typeface="Cambria Math" panose="02040503050406030204" pitchFamily="18" charset="0"/>
                           </a:rPr>
@@ -8176,7 +8188,7 @@
                       </m:accPr>
                       <m:e>
                         <m:r>
-                          <a:rPr lang="fr-FR" sz="2000" i="1">
+                          <a:rPr lang="fr-FR" sz="1600" i="1">
                             <a:latin typeface="Cambria Math" panose="02040503050406030204" pitchFamily="18" charset="0"/>
                             <a:ea typeface="Cambria Math" panose="02040503050406030204" pitchFamily="18" charset="0"/>
                           </a:rPr>
@@ -8188,7 +8200,7 @@
                       <m:accPr>
                         <m:chr m:val="⃗"/>
                         <m:ctrlPr>
-                          <a:rPr lang="fr-FR" sz="2000" i="1">
+                          <a:rPr lang="fr-FR" sz="1600" i="1">
                             <a:latin typeface="Cambria Math" panose="02040503050406030204" pitchFamily="18" charset="0"/>
                           </a:rPr>
                         </m:ctrlPr>
@@ -8197,14 +8209,14 @@
                         <m:sSub>
                           <m:sSubPr>
                             <m:ctrlPr>
-                              <a:rPr lang="fr-FR" sz="2000" i="1">
+                              <a:rPr lang="fr-FR" sz="1600" i="1">
                                 <a:latin typeface="Cambria Math" panose="02040503050406030204" pitchFamily="18" charset="0"/>
                               </a:rPr>
                             </m:ctrlPr>
                           </m:sSubPr>
                           <m:e>
                             <m:r>
-                              <a:rPr lang="fr-FR" sz="2000" i="1">
+                              <a:rPr lang="fr-FR" sz="1600" i="1">
                                 <a:latin typeface="Cambria Math" panose="02040503050406030204" pitchFamily="18" charset="0"/>
                               </a:rPr>
                               <m:t>𝑥</m:t>
@@ -8212,7 +8224,7 @@
                           </m:e>
                           <m:sub>
                             <m:r>
-                              <a:rPr lang="fr-FR" sz="2000" i="1">
+                              <a:rPr lang="fr-FR" sz="1600" i="1">
                                 <a:latin typeface="Cambria Math" panose="02040503050406030204" pitchFamily="18" charset="0"/>
                               </a:rPr>
                               <m:t>1</m:t>
@@ -8222,7 +8234,7 @@
                       </m:e>
                     </m:acc>
                     <m:r>
-                      <a:rPr lang="fr-FR" sz="2000" i="1" dirty="0" smtClean="0">
+                      <a:rPr lang="fr-FR" sz="1600" i="1" dirty="0" smtClean="0">
                         <a:latin typeface="Cambria Math" panose="02040503050406030204" pitchFamily="18" charset="0"/>
                         <a:ea typeface="Cambria Math" panose="02040503050406030204" pitchFamily="18" charset="0"/>
                       </a:rPr>
@@ -8231,7 +8243,7 @@
                     <m:sSub>
                       <m:sSubPr>
                         <m:ctrlPr>
-                          <a:rPr lang="fr-FR" sz="2000" i="1">
+                          <a:rPr lang="fr-FR" sz="1600" i="1">
                             <a:latin typeface="Cambria Math" panose="02040503050406030204" pitchFamily="18" charset="0"/>
                             <a:ea typeface="Cambria Math" panose="02040503050406030204" pitchFamily="18" charset="0"/>
                           </a:rPr>
@@ -8239,7 +8251,7 @@
                       </m:sSubPr>
                       <m:e>
                         <m:r>
-                          <a:rPr lang="fr-FR" sz="2000" b="0" i="1" smtClean="0">
+                          <a:rPr lang="fr-FR" sz="1600" b="0" i="1" smtClean="0">
                             <a:latin typeface="Cambria Math" panose="02040503050406030204" pitchFamily="18" charset="0"/>
                             <a:ea typeface="Cambria Math" panose="02040503050406030204" pitchFamily="18" charset="0"/>
                           </a:rPr>
@@ -8248,7 +8260,7 @@
                       </m:e>
                       <m:sub>
                         <m:r>
-                          <a:rPr lang="fr-FR" sz="2000" i="1">
+                          <a:rPr lang="fr-FR" sz="1600" i="1">
                             <a:latin typeface="Cambria Math" panose="02040503050406030204" pitchFamily="18" charset="0"/>
                             <a:ea typeface="Cambria Math" panose="02040503050406030204" pitchFamily="18" charset="0"/>
                           </a:rPr>
@@ -8260,7 +8272,7 @@
                       <m:accPr>
                         <m:chr m:val="̇"/>
                         <m:ctrlPr>
-                          <a:rPr lang="fr-FR" sz="2000" i="1">
+                          <a:rPr lang="fr-FR" sz="1600" i="1">
                             <a:latin typeface="Cambria Math" panose="02040503050406030204" pitchFamily="18" charset="0"/>
                             <a:ea typeface="Cambria Math" panose="02040503050406030204" pitchFamily="18" charset="0"/>
                           </a:rPr>
@@ -8268,7 +8280,7 @@
                       </m:accPr>
                       <m:e>
                         <m:r>
-                          <a:rPr lang="fr-FR" sz="2000" i="1">
+                          <a:rPr lang="fr-FR" sz="1600" i="1">
                             <a:latin typeface="Cambria Math" panose="02040503050406030204" pitchFamily="18" charset="0"/>
                             <a:ea typeface="Cambria Math" panose="02040503050406030204" pitchFamily="18" charset="0"/>
                           </a:rPr>
@@ -8280,7 +8292,7 @@
                       <m:accPr>
                         <m:chr m:val="⃗"/>
                         <m:ctrlPr>
-                          <a:rPr lang="fr-FR" sz="2000" i="1">
+                          <a:rPr lang="fr-FR" sz="1600" i="1">
                             <a:latin typeface="Cambria Math" panose="02040503050406030204" pitchFamily="18" charset="0"/>
                           </a:rPr>
                         </m:ctrlPr>
@@ -8289,14 +8301,14 @@
                         <m:sSub>
                           <m:sSubPr>
                             <m:ctrlPr>
-                              <a:rPr lang="fr-FR" sz="2000" i="1">
+                              <a:rPr lang="fr-FR" sz="1600" i="1">
                                 <a:latin typeface="Cambria Math" panose="02040503050406030204" pitchFamily="18" charset="0"/>
                               </a:rPr>
                             </m:ctrlPr>
                           </m:sSubPr>
                           <m:e>
                             <m:r>
-                              <a:rPr lang="fr-FR" sz="2000" b="0" i="1" smtClean="0">
+                              <a:rPr lang="fr-FR" sz="1600" b="0" i="1" smtClean="0">
                                 <a:latin typeface="Cambria Math" panose="02040503050406030204" pitchFamily="18" charset="0"/>
                               </a:rPr>
                               <m:t>𝑧</m:t>
@@ -8304,7 +8316,7 @@
                           </m:e>
                           <m:sub>
                             <m:r>
-                              <a:rPr lang="fr-FR" sz="2000" i="1">
+                              <a:rPr lang="fr-FR" sz="1600" i="1">
                                 <a:latin typeface="Cambria Math" panose="02040503050406030204" pitchFamily="18" charset="0"/>
                               </a:rPr>
                               <m:t>1</m:t>
@@ -8315,7 +8327,7 @@
                     </m:acc>
                   </m:oMath>
                 </a14:m>
-                <a:endParaRPr lang="fr-FR" sz="2000" dirty="0"/>
+                <a:endParaRPr lang="fr-FR" sz="1600" dirty="0"/>
               </a:p>
               <a:p>
                 <a:pPr lvl="1"/>
@@ -8325,14 +8337,14 @@
                       <m:accPr>
                         <m:chr m:val="⃗"/>
                         <m:ctrlPr>
-                          <a:rPr lang="fr-FR" sz="2000" i="1" smtClean="0">
+                          <a:rPr lang="fr-FR" sz="1600" i="1" smtClean="0">
                             <a:latin typeface="Cambria Math" panose="02040503050406030204" pitchFamily="18" charset="0"/>
                           </a:rPr>
                         </m:ctrlPr>
                       </m:accPr>
                       <m:e>
                         <m:r>
-                          <a:rPr lang="fr-FR" sz="2000" b="0" i="1" smtClean="0">
+                          <a:rPr lang="fr-FR" sz="1600" b="0" i="1" smtClean="0">
                             <a:latin typeface="Cambria Math" panose="02040503050406030204" pitchFamily="18" charset="0"/>
                           </a:rPr>
                           <m:t>𝛿</m:t>
@@ -8340,35 +8352,41 @@
                         <m:d>
                           <m:dPr>
                             <m:ctrlPr>
-                              <a:rPr lang="fr-FR" sz="2000" b="0" i="1" smtClean="0">
+                              <a:rPr lang="fr-FR" sz="1600" b="0" i="1" smtClean="0">
                                 <a:latin typeface="Cambria Math" panose="02040503050406030204" pitchFamily="18" charset="0"/>
                               </a:rPr>
                             </m:ctrlPr>
                           </m:dPr>
                           <m:e>
                             <m:r>
-                              <a:rPr lang="fr-FR" sz="2000" b="0" i="1" smtClean="0">
+                              <a:rPr lang="fr-FR" sz="1600" b="0" i="1" smtClean="0">
                                 <a:latin typeface="Cambria Math" panose="02040503050406030204" pitchFamily="18" charset="0"/>
                               </a:rPr>
                               <m:t>𝑂</m:t>
                             </m:r>
                             <m:r>
-                              <a:rPr lang="fr-FR" sz="2000" b="0" i="1" smtClean="0">
-                                <a:latin typeface="Cambria Math" panose="02040503050406030204" pitchFamily="18" charset="0"/>
-                              </a:rPr>
-                              <m:t>,1</m:t>
+                              <a:rPr lang="fr-FR" sz="1600" b="0" i="1" smtClean="0">
+                                <a:latin typeface="Cambria Math" panose="02040503050406030204" pitchFamily="18" charset="0"/>
+                              </a:rPr>
+                              <m:t>,</m:t>
+                            </m:r>
+                            <m:r>
+                              <a:rPr lang="fr-FR" sz="1600" b="0" i="1" smtClean="0">
+                                <a:latin typeface="Cambria Math" panose="02040503050406030204" pitchFamily="18" charset="0"/>
+                              </a:rPr>
+                              <m:t>1</m:t>
                             </m:r>
                             <m:r>
                               <m:rPr>
                                 <m:lit/>
                               </m:rPr>
-                              <a:rPr lang="fr-FR" sz="2000" b="0" i="1" smtClean="0">
+                              <a:rPr lang="fr-FR" sz="1600" b="0" i="1" smtClean="0">
                                 <a:latin typeface="Cambria Math" panose="02040503050406030204" pitchFamily="18" charset="0"/>
                               </a:rPr>
                               <m:t>/</m:t>
                             </m:r>
                             <m:r>
-                              <a:rPr lang="fr-FR" sz="2000" b="0" i="1" smtClean="0">
+                              <a:rPr lang="fr-FR" sz="1600" b="0" i="1" smtClean="0">
                                 <a:latin typeface="Cambria Math" panose="02040503050406030204" pitchFamily="18" charset="0"/>
                               </a:rPr>
                               <m:t>0</m:t>
@@ -8378,13 +8396,13 @@
                       </m:e>
                     </m:acc>
                     <m:r>
-                      <a:rPr lang="fr-FR" sz="2000" b="0" i="1" smtClean="0">
+                      <a:rPr lang="fr-FR" sz="1600" b="0" i="1" smtClean="0">
                         <a:latin typeface="Cambria Math" panose="02040503050406030204" pitchFamily="18" charset="0"/>
                       </a:rPr>
                       <m:t>=</m:t>
                     </m:r>
                     <m:r>
-                      <a:rPr lang="fr-FR" sz="2000" i="1">
+                      <a:rPr lang="fr-FR" sz="1600" i="1">
                         <a:latin typeface="Cambria Math" panose="02040503050406030204" pitchFamily="18" charset="0"/>
                         <a:ea typeface="Cambria Math" panose="02040503050406030204" pitchFamily="18" charset="0"/>
                       </a:rPr>
@@ -8393,7 +8411,7 @@
                     <m:sSub>
                       <m:sSubPr>
                         <m:ctrlPr>
-                          <a:rPr lang="fr-FR" sz="2000" i="1">
+                          <a:rPr lang="fr-FR" sz="1600" i="1">
                             <a:latin typeface="Cambria Math" panose="02040503050406030204" pitchFamily="18" charset="0"/>
                             <a:ea typeface="Cambria Math" panose="02040503050406030204" pitchFamily="18" charset="0"/>
                           </a:rPr>
@@ -8401,7 +8419,7 @@
                       </m:sSubPr>
                       <m:e>
                         <m:r>
-                          <a:rPr lang="fr-FR" sz="2000" i="1">
+                          <a:rPr lang="fr-FR" sz="1600" i="1">
                             <a:latin typeface="Cambria Math" panose="02040503050406030204" pitchFamily="18" charset="0"/>
                             <a:ea typeface="Cambria Math" panose="02040503050406030204" pitchFamily="18" charset="0"/>
                           </a:rPr>
@@ -8410,7 +8428,7 @@
                       </m:e>
                       <m:sub>
                         <m:r>
-                          <a:rPr lang="fr-FR" sz="2000" i="1">
+                          <a:rPr lang="fr-FR" sz="1600" i="1">
                             <a:latin typeface="Cambria Math" panose="02040503050406030204" pitchFamily="18" charset="0"/>
                             <a:ea typeface="Cambria Math" panose="02040503050406030204" pitchFamily="18" charset="0"/>
                           </a:rPr>
@@ -8422,7 +8440,7 @@
                       <m:accPr>
                         <m:chr m:val="̈"/>
                         <m:ctrlPr>
-                          <a:rPr lang="fr-FR" sz="2000" i="1">
+                          <a:rPr lang="fr-FR" sz="1600" i="1">
                             <a:latin typeface="Cambria Math" panose="02040503050406030204" pitchFamily="18" charset="0"/>
                             <a:ea typeface="Cambria Math" panose="02040503050406030204" pitchFamily="18" charset="0"/>
                           </a:rPr>
@@ -8430,7 +8448,7 @@
                       </m:accPr>
                       <m:e>
                         <m:r>
-                          <a:rPr lang="fr-FR" sz="2000" i="1">
+                          <a:rPr lang="fr-FR" sz="1600" i="1">
                             <a:latin typeface="Cambria Math" panose="02040503050406030204" pitchFamily="18" charset="0"/>
                             <a:ea typeface="Cambria Math" panose="02040503050406030204" pitchFamily="18" charset="0"/>
                           </a:rPr>
@@ -8442,7 +8460,7 @@
                       <m:accPr>
                         <m:chr m:val="⃗"/>
                         <m:ctrlPr>
-                          <a:rPr lang="fr-FR" sz="2000" i="1">
+                          <a:rPr lang="fr-FR" sz="1600" i="1">
                             <a:latin typeface="Cambria Math" panose="02040503050406030204" pitchFamily="18" charset="0"/>
                           </a:rPr>
                         </m:ctrlPr>
@@ -8451,14 +8469,14 @@
                         <m:sSub>
                           <m:sSubPr>
                             <m:ctrlPr>
-                              <a:rPr lang="fr-FR" sz="2000" i="1">
+                              <a:rPr lang="fr-FR" sz="1600" i="1">
                                 <a:latin typeface="Cambria Math" panose="02040503050406030204" pitchFamily="18" charset="0"/>
                               </a:rPr>
                             </m:ctrlPr>
                           </m:sSubPr>
                           <m:e>
                             <m:r>
-                              <a:rPr lang="fr-FR" sz="2000" i="1">
+                              <a:rPr lang="fr-FR" sz="1600" i="1">
                                 <a:latin typeface="Cambria Math" panose="02040503050406030204" pitchFamily="18" charset="0"/>
                               </a:rPr>
                               <m:t>𝑥</m:t>
@@ -8466,7 +8484,7 @@
                           </m:e>
                           <m:sub>
                             <m:r>
-                              <a:rPr lang="fr-FR" sz="2000" i="1">
+                              <a:rPr lang="fr-FR" sz="1600" i="1">
                                 <a:latin typeface="Cambria Math" panose="02040503050406030204" pitchFamily="18" charset="0"/>
                               </a:rPr>
                               <m:t>1</m:t>
@@ -8476,7 +8494,7 @@
                       </m:e>
                     </m:acc>
                     <m:r>
-                      <a:rPr lang="fr-FR" sz="2000" i="1">
+                      <a:rPr lang="fr-FR" sz="1600" i="1">
                         <a:latin typeface="Cambria Math" panose="02040503050406030204" pitchFamily="18" charset="0"/>
                         <a:ea typeface="Cambria Math" panose="02040503050406030204" pitchFamily="18" charset="0"/>
                       </a:rPr>
@@ -8485,7 +8503,7 @@
                     <m:sSub>
                       <m:sSubPr>
                         <m:ctrlPr>
-                          <a:rPr lang="fr-FR" sz="2000" i="1">
+                          <a:rPr lang="fr-FR" sz="1600" i="1">
                             <a:latin typeface="Cambria Math" panose="02040503050406030204" pitchFamily="18" charset="0"/>
                             <a:ea typeface="Cambria Math" panose="02040503050406030204" pitchFamily="18" charset="0"/>
                           </a:rPr>
@@ -8493,7 +8511,7 @@
                       </m:sSubPr>
                       <m:e>
                         <m:r>
-                          <a:rPr lang="fr-FR" sz="2000" i="1">
+                          <a:rPr lang="fr-FR" sz="1600" i="1">
                             <a:latin typeface="Cambria Math" panose="02040503050406030204" pitchFamily="18" charset="0"/>
                             <a:ea typeface="Cambria Math" panose="02040503050406030204" pitchFamily="18" charset="0"/>
                           </a:rPr>
@@ -8502,7 +8520,7 @@
                       </m:e>
                       <m:sub>
                         <m:r>
-                          <a:rPr lang="fr-FR" sz="2000" i="1">
+                          <a:rPr lang="fr-FR" sz="1600" i="1">
                             <a:latin typeface="Cambria Math" panose="02040503050406030204" pitchFamily="18" charset="0"/>
                             <a:ea typeface="Cambria Math" panose="02040503050406030204" pitchFamily="18" charset="0"/>
                           </a:rPr>
@@ -8513,7 +8531,7 @@
                     <m:sSup>
                       <m:sSupPr>
                         <m:ctrlPr>
-                          <a:rPr lang="fr-FR" sz="2000" b="0" i="1" smtClean="0">
+                          <a:rPr lang="fr-FR" sz="1600" b="0" i="1" smtClean="0">
                             <a:latin typeface="Cambria Math" panose="02040503050406030204" pitchFamily="18" charset="0"/>
                             <a:ea typeface="Cambria Math" panose="02040503050406030204" pitchFamily="18" charset="0"/>
                           </a:rPr>
@@ -8524,7 +8542,7 @@
                           <m:accPr>
                             <m:chr m:val="̇"/>
                             <m:ctrlPr>
-                              <a:rPr lang="fr-FR" sz="2000" i="1">
+                              <a:rPr lang="fr-FR" sz="1600" i="1">
                                 <a:latin typeface="Cambria Math" panose="02040503050406030204" pitchFamily="18" charset="0"/>
                                 <a:ea typeface="Cambria Math" panose="02040503050406030204" pitchFamily="18" charset="0"/>
                               </a:rPr>
@@ -8532,7 +8550,7 @@
                           </m:accPr>
                           <m:e>
                             <m:r>
-                              <a:rPr lang="fr-FR" sz="2000" i="1">
+                              <a:rPr lang="fr-FR" sz="1600" i="1">
                                 <a:latin typeface="Cambria Math" panose="02040503050406030204" pitchFamily="18" charset="0"/>
                                 <a:ea typeface="Cambria Math" panose="02040503050406030204" pitchFamily="18" charset="0"/>
                               </a:rPr>
@@ -8543,7 +8561,7 @@
                       </m:e>
                       <m:sup>
                         <m:r>
-                          <a:rPr lang="fr-FR" sz="2000" b="0" i="1" smtClean="0">
+                          <a:rPr lang="fr-FR" sz="1600" b="0" i="1" smtClean="0">
                             <a:latin typeface="Cambria Math" panose="02040503050406030204" pitchFamily="18" charset="0"/>
                             <a:ea typeface="Cambria Math" panose="02040503050406030204" pitchFamily="18" charset="0"/>
                           </a:rPr>
@@ -8555,7 +8573,7 @@
                       <m:accPr>
                         <m:chr m:val="⃗"/>
                         <m:ctrlPr>
-                          <a:rPr lang="fr-FR" sz="2000" i="1">
+                          <a:rPr lang="fr-FR" sz="1600" i="1">
                             <a:latin typeface="Cambria Math" panose="02040503050406030204" pitchFamily="18" charset="0"/>
                           </a:rPr>
                         </m:ctrlPr>
@@ -8564,14 +8582,14 @@
                         <m:sSub>
                           <m:sSubPr>
                             <m:ctrlPr>
-                              <a:rPr lang="fr-FR" sz="2000" i="1">
+                              <a:rPr lang="fr-FR" sz="1600" i="1">
                                 <a:latin typeface="Cambria Math" panose="02040503050406030204" pitchFamily="18" charset="0"/>
                               </a:rPr>
                             </m:ctrlPr>
                           </m:sSubPr>
                           <m:e>
                             <m:r>
-                              <a:rPr lang="fr-FR" sz="2000" b="0" i="1" smtClean="0">
+                              <a:rPr lang="fr-FR" sz="1600" b="0" i="1" smtClean="0">
                                 <a:latin typeface="Cambria Math" panose="02040503050406030204" pitchFamily="18" charset="0"/>
                               </a:rPr>
                               <m:t>𝑦</m:t>
@@ -8579,7 +8597,7 @@
                           </m:e>
                           <m:sub>
                             <m:r>
-                              <a:rPr lang="fr-FR" sz="2000" i="1">
+                              <a:rPr lang="fr-FR" sz="1600" i="1">
                                 <a:latin typeface="Cambria Math" panose="02040503050406030204" pitchFamily="18" charset="0"/>
                               </a:rPr>
                               <m:t>1</m:t>
@@ -8589,7 +8607,7 @@
                       </m:e>
                     </m:acc>
                     <m:r>
-                      <a:rPr lang="fr-FR" sz="2000" i="1" dirty="0">
+                      <a:rPr lang="fr-FR" sz="1600" i="1" dirty="0">
                         <a:latin typeface="Cambria Math" panose="02040503050406030204" pitchFamily="18" charset="0"/>
                         <a:ea typeface="Cambria Math" panose="02040503050406030204" pitchFamily="18" charset="0"/>
                       </a:rPr>
@@ -8598,7 +8616,7 @@
                     <m:sSub>
                       <m:sSubPr>
                         <m:ctrlPr>
-                          <a:rPr lang="fr-FR" sz="2000" i="1">
+                          <a:rPr lang="fr-FR" sz="1600" i="1">
                             <a:latin typeface="Cambria Math" panose="02040503050406030204" pitchFamily="18" charset="0"/>
                             <a:ea typeface="Cambria Math" panose="02040503050406030204" pitchFamily="18" charset="0"/>
                           </a:rPr>
@@ -8606,7 +8624,7 @@
                       </m:sSubPr>
                       <m:e>
                         <m:r>
-                          <a:rPr lang="fr-FR" sz="2000" i="1">
+                          <a:rPr lang="fr-FR" sz="1600" i="1">
                             <a:latin typeface="Cambria Math" panose="02040503050406030204" pitchFamily="18" charset="0"/>
                             <a:ea typeface="Cambria Math" panose="02040503050406030204" pitchFamily="18" charset="0"/>
                           </a:rPr>
@@ -8615,7 +8633,7 @@
                       </m:e>
                       <m:sub>
                         <m:r>
-                          <a:rPr lang="fr-FR" sz="2000" i="1">
+                          <a:rPr lang="fr-FR" sz="1600" i="1">
                             <a:latin typeface="Cambria Math" panose="02040503050406030204" pitchFamily="18" charset="0"/>
                             <a:ea typeface="Cambria Math" panose="02040503050406030204" pitchFamily="18" charset="0"/>
                           </a:rPr>
@@ -8627,7 +8645,7 @@
                       <m:accPr>
                         <m:chr m:val="̈"/>
                         <m:ctrlPr>
-                          <a:rPr lang="fr-FR" sz="2000" i="1">
+                          <a:rPr lang="fr-FR" sz="1600" i="1">
                             <a:latin typeface="Cambria Math" panose="02040503050406030204" pitchFamily="18" charset="0"/>
                             <a:ea typeface="Cambria Math" panose="02040503050406030204" pitchFamily="18" charset="0"/>
                           </a:rPr>
@@ -8635,7 +8653,7 @@
                       </m:accPr>
                       <m:e>
                         <m:r>
-                          <a:rPr lang="fr-FR" sz="2000" i="1">
+                          <a:rPr lang="fr-FR" sz="1600" i="1">
                             <a:latin typeface="Cambria Math" panose="02040503050406030204" pitchFamily="18" charset="0"/>
                             <a:ea typeface="Cambria Math" panose="02040503050406030204" pitchFamily="18" charset="0"/>
                           </a:rPr>
@@ -8647,7 +8665,7 @@
                       <m:accPr>
                         <m:chr m:val="⃗"/>
                         <m:ctrlPr>
-                          <a:rPr lang="fr-FR" sz="2000" i="1">
+                          <a:rPr lang="fr-FR" sz="1600" i="1">
                             <a:latin typeface="Cambria Math" panose="02040503050406030204" pitchFamily="18" charset="0"/>
                           </a:rPr>
                         </m:ctrlPr>
@@ -8656,14 +8674,14 @@
                         <m:sSub>
                           <m:sSubPr>
                             <m:ctrlPr>
-                              <a:rPr lang="fr-FR" sz="2000" i="1">
+                              <a:rPr lang="fr-FR" sz="1600" i="1">
                                 <a:latin typeface="Cambria Math" panose="02040503050406030204" pitchFamily="18" charset="0"/>
                               </a:rPr>
                             </m:ctrlPr>
                           </m:sSubPr>
                           <m:e>
                             <m:r>
-                              <a:rPr lang="fr-FR" sz="2000" i="1">
+                              <a:rPr lang="fr-FR" sz="1600" i="1">
                                 <a:latin typeface="Cambria Math" panose="02040503050406030204" pitchFamily="18" charset="0"/>
                               </a:rPr>
                               <m:t>𝑧</m:t>
@@ -8671,7 +8689,7 @@
                           </m:e>
                           <m:sub>
                             <m:r>
-                              <a:rPr lang="fr-FR" sz="2000" i="1">
+                              <a:rPr lang="fr-FR" sz="1600" i="1">
                                 <a:latin typeface="Cambria Math" panose="02040503050406030204" pitchFamily="18" charset="0"/>
                               </a:rPr>
                               <m:t>1</m:t>
@@ -8682,1469 +8700,7 @@
                     </m:acc>
                   </m:oMath>
                 </a14:m>
-                <a:endParaRPr lang="fr-FR" sz="2000" dirty="0"/>
-              </a:p>
-              <a:p>
-                <a:r>
-                  <a:rPr lang="fr-FR" sz="2400" dirty="0"/>
-                  <a:t>Solide 2 : </a:t>
-                </a:r>
-              </a:p>
-              <a:p>
-                <a:pPr lvl="1"/>
-                <a:r>
-                  <a:rPr lang="fr-FR" sz="2000" dirty="0"/>
-                  <a:t>Le plan </a:t>
-                </a:r>
-                <a14:m>
-                  <m:oMath xmlns:m="http://schemas.openxmlformats.org/officeDocument/2006/math">
-                    <m:d>
-                      <m:dPr>
-                        <m:ctrlPr>
-                          <a:rPr lang="fr-FR" sz="2000" i="1" smtClean="0">
-                            <a:latin typeface="Cambria Math" panose="02040503050406030204" pitchFamily="18" charset="0"/>
-                          </a:rPr>
-                        </m:ctrlPr>
-                      </m:dPr>
-                      <m:e>
-                        <m:r>
-                          <a:rPr lang="fr-FR" sz="2000" b="0" i="1" smtClean="0">
-                            <a:latin typeface="Cambria Math" panose="02040503050406030204" pitchFamily="18" charset="0"/>
-                          </a:rPr>
-                          <m:t>𝑂</m:t>
-                        </m:r>
-                        <m:r>
-                          <a:rPr lang="fr-FR" sz="2000" b="0" i="1" smtClean="0">
-                            <a:latin typeface="Cambria Math" panose="02040503050406030204" pitchFamily="18" charset="0"/>
-                          </a:rPr>
-                          <m:t>,</m:t>
-                        </m:r>
-                        <m:acc>
-                          <m:accPr>
-                            <m:chr m:val="⃗"/>
-                            <m:ctrlPr>
-                              <a:rPr lang="fr-FR" sz="2000" i="1">
-                                <a:latin typeface="Cambria Math" panose="02040503050406030204" pitchFamily="18" charset="0"/>
-                              </a:rPr>
-                            </m:ctrlPr>
-                          </m:accPr>
-                          <m:e>
-                            <m:sSub>
-                              <m:sSubPr>
-                                <m:ctrlPr>
-                                  <a:rPr lang="fr-FR" sz="2000" i="1">
-                                    <a:latin typeface="Cambria Math" panose="02040503050406030204" pitchFamily="18" charset="0"/>
-                                  </a:rPr>
-                                </m:ctrlPr>
-                              </m:sSubPr>
-                              <m:e>
-                                <m:r>
-                                  <a:rPr lang="fr-FR" sz="2000" i="1">
-                                    <a:latin typeface="Cambria Math" panose="02040503050406030204" pitchFamily="18" charset="0"/>
-                                  </a:rPr>
-                                  <m:t>𝑧</m:t>
-                                </m:r>
-                              </m:e>
-                              <m:sub>
-                                <m:r>
-                                  <a:rPr lang="fr-FR" sz="2000" i="1">
-                                    <a:latin typeface="Cambria Math" panose="02040503050406030204" pitchFamily="18" charset="0"/>
-                                  </a:rPr>
-                                  <m:t>2</m:t>
-                                </m:r>
-                              </m:sub>
-                            </m:sSub>
-                          </m:e>
-                        </m:acc>
-                        <m:r>
-                          <a:rPr lang="fr-FR" sz="2000" b="0" i="1" smtClean="0">
-                            <a:latin typeface="Cambria Math" panose="02040503050406030204" pitchFamily="18" charset="0"/>
-                          </a:rPr>
-                          <m:t>,</m:t>
-                        </m:r>
-                        <m:acc>
-                          <m:accPr>
-                            <m:chr m:val="⃗"/>
-                            <m:ctrlPr>
-                              <a:rPr lang="fr-FR" sz="2000" i="1">
-                                <a:latin typeface="Cambria Math" panose="02040503050406030204" pitchFamily="18" charset="0"/>
-                              </a:rPr>
-                            </m:ctrlPr>
-                          </m:accPr>
-                          <m:e>
-                            <m:sSub>
-                              <m:sSubPr>
-                                <m:ctrlPr>
-                                  <a:rPr lang="fr-FR" sz="2000" i="1">
-                                    <a:latin typeface="Cambria Math" panose="02040503050406030204" pitchFamily="18" charset="0"/>
-                                  </a:rPr>
-                                </m:ctrlPr>
-                              </m:sSubPr>
-                              <m:e>
-                                <m:r>
-                                  <a:rPr lang="fr-FR" sz="2000" b="0" i="1" smtClean="0">
-                                    <a:latin typeface="Cambria Math" panose="02040503050406030204" pitchFamily="18" charset="0"/>
-                                  </a:rPr>
-                                  <m:t>𝑥</m:t>
-                                </m:r>
-                              </m:e>
-                              <m:sub>
-                                <m:r>
-                                  <a:rPr lang="fr-FR" sz="2000" i="1">
-                                    <a:latin typeface="Cambria Math" panose="02040503050406030204" pitchFamily="18" charset="0"/>
-                                  </a:rPr>
-                                  <m:t>2</m:t>
-                                </m:r>
-                              </m:sub>
-                            </m:sSub>
-                          </m:e>
-                        </m:acc>
-                      </m:e>
-                    </m:d>
-                  </m:oMath>
-                </a14:m>
-                <a:r>
-                  <a:rPr lang="fr-FR" sz="2000" dirty="0"/>
-                  <a:t> est plan de symétrie; donc : </a:t>
-                </a:r>
-                <a14:m>
-                  <m:oMath xmlns:m="http://schemas.openxmlformats.org/officeDocument/2006/math">
-                    <m:r>
-                      <a:rPr lang="fr-FR" sz="2000" b="0" i="1" smtClean="0">
-                        <a:latin typeface="Cambria Math" panose="02040503050406030204" pitchFamily="18" charset="0"/>
-                      </a:rPr>
-                      <m:t>𝐼</m:t>
-                    </m:r>
-                    <m:d>
-                      <m:dPr>
-                        <m:ctrlPr>
-                          <a:rPr lang="fr-FR" sz="2000" b="0" i="1" smtClean="0">
-                            <a:latin typeface="Cambria Math" panose="02040503050406030204" pitchFamily="18" charset="0"/>
-                          </a:rPr>
-                        </m:ctrlPr>
-                      </m:dPr>
-                      <m:e>
-                        <m:r>
-                          <a:rPr lang="fr-FR" sz="2000" b="0" i="1" smtClean="0">
-                            <a:latin typeface="Cambria Math" panose="02040503050406030204" pitchFamily="18" charset="0"/>
-                          </a:rPr>
-                          <m:t>𝑂</m:t>
-                        </m:r>
-                        <m:r>
-                          <a:rPr lang="fr-FR" sz="2000" b="0" i="1" smtClean="0">
-                            <a:latin typeface="Cambria Math" panose="02040503050406030204" pitchFamily="18" charset="0"/>
-                          </a:rPr>
-                          <m:t>,2</m:t>
-                        </m:r>
-                      </m:e>
-                    </m:d>
-                    <m:r>
-                      <a:rPr lang="fr-FR" sz="2000" b="0" i="1" smtClean="0">
-                        <a:latin typeface="Cambria Math" panose="02040503050406030204" pitchFamily="18" charset="0"/>
-                      </a:rPr>
-                      <m:t>=</m:t>
-                    </m:r>
-                    <m:sSub>
-                      <m:sSubPr>
-                        <m:ctrlPr>
-                          <a:rPr lang="fr-FR" sz="2000" b="0" i="1" smtClean="0">
-                            <a:latin typeface="Cambria Math" panose="02040503050406030204" pitchFamily="18" charset="0"/>
-                          </a:rPr>
-                        </m:ctrlPr>
-                      </m:sSubPr>
-                      <m:e>
-                        <m:d>
-                          <m:dPr>
-                            <m:begChr m:val="["/>
-                            <m:endChr m:val="]"/>
-                            <m:ctrlPr>
-                              <a:rPr lang="fr-FR" sz="2000" b="0" i="1" smtClean="0">
-                                <a:latin typeface="Cambria Math" panose="02040503050406030204" pitchFamily="18" charset="0"/>
-                              </a:rPr>
-                            </m:ctrlPr>
-                          </m:dPr>
-                          <m:e>
-                            <m:m>
-                              <m:mPr>
-                                <m:mcs>
-                                  <m:mc>
-                                    <m:mcPr>
-                                      <m:count m:val="3"/>
-                                      <m:mcJc m:val="center"/>
-                                    </m:mcPr>
-                                  </m:mc>
-                                </m:mcs>
-                                <m:ctrlPr>
-                                  <a:rPr lang="fr-FR" sz="2000" b="0" i="1" smtClean="0">
-                                    <a:latin typeface="Cambria Math" panose="02040503050406030204" pitchFamily="18" charset="0"/>
-                                  </a:rPr>
-                                </m:ctrlPr>
-                              </m:mPr>
-                              <m:mr>
-                                <m:e>
-                                  <m:sSub>
-                                    <m:sSubPr>
-                                      <m:ctrlPr>
-                                        <a:rPr lang="fr-FR" sz="2000" b="0" i="1" smtClean="0">
-                                          <a:latin typeface="Cambria Math" panose="02040503050406030204" pitchFamily="18" charset="0"/>
-                                        </a:rPr>
-                                      </m:ctrlPr>
-                                    </m:sSubPr>
-                                    <m:e>
-                                      <m:r>
-                                        <m:rPr>
-                                          <m:brk m:alnAt="7"/>
-                                        </m:rPr>
-                                        <a:rPr lang="fr-FR" sz="2000" b="0" i="1" smtClean="0">
-                                          <a:latin typeface="Cambria Math" panose="02040503050406030204" pitchFamily="18" charset="0"/>
-                                        </a:rPr>
-                                        <m:t>𝐴</m:t>
-                                      </m:r>
-                                    </m:e>
-                                    <m:sub>
-                                      <m:r>
-                                        <m:rPr>
-                                          <m:brk m:alnAt="7"/>
-                                        </m:rPr>
-                                        <a:rPr lang="fr-FR" sz="2000" b="0" i="1" smtClean="0">
-                                          <a:latin typeface="Cambria Math" panose="02040503050406030204" pitchFamily="18" charset="0"/>
-                                        </a:rPr>
-                                        <m:t>2</m:t>
-                                      </m:r>
-                                    </m:sub>
-                                  </m:sSub>
-                                </m:e>
-                                <m:e>
-                                  <m:r>
-                                    <a:rPr lang="fr-FR" sz="2000" b="0" i="1" smtClean="0">
-                                      <a:latin typeface="Cambria Math" panose="02040503050406030204" pitchFamily="18" charset="0"/>
-                                    </a:rPr>
-                                    <m:t>0</m:t>
-                                  </m:r>
-                                </m:e>
-                                <m:e>
-                                  <m:r>
-                                    <a:rPr lang="fr-FR" sz="2000" b="0" i="1" smtClean="0">
-                                      <a:latin typeface="Cambria Math" panose="02040503050406030204" pitchFamily="18" charset="0"/>
-                                    </a:rPr>
-                                    <m:t>−</m:t>
-                                  </m:r>
-                                  <m:sSub>
-                                    <m:sSubPr>
-                                      <m:ctrlPr>
-                                        <a:rPr lang="fr-FR" sz="2000" b="0" i="1" smtClean="0">
-                                          <a:latin typeface="Cambria Math" panose="02040503050406030204" pitchFamily="18" charset="0"/>
-                                        </a:rPr>
-                                      </m:ctrlPr>
-                                    </m:sSubPr>
-                                    <m:e>
-                                      <m:r>
-                                        <a:rPr lang="fr-FR" sz="2000" b="0" i="1" smtClean="0">
-                                          <a:latin typeface="Cambria Math" panose="02040503050406030204" pitchFamily="18" charset="0"/>
-                                        </a:rPr>
-                                        <m:t>𝐸</m:t>
-                                      </m:r>
-                                    </m:e>
-                                    <m:sub>
-                                      <m:r>
-                                        <a:rPr lang="fr-FR" sz="2000" b="0" i="1" smtClean="0">
-                                          <a:latin typeface="Cambria Math" panose="02040503050406030204" pitchFamily="18" charset="0"/>
-                                        </a:rPr>
-                                        <m:t>2</m:t>
-                                      </m:r>
-                                    </m:sub>
-                                  </m:sSub>
-                                </m:e>
-                              </m:mr>
-                              <m:mr>
-                                <m:e>
-                                  <m:r>
-                                    <a:rPr lang="fr-FR" sz="2000" b="0" i="1" smtClean="0">
-                                      <a:latin typeface="Cambria Math" panose="02040503050406030204" pitchFamily="18" charset="0"/>
-                                    </a:rPr>
-                                    <m:t>0</m:t>
-                                  </m:r>
-                                </m:e>
-                                <m:e>
-                                  <m:sSub>
-                                    <m:sSubPr>
-                                      <m:ctrlPr>
-                                        <a:rPr lang="fr-FR" sz="2000" b="0" i="1" smtClean="0">
-                                          <a:latin typeface="Cambria Math" panose="02040503050406030204" pitchFamily="18" charset="0"/>
-                                        </a:rPr>
-                                      </m:ctrlPr>
-                                    </m:sSubPr>
-                                    <m:e>
-                                      <m:r>
-                                        <a:rPr lang="fr-FR" sz="2000" b="0" i="1" smtClean="0">
-                                          <a:latin typeface="Cambria Math" panose="02040503050406030204" pitchFamily="18" charset="0"/>
-                                        </a:rPr>
-                                        <m:t>𝐵</m:t>
-                                      </m:r>
-                                    </m:e>
-                                    <m:sub>
-                                      <m:r>
-                                        <a:rPr lang="fr-FR" sz="2000" b="0" i="1" smtClean="0">
-                                          <a:latin typeface="Cambria Math" panose="02040503050406030204" pitchFamily="18" charset="0"/>
-                                        </a:rPr>
-                                        <m:t>2</m:t>
-                                      </m:r>
-                                    </m:sub>
-                                  </m:sSub>
-                                </m:e>
-                                <m:e>
-                                  <m:r>
-                                    <a:rPr lang="fr-FR" sz="2000" b="0" i="1" smtClean="0">
-                                      <a:latin typeface="Cambria Math" panose="02040503050406030204" pitchFamily="18" charset="0"/>
-                                    </a:rPr>
-                                    <m:t>0</m:t>
-                                  </m:r>
-                                </m:e>
-                              </m:mr>
-                              <m:mr>
-                                <m:e>
-                                  <m:r>
-                                    <a:rPr lang="fr-FR" sz="2000" i="1">
-                                      <a:latin typeface="Cambria Math" panose="02040503050406030204" pitchFamily="18" charset="0"/>
-                                    </a:rPr>
-                                    <m:t>−</m:t>
-                                  </m:r>
-                                  <m:sSub>
-                                    <m:sSubPr>
-                                      <m:ctrlPr>
-                                        <a:rPr lang="fr-FR" sz="2000" i="1">
-                                          <a:latin typeface="Cambria Math" panose="02040503050406030204" pitchFamily="18" charset="0"/>
-                                        </a:rPr>
-                                      </m:ctrlPr>
-                                    </m:sSubPr>
-                                    <m:e>
-                                      <m:r>
-                                        <a:rPr lang="fr-FR" sz="2000" i="1">
-                                          <a:latin typeface="Cambria Math" panose="02040503050406030204" pitchFamily="18" charset="0"/>
-                                        </a:rPr>
-                                        <m:t>𝐸</m:t>
-                                      </m:r>
-                                    </m:e>
-                                    <m:sub>
-                                      <m:r>
-                                        <a:rPr lang="fr-FR" sz="2000" i="1">
-                                          <a:latin typeface="Cambria Math" panose="02040503050406030204" pitchFamily="18" charset="0"/>
-                                        </a:rPr>
-                                        <m:t>2</m:t>
-                                      </m:r>
-                                    </m:sub>
-                                  </m:sSub>
-                                </m:e>
-                                <m:e>
-                                  <m:r>
-                                    <a:rPr lang="fr-FR" sz="2000" b="0" i="1" smtClean="0">
-                                      <a:latin typeface="Cambria Math" panose="02040503050406030204" pitchFamily="18" charset="0"/>
-                                    </a:rPr>
-                                    <m:t>0</m:t>
-                                  </m:r>
-                                </m:e>
-                                <m:e>
-                                  <m:sSub>
-                                    <m:sSubPr>
-                                      <m:ctrlPr>
-                                        <a:rPr lang="fr-FR" sz="2000" b="0" i="1" smtClean="0">
-                                          <a:latin typeface="Cambria Math" panose="02040503050406030204" pitchFamily="18" charset="0"/>
-                                        </a:rPr>
-                                      </m:ctrlPr>
-                                    </m:sSubPr>
-                                    <m:e>
-                                      <m:r>
-                                        <a:rPr lang="fr-FR" sz="2000" b="0" i="1" smtClean="0">
-                                          <a:latin typeface="Cambria Math" panose="02040503050406030204" pitchFamily="18" charset="0"/>
-                                        </a:rPr>
-                                        <m:t>𝐶</m:t>
-                                      </m:r>
-                                    </m:e>
-                                    <m:sub>
-                                      <m:r>
-                                        <a:rPr lang="fr-FR" sz="2000" b="0" i="1" smtClean="0">
-                                          <a:latin typeface="Cambria Math" panose="02040503050406030204" pitchFamily="18" charset="0"/>
-                                        </a:rPr>
-                                        <m:t>2</m:t>
-                                      </m:r>
-                                    </m:sub>
-                                  </m:sSub>
-                                </m:e>
-                              </m:mr>
-                            </m:m>
-                          </m:e>
-                        </m:d>
-                      </m:e>
-                      <m:sub>
-                        <m:sSub>
-                          <m:sSubPr>
-                            <m:ctrlPr>
-                              <a:rPr lang="fr-FR" sz="2000" b="0" i="1" smtClean="0">
-                                <a:latin typeface="Cambria Math" panose="02040503050406030204" pitchFamily="18" charset="0"/>
-                                <a:ea typeface="Cambria Math" panose="02040503050406030204" pitchFamily="18" charset="0"/>
-                              </a:rPr>
-                            </m:ctrlPr>
-                          </m:sSubPr>
-                          <m:e>
-                            <m:r>
-                              <a:rPr lang="fr-FR" sz="2000" b="0" i="1" smtClean="0">
-                                <a:latin typeface="Cambria Math" panose="02040503050406030204" pitchFamily="18" charset="0"/>
-                                <a:ea typeface="Cambria Math" panose="02040503050406030204" pitchFamily="18" charset="0"/>
-                              </a:rPr>
-                              <m:t>ℬ</m:t>
-                            </m:r>
-                          </m:e>
-                          <m:sub>
-                            <m:r>
-                              <a:rPr lang="fr-FR" sz="2000" b="0" i="1" smtClean="0">
-                                <a:latin typeface="Cambria Math" panose="02040503050406030204" pitchFamily="18" charset="0"/>
-                              </a:rPr>
-                              <m:t>2</m:t>
-                            </m:r>
-                          </m:sub>
-                        </m:sSub>
-                      </m:sub>
-                    </m:sSub>
-                  </m:oMath>
-                </a14:m>
-                <a:endParaRPr lang="fr-FR" sz="2000" dirty="0"/>
-              </a:p>
-              <a:p>
-                <a:pPr lvl="1"/>
-                <a14:m>
-                  <m:oMath xmlns:m="http://schemas.openxmlformats.org/officeDocument/2006/math">
-                    <m:acc>
-                      <m:accPr>
-                        <m:chr m:val="⃗"/>
-                        <m:ctrlPr>
-                          <a:rPr lang="fr-FR" sz="2000" i="1" smtClean="0">
-                            <a:latin typeface="Cambria Math" panose="02040503050406030204" pitchFamily="18" charset="0"/>
-                          </a:rPr>
-                        </m:ctrlPr>
-                      </m:accPr>
-                      <m:e>
-                        <m:r>
-                          <a:rPr lang="fr-FR" sz="2000" b="0" i="1" smtClean="0">
-                            <a:latin typeface="Cambria Math" panose="02040503050406030204" pitchFamily="18" charset="0"/>
-                          </a:rPr>
-                          <m:t>𝜎</m:t>
-                        </m:r>
-                        <m:d>
-                          <m:dPr>
-                            <m:ctrlPr>
-                              <a:rPr lang="fr-FR" sz="2000" b="0" i="1" smtClean="0">
-                                <a:latin typeface="Cambria Math" panose="02040503050406030204" pitchFamily="18" charset="0"/>
-                              </a:rPr>
-                            </m:ctrlPr>
-                          </m:dPr>
-                          <m:e>
-                            <m:r>
-                              <a:rPr lang="fr-FR" sz="2000" b="0" i="1" smtClean="0">
-                                <a:latin typeface="Cambria Math" panose="02040503050406030204" pitchFamily="18" charset="0"/>
-                              </a:rPr>
-                              <m:t>𝑂</m:t>
-                            </m:r>
-                            <m:r>
-                              <a:rPr lang="fr-FR" sz="2000" b="0" i="1" smtClean="0">
-                                <a:latin typeface="Cambria Math" panose="02040503050406030204" pitchFamily="18" charset="0"/>
-                              </a:rPr>
-                              <m:t>,2</m:t>
-                            </m:r>
-                            <m:r>
-                              <m:rPr>
-                                <m:lit/>
-                              </m:rPr>
-                              <a:rPr lang="fr-FR" sz="2000" b="0" i="1" smtClean="0">
-                                <a:latin typeface="Cambria Math" panose="02040503050406030204" pitchFamily="18" charset="0"/>
-                              </a:rPr>
-                              <m:t>/</m:t>
-                            </m:r>
-                            <m:r>
-                              <a:rPr lang="fr-FR" sz="2000" b="0" i="1" smtClean="0">
-                                <a:latin typeface="Cambria Math" panose="02040503050406030204" pitchFamily="18" charset="0"/>
-                              </a:rPr>
-                              <m:t>0</m:t>
-                            </m:r>
-                          </m:e>
-                        </m:d>
-                      </m:e>
-                    </m:acc>
-                    <m:r>
-                      <a:rPr lang="fr-FR" sz="2000" b="0" i="1" smtClean="0">
-                        <a:latin typeface="Cambria Math" panose="02040503050406030204" pitchFamily="18" charset="0"/>
-                      </a:rPr>
-                      <m:t>=</m:t>
-                    </m:r>
-                    <m:sSub>
-                      <m:sSubPr>
-                        <m:ctrlPr>
-                          <a:rPr lang="fr-FR" sz="2000" i="1">
-                            <a:latin typeface="Cambria Math" panose="02040503050406030204" pitchFamily="18" charset="0"/>
-                          </a:rPr>
-                        </m:ctrlPr>
-                      </m:sSubPr>
-                      <m:e>
-                        <m:d>
-                          <m:dPr>
-                            <m:begChr m:val="["/>
-                            <m:endChr m:val="]"/>
-                            <m:ctrlPr>
-                              <a:rPr lang="fr-FR" sz="2000" i="1">
-                                <a:latin typeface="Cambria Math" panose="02040503050406030204" pitchFamily="18" charset="0"/>
-                              </a:rPr>
-                            </m:ctrlPr>
-                          </m:dPr>
-                          <m:e>
-                            <m:m>
-                              <m:mPr>
-                                <m:mcs>
-                                  <m:mc>
-                                    <m:mcPr>
-                                      <m:count m:val="3"/>
-                                      <m:mcJc m:val="center"/>
-                                    </m:mcPr>
-                                  </m:mc>
-                                </m:mcs>
-                                <m:ctrlPr>
-                                  <a:rPr lang="fr-FR" sz="2000" i="1">
-                                    <a:latin typeface="Cambria Math" panose="02040503050406030204" pitchFamily="18" charset="0"/>
-                                  </a:rPr>
-                                </m:ctrlPr>
-                              </m:mPr>
-                              <m:mr>
-                                <m:e>
-                                  <m:sSub>
-                                    <m:sSubPr>
-                                      <m:ctrlPr>
-                                        <a:rPr lang="fr-FR" sz="2000" i="1">
-                                          <a:latin typeface="Cambria Math" panose="02040503050406030204" pitchFamily="18" charset="0"/>
-                                        </a:rPr>
-                                      </m:ctrlPr>
-                                    </m:sSubPr>
-                                    <m:e>
-                                      <m:r>
-                                        <m:rPr>
-                                          <m:brk m:alnAt="7"/>
-                                        </m:rPr>
-                                        <a:rPr lang="fr-FR" sz="2000" i="1">
-                                          <a:latin typeface="Cambria Math" panose="02040503050406030204" pitchFamily="18" charset="0"/>
-                                        </a:rPr>
-                                        <m:t>𝐴</m:t>
-                                      </m:r>
-                                    </m:e>
-                                    <m:sub>
-                                      <m:r>
-                                        <a:rPr lang="fr-FR" sz="2000" b="0" i="1" smtClean="0">
-                                          <a:latin typeface="Cambria Math" panose="02040503050406030204" pitchFamily="18" charset="0"/>
-                                        </a:rPr>
-                                        <m:t>2</m:t>
-                                      </m:r>
-                                    </m:sub>
-                                  </m:sSub>
-                                </m:e>
-                                <m:e>
-                                  <m:r>
-                                    <a:rPr lang="fr-FR" sz="2000" i="1">
-                                      <a:latin typeface="Cambria Math" panose="02040503050406030204" pitchFamily="18" charset="0"/>
-                                    </a:rPr>
-                                    <m:t>0</m:t>
-                                  </m:r>
-                                </m:e>
-                                <m:e>
-                                  <m:r>
-                                    <a:rPr lang="fr-FR" sz="2000" i="1">
-                                      <a:latin typeface="Cambria Math" panose="02040503050406030204" pitchFamily="18" charset="0"/>
-                                    </a:rPr>
-                                    <m:t>−</m:t>
-                                  </m:r>
-                                  <m:sSub>
-                                    <m:sSubPr>
-                                      <m:ctrlPr>
-                                        <a:rPr lang="fr-FR" sz="2000" i="1">
-                                          <a:latin typeface="Cambria Math" panose="02040503050406030204" pitchFamily="18" charset="0"/>
-                                        </a:rPr>
-                                      </m:ctrlPr>
-                                    </m:sSubPr>
-                                    <m:e>
-                                      <m:r>
-                                        <a:rPr lang="fr-FR" sz="2000" i="1">
-                                          <a:latin typeface="Cambria Math" panose="02040503050406030204" pitchFamily="18" charset="0"/>
-                                        </a:rPr>
-                                        <m:t>𝐸</m:t>
-                                      </m:r>
-                                    </m:e>
-                                    <m:sub>
-                                      <m:r>
-                                        <a:rPr lang="fr-FR" sz="2000" b="0" i="1" smtClean="0">
-                                          <a:latin typeface="Cambria Math" panose="02040503050406030204" pitchFamily="18" charset="0"/>
-                                        </a:rPr>
-                                        <m:t>2</m:t>
-                                      </m:r>
-                                    </m:sub>
-                                  </m:sSub>
-                                </m:e>
-                              </m:mr>
-                              <m:mr>
-                                <m:e>
-                                  <m:r>
-                                    <a:rPr lang="fr-FR" sz="2000" i="1">
-                                      <a:latin typeface="Cambria Math" panose="02040503050406030204" pitchFamily="18" charset="0"/>
-                                    </a:rPr>
-                                    <m:t>0</m:t>
-                                  </m:r>
-                                </m:e>
-                                <m:e>
-                                  <m:sSub>
-                                    <m:sSubPr>
-                                      <m:ctrlPr>
-                                        <a:rPr lang="fr-FR" sz="2000" i="1">
-                                          <a:latin typeface="Cambria Math" panose="02040503050406030204" pitchFamily="18" charset="0"/>
-                                        </a:rPr>
-                                      </m:ctrlPr>
-                                    </m:sSubPr>
-                                    <m:e>
-                                      <m:r>
-                                        <a:rPr lang="fr-FR" sz="2000" i="1">
-                                          <a:latin typeface="Cambria Math" panose="02040503050406030204" pitchFamily="18" charset="0"/>
-                                        </a:rPr>
-                                        <m:t>𝐵</m:t>
-                                      </m:r>
-                                    </m:e>
-                                    <m:sub>
-                                      <m:r>
-                                        <a:rPr lang="fr-FR" sz="2000" b="0" i="1" smtClean="0">
-                                          <a:latin typeface="Cambria Math" panose="02040503050406030204" pitchFamily="18" charset="0"/>
-                                        </a:rPr>
-                                        <m:t>2</m:t>
-                                      </m:r>
-                                    </m:sub>
-                                  </m:sSub>
-                                </m:e>
-                                <m:e>
-                                  <m:r>
-                                    <a:rPr lang="fr-FR" sz="2000" i="1">
-                                      <a:latin typeface="Cambria Math" panose="02040503050406030204" pitchFamily="18" charset="0"/>
-                                    </a:rPr>
-                                    <m:t>0</m:t>
-                                  </m:r>
-                                </m:e>
-                              </m:mr>
-                              <m:mr>
-                                <m:e>
-                                  <m:r>
-                                    <a:rPr lang="fr-FR" sz="2000" i="1">
-                                      <a:latin typeface="Cambria Math" panose="02040503050406030204" pitchFamily="18" charset="0"/>
-                                    </a:rPr>
-                                    <m:t>−</m:t>
-                                  </m:r>
-                                  <m:sSub>
-                                    <m:sSubPr>
-                                      <m:ctrlPr>
-                                        <a:rPr lang="fr-FR" sz="2000" i="1">
-                                          <a:latin typeface="Cambria Math" panose="02040503050406030204" pitchFamily="18" charset="0"/>
-                                        </a:rPr>
-                                      </m:ctrlPr>
-                                    </m:sSubPr>
-                                    <m:e>
-                                      <m:r>
-                                        <a:rPr lang="fr-FR" sz="2000" i="1">
-                                          <a:latin typeface="Cambria Math" panose="02040503050406030204" pitchFamily="18" charset="0"/>
-                                        </a:rPr>
-                                        <m:t>𝐸</m:t>
-                                      </m:r>
-                                    </m:e>
-                                    <m:sub>
-                                      <m:r>
-                                        <a:rPr lang="fr-FR" sz="2000" b="0" i="1" smtClean="0">
-                                          <a:latin typeface="Cambria Math" panose="02040503050406030204" pitchFamily="18" charset="0"/>
-                                        </a:rPr>
-                                        <m:t>2</m:t>
-                                      </m:r>
-                                    </m:sub>
-                                  </m:sSub>
-                                </m:e>
-                                <m:e>
-                                  <m:r>
-                                    <a:rPr lang="fr-FR" sz="2000" i="1">
-                                      <a:latin typeface="Cambria Math" panose="02040503050406030204" pitchFamily="18" charset="0"/>
-                                    </a:rPr>
-                                    <m:t>0</m:t>
-                                  </m:r>
-                                </m:e>
-                                <m:e>
-                                  <m:sSub>
-                                    <m:sSubPr>
-                                      <m:ctrlPr>
-                                        <a:rPr lang="fr-FR" sz="2000" i="1">
-                                          <a:latin typeface="Cambria Math" panose="02040503050406030204" pitchFamily="18" charset="0"/>
-                                        </a:rPr>
-                                      </m:ctrlPr>
-                                    </m:sSubPr>
-                                    <m:e>
-                                      <m:r>
-                                        <a:rPr lang="fr-FR" sz="2000" i="1">
-                                          <a:latin typeface="Cambria Math" panose="02040503050406030204" pitchFamily="18" charset="0"/>
-                                        </a:rPr>
-                                        <m:t>𝐶</m:t>
-                                      </m:r>
-                                    </m:e>
-                                    <m:sub>
-                                      <m:r>
-                                        <a:rPr lang="fr-FR" sz="2000" b="0" i="1" smtClean="0">
-                                          <a:latin typeface="Cambria Math" panose="02040503050406030204" pitchFamily="18" charset="0"/>
-                                        </a:rPr>
-                                        <m:t>2</m:t>
-                                      </m:r>
-                                    </m:sub>
-                                  </m:sSub>
-                                </m:e>
-                              </m:mr>
-                            </m:m>
-                          </m:e>
-                        </m:d>
-                      </m:e>
-                      <m:sub>
-                        <m:sSub>
-                          <m:sSubPr>
-                            <m:ctrlPr>
-                              <a:rPr lang="fr-FR" sz="2000" i="1">
-                                <a:latin typeface="Cambria Math" panose="02040503050406030204" pitchFamily="18" charset="0"/>
-                                <a:ea typeface="Cambria Math" panose="02040503050406030204" pitchFamily="18" charset="0"/>
-                              </a:rPr>
-                            </m:ctrlPr>
-                          </m:sSubPr>
-                          <m:e>
-                            <m:r>
-                              <a:rPr lang="fr-FR" sz="2000" i="1">
-                                <a:latin typeface="Cambria Math" panose="02040503050406030204" pitchFamily="18" charset="0"/>
-                                <a:ea typeface="Cambria Math" panose="02040503050406030204" pitchFamily="18" charset="0"/>
-                              </a:rPr>
-                              <m:t>ℬ</m:t>
-                            </m:r>
-                          </m:e>
-                          <m:sub>
-                            <m:r>
-                              <a:rPr lang="fr-FR" sz="2000" b="0" i="1" smtClean="0">
-                                <a:latin typeface="Cambria Math" panose="02040503050406030204" pitchFamily="18" charset="0"/>
-                                <a:ea typeface="Cambria Math" panose="02040503050406030204" pitchFamily="18" charset="0"/>
-                              </a:rPr>
-                              <m:t>2</m:t>
-                            </m:r>
-                          </m:sub>
-                        </m:sSub>
-                      </m:sub>
-                    </m:sSub>
-                    <m:sSub>
-                      <m:sSubPr>
-                        <m:ctrlPr>
-                          <a:rPr lang="fr-FR" sz="2000" b="0" i="1" smtClean="0">
-                            <a:latin typeface="Cambria Math" panose="02040503050406030204" pitchFamily="18" charset="0"/>
-                            <a:ea typeface="Cambria Math" panose="02040503050406030204" pitchFamily="18" charset="0"/>
-                          </a:rPr>
-                        </m:ctrlPr>
-                      </m:sSubPr>
-                      <m:e>
-                        <m:d>
-                          <m:dPr>
-                            <m:begChr m:val="["/>
-                            <m:endChr m:val="]"/>
-                            <m:ctrlPr>
-                              <a:rPr lang="fr-FR" sz="2000" i="1" smtClean="0">
-                                <a:latin typeface="Cambria Math" panose="02040503050406030204" pitchFamily="18" charset="0"/>
-                                <a:ea typeface="Cambria Math" panose="02040503050406030204" pitchFamily="18" charset="0"/>
-                              </a:rPr>
-                            </m:ctrlPr>
-                          </m:dPr>
-                          <m:e>
-                            <m:m>
-                              <m:mPr>
-                                <m:mcs>
-                                  <m:mc>
-                                    <m:mcPr>
-                                      <m:count m:val="1"/>
-                                      <m:mcJc m:val="center"/>
-                                    </m:mcPr>
-                                  </m:mc>
-                                </m:mcs>
-                                <m:ctrlPr>
-                                  <a:rPr lang="fr-FR" sz="2000" i="1" smtClean="0">
-                                    <a:latin typeface="Cambria Math" panose="02040503050406030204" pitchFamily="18" charset="0"/>
-                                    <a:ea typeface="Cambria Math" panose="02040503050406030204" pitchFamily="18" charset="0"/>
-                                  </a:rPr>
-                                </m:ctrlPr>
-                              </m:mPr>
-                              <m:mr>
-                                <m:e>
-                                  <m:acc>
-                                    <m:accPr>
-                                      <m:chr m:val="̇"/>
-                                      <m:ctrlPr>
-                                        <a:rPr lang="fr-FR" sz="2000" i="1">
-                                          <a:latin typeface="Cambria Math" panose="02040503050406030204" pitchFamily="18" charset="0"/>
-                                          <a:ea typeface="Cambria Math" panose="02040503050406030204" pitchFamily="18" charset="0"/>
-                                        </a:rPr>
-                                      </m:ctrlPr>
-                                    </m:accPr>
-                                    <m:e>
-                                      <m:r>
-                                        <a:rPr lang="fr-FR" sz="2000" i="1">
-                                          <a:latin typeface="Cambria Math" panose="02040503050406030204" pitchFamily="18" charset="0"/>
-                                          <a:ea typeface="Cambria Math" panose="02040503050406030204" pitchFamily="18" charset="0"/>
-                                        </a:rPr>
-                                        <m:t>𝜑</m:t>
-                                      </m:r>
-                                    </m:e>
-                                  </m:acc>
-                                </m:e>
-                              </m:mr>
-                              <m:mr>
-                                <m:e>
-                                  <m:acc>
-                                    <m:accPr>
-                                      <m:chr m:val="̇"/>
-                                      <m:ctrlPr>
-                                        <a:rPr lang="fr-FR" sz="2000" i="1">
-                                          <a:latin typeface="Cambria Math" panose="02040503050406030204" pitchFamily="18" charset="0"/>
-                                          <a:ea typeface="Cambria Math" panose="02040503050406030204" pitchFamily="18" charset="0"/>
-                                        </a:rPr>
-                                      </m:ctrlPr>
-                                    </m:accPr>
-                                    <m:e>
-                                      <m:r>
-                                        <a:rPr lang="fr-FR" sz="2000" i="1">
-                                          <a:latin typeface="Cambria Math" panose="02040503050406030204" pitchFamily="18" charset="0"/>
-                                          <a:ea typeface="Cambria Math" panose="02040503050406030204" pitchFamily="18" charset="0"/>
-                                        </a:rPr>
-                                        <m:t>𝜃</m:t>
-                                      </m:r>
-                                    </m:e>
-                                  </m:acc>
-                                  <m:func>
-                                    <m:funcPr>
-                                      <m:ctrlPr>
-                                        <a:rPr lang="fr-FR" sz="2000" i="1">
-                                          <a:latin typeface="Cambria Math" panose="02040503050406030204" pitchFamily="18" charset="0"/>
-                                          <a:ea typeface="Cambria Math" panose="02040503050406030204" pitchFamily="18" charset="0"/>
-                                        </a:rPr>
-                                      </m:ctrlPr>
-                                    </m:funcPr>
-                                    <m:fName>
-                                      <m:r>
-                                        <m:rPr>
-                                          <m:sty m:val="p"/>
-                                        </m:rPr>
-                                        <a:rPr lang="fr-FR" sz="2000" b="0" i="0" smtClean="0">
-                                          <a:latin typeface="Cambria Math" panose="02040503050406030204" pitchFamily="18" charset="0"/>
-                                          <a:ea typeface="Cambria Math" panose="02040503050406030204" pitchFamily="18" charset="0"/>
-                                        </a:rPr>
-                                        <m:t>sin</m:t>
-                                      </m:r>
-                                    </m:fName>
-                                    <m:e>
-                                      <m:r>
-                                        <a:rPr lang="fr-FR" sz="2000" i="1">
-                                          <a:latin typeface="Cambria Math" panose="02040503050406030204" pitchFamily="18" charset="0"/>
-                                          <a:ea typeface="Cambria Math" panose="02040503050406030204" pitchFamily="18" charset="0"/>
-                                        </a:rPr>
-                                        <m:t>𝜑</m:t>
-                                      </m:r>
-                                    </m:e>
-                                  </m:func>
-                                </m:e>
-                              </m:mr>
-                              <m:mr>
-                                <m:e>
-                                  <m:acc>
-                                    <m:accPr>
-                                      <m:chr m:val="̇"/>
-                                      <m:ctrlPr>
-                                        <a:rPr lang="fr-FR" sz="2000" i="1">
-                                          <a:latin typeface="Cambria Math" panose="02040503050406030204" pitchFamily="18" charset="0"/>
-                                          <a:ea typeface="Cambria Math" panose="02040503050406030204" pitchFamily="18" charset="0"/>
-                                        </a:rPr>
-                                      </m:ctrlPr>
-                                    </m:accPr>
-                                    <m:e>
-                                      <m:r>
-                                        <a:rPr lang="fr-FR" sz="2000" i="1">
-                                          <a:latin typeface="Cambria Math" panose="02040503050406030204" pitchFamily="18" charset="0"/>
-                                          <a:ea typeface="Cambria Math" panose="02040503050406030204" pitchFamily="18" charset="0"/>
-                                        </a:rPr>
-                                        <m:t>𝜃</m:t>
-                                      </m:r>
-                                    </m:e>
-                                  </m:acc>
-                                  <m:func>
-                                    <m:funcPr>
-                                      <m:ctrlPr>
-                                        <a:rPr lang="fr-FR" sz="2000" b="0" i="1" smtClean="0">
-                                          <a:latin typeface="Cambria Math" panose="02040503050406030204" pitchFamily="18" charset="0"/>
-                                          <a:ea typeface="Cambria Math" panose="02040503050406030204" pitchFamily="18" charset="0"/>
-                                        </a:rPr>
-                                      </m:ctrlPr>
-                                    </m:funcPr>
-                                    <m:fName>
-                                      <m:r>
-                                        <m:rPr>
-                                          <m:sty m:val="p"/>
-                                        </m:rPr>
-                                        <a:rPr lang="fr-FR" sz="2000" b="0" i="0" smtClean="0">
-                                          <a:latin typeface="Cambria Math" panose="02040503050406030204" pitchFamily="18" charset="0"/>
-                                          <a:ea typeface="Cambria Math" panose="02040503050406030204" pitchFamily="18" charset="0"/>
-                                        </a:rPr>
-                                        <m:t>cos</m:t>
-                                      </m:r>
-                                    </m:fName>
-                                    <m:e>
-                                      <m:r>
-                                        <a:rPr lang="fr-FR" sz="2000" b="0" i="1" smtClean="0">
-                                          <a:latin typeface="Cambria Math" panose="02040503050406030204" pitchFamily="18" charset="0"/>
-                                          <a:ea typeface="Cambria Math" panose="02040503050406030204" pitchFamily="18" charset="0"/>
-                                        </a:rPr>
-                                        <m:t>𝜑</m:t>
-                                      </m:r>
-                                    </m:e>
-                                  </m:func>
-                                </m:e>
-                              </m:mr>
-                            </m:m>
-                          </m:e>
-                        </m:d>
-                      </m:e>
-                      <m:sub>
-                        <m:sSub>
-                          <m:sSubPr>
-                            <m:ctrlPr>
-                              <a:rPr lang="fr-FR" sz="2000" i="1">
-                                <a:latin typeface="Cambria Math" panose="02040503050406030204" pitchFamily="18" charset="0"/>
-                                <a:ea typeface="Cambria Math" panose="02040503050406030204" pitchFamily="18" charset="0"/>
-                              </a:rPr>
-                            </m:ctrlPr>
-                          </m:sSubPr>
-                          <m:e>
-                            <m:r>
-                              <a:rPr lang="fr-FR" sz="2000" i="1">
-                                <a:latin typeface="Cambria Math" panose="02040503050406030204" pitchFamily="18" charset="0"/>
-                                <a:ea typeface="Cambria Math" panose="02040503050406030204" pitchFamily="18" charset="0"/>
-                              </a:rPr>
-                              <m:t>ℬ</m:t>
-                            </m:r>
-                          </m:e>
-                          <m:sub>
-                            <m:r>
-                              <a:rPr lang="fr-FR" sz="2000" b="0" i="1" smtClean="0">
-                                <a:latin typeface="Cambria Math" panose="02040503050406030204" pitchFamily="18" charset="0"/>
-                                <a:ea typeface="Cambria Math" panose="02040503050406030204" pitchFamily="18" charset="0"/>
-                              </a:rPr>
-                              <m:t>2</m:t>
-                            </m:r>
-                          </m:sub>
-                        </m:sSub>
-                      </m:sub>
-                    </m:sSub>
-                    <m:r>
-                      <a:rPr lang="fr-FR" sz="2000" b="0" i="1" smtClean="0">
-                        <a:latin typeface="Cambria Math" panose="02040503050406030204" pitchFamily="18" charset="0"/>
-                        <a:ea typeface="Cambria Math" panose="02040503050406030204" pitchFamily="18" charset="0"/>
-                      </a:rPr>
-                      <m:t>=</m:t>
-                    </m:r>
-                    <m:d>
-                      <m:dPr>
-                        <m:ctrlPr>
-                          <a:rPr lang="fr-FR" sz="2000" b="0" i="1" smtClean="0">
-                            <a:latin typeface="Cambria Math" panose="02040503050406030204" pitchFamily="18" charset="0"/>
-                            <a:ea typeface="Cambria Math" panose="02040503050406030204" pitchFamily="18" charset="0"/>
-                          </a:rPr>
-                        </m:ctrlPr>
-                      </m:dPr>
-                      <m:e>
-                        <m:sSub>
-                          <m:sSubPr>
-                            <m:ctrlPr>
-                              <a:rPr lang="fr-FR" sz="2000" i="1">
-                                <a:latin typeface="Cambria Math" panose="02040503050406030204" pitchFamily="18" charset="0"/>
-                                <a:ea typeface="Cambria Math" panose="02040503050406030204" pitchFamily="18" charset="0"/>
-                              </a:rPr>
-                            </m:ctrlPr>
-                          </m:sSubPr>
-                          <m:e>
-                            <m:r>
-                              <a:rPr lang="fr-FR" sz="2000" i="1">
-                                <a:latin typeface="Cambria Math" panose="02040503050406030204" pitchFamily="18" charset="0"/>
-                                <a:ea typeface="Cambria Math" panose="02040503050406030204" pitchFamily="18" charset="0"/>
-                              </a:rPr>
-                              <m:t>𝐴</m:t>
-                            </m:r>
-                          </m:e>
-                          <m:sub>
-                            <m:r>
-                              <a:rPr lang="fr-FR" sz="2000" i="1">
-                                <a:latin typeface="Cambria Math" panose="02040503050406030204" pitchFamily="18" charset="0"/>
-                                <a:ea typeface="Cambria Math" panose="02040503050406030204" pitchFamily="18" charset="0"/>
-                              </a:rPr>
-                              <m:t>2</m:t>
-                            </m:r>
-                          </m:sub>
-                        </m:sSub>
-                        <m:acc>
-                          <m:accPr>
-                            <m:chr m:val="̇"/>
-                            <m:ctrlPr>
-                              <a:rPr lang="fr-FR" sz="2000" i="1">
-                                <a:latin typeface="Cambria Math" panose="02040503050406030204" pitchFamily="18" charset="0"/>
-                                <a:ea typeface="Cambria Math" panose="02040503050406030204" pitchFamily="18" charset="0"/>
-                              </a:rPr>
-                            </m:ctrlPr>
-                          </m:accPr>
-                          <m:e>
-                            <m:r>
-                              <a:rPr lang="fr-FR" sz="2000" i="1">
-                                <a:latin typeface="Cambria Math" panose="02040503050406030204" pitchFamily="18" charset="0"/>
-                                <a:ea typeface="Cambria Math" panose="02040503050406030204" pitchFamily="18" charset="0"/>
-                              </a:rPr>
-                              <m:t>𝜑</m:t>
-                            </m:r>
-                          </m:e>
-                        </m:acc>
-                        <m:r>
-                          <a:rPr lang="fr-FR" sz="2000" b="0" i="1" smtClean="0">
-                            <a:latin typeface="Cambria Math" panose="02040503050406030204" pitchFamily="18" charset="0"/>
-                            <a:ea typeface="Cambria Math" panose="02040503050406030204" pitchFamily="18" charset="0"/>
-                          </a:rPr>
-                          <m:t>−</m:t>
-                        </m:r>
-                        <m:sSub>
-                          <m:sSubPr>
-                            <m:ctrlPr>
-                              <a:rPr lang="fr-FR" sz="2000" b="0" i="1" smtClean="0">
-                                <a:latin typeface="Cambria Math" panose="02040503050406030204" pitchFamily="18" charset="0"/>
-                                <a:ea typeface="Cambria Math" panose="02040503050406030204" pitchFamily="18" charset="0"/>
-                              </a:rPr>
-                            </m:ctrlPr>
-                          </m:sSubPr>
-                          <m:e>
-                            <m:r>
-                              <a:rPr lang="fr-FR" sz="2000" b="0" i="1" smtClean="0">
-                                <a:latin typeface="Cambria Math" panose="02040503050406030204" pitchFamily="18" charset="0"/>
-                                <a:ea typeface="Cambria Math" panose="02040503050406030204" pitchFamily="18" charset="0"/>
-                              </a:rPr>
-                              <m:t>𝐸</m:t>
-                            </m:r>
-                          </m:e>
-                          <m:sub>
-                            <m:r>
-                              <a:rPr lang="fr-FR" sz="2000" b="0" i="1" smtClean="0">
-                                <a:latin typeface="Cambria Math" panose="02040503050406030204" pitchFamily="18" charset="0"/>
-                                <a:ea typeface="Cambria Math" panose="02040503050406030204" pitchFamily="18" charset="0"/>
-                              </a:rPr>
-                              <m:t>2</m:t>
-                            </m:r>
-                          </m:sub>
-                        </m:sSub>
-                        <m:acc>
-                          <m:accPr>
-                            <m:chr m:val="̇"/>
-                            <m:ctrlPr>
-                              <a:rPr lang="fr-FR" sz="2000" i="1">
-                                <a:latin typeface="Cambria Math" panose="02040503050406030204" pitchFamily="18" charset="0"/>
-                                <a:ea typeface="Cambria Math" panose="02040503050406030204" pitchFamily="18" charset="0"/>
-                              </a:rPr>
-                            </m:ctrlPr>
-                          </m:accPr>
-                          <m:e>
-                            <m:r>
-                              <a:rPr lang="fr-FR" sz="2000" i="1">
-                                <a:latin typeface="Cambria Math" panose="02040503050406030204" pitchFamily="18" charset="0"/>
-                                <a:ea typeface="Cambria Math" panose="02040503050406030204" pitchFamily="18" charset="0"/>
-                              </a:rPr>
-                              <m:t>𝜃</m:t>
-                            </m:r>
-                          </m:e>
-                        </m:acc>
-                        <m:func>
-                          <m:funcPr>
-                            <m:ctrlPr>
-                              <a:rPr lang="fr-FR" sz="2000" i="1">
-                                <a:latin typeface="Cambria Math" panose="02040503050406030204" pitchFamily="18" charset="0"/>
-                                <a:ea typeface="Cambria Math" panose="02040503050406030204" pitchFamily="18" charset="0"/>
-                              </a:rPr>
-                            </m:ctrlPr>
-                          </m:funcPr>
-                          <m:fName>
-                            <m:r>
-                              <m:rPr>
-                                <m:sty m:val="p"/>
-                              </m:rPr>
-                              <a:rPr lang="fr-FR" sz="2000">
-                                <a:latin typeface="Cambria Math" panose="02040503050406030204" pitchFamily="18" charset="0"/>
-                                <a:ea typeface="Cambria Math" panose="02040503050406030204" pitchFamily="18" charset="0"/>
-                              </a:rPr>
-                              <m:t>cos</m:t>
-                            </m:r>
-                          </m:fName>
-                          <m:e>
-                            <m:r>
-                              <a:rPr lang="fr-FR" sz="2000" i="1">
-                                <a:latin typeface="Cambria Math" panose="02040503050406030204" pitchFamily="18" charset="0"/>
-                                <a:ea typeface="Cambria Math" panose="02040503050406030204" pitchFamily="18" charset="0"/>
-                              </a:rPr>
-                              <m:t>𝜑</m:t>
-                            </m:r>
-                          </m:e>
-                        </m:func>
-                      </m:e>
-                    </m:d>
-                    <m:acc>
-                      <m:accPr>
-                        <m:chr m:val="⃗"/>
-                        <m:ctrlPr>
-                          <a:rPr lang="fr-FR" sz="2000" i="1">
-                            <a:latin typeface="Cambria Math" panose="02040503050406030204" pitchFamily="18" charset="0"/>
-                          </a:rPr>
-                        </m:ctrlPr>
-                      </m:accPr>
-                      <m:e>
-                        <m:sSub>
-                          <m:sSubPr>
-                            <m:ctrlPr>
-                              <a:rPr lang="fr-FR" sz="2000" b="0" i="1" smtClean="0">
-                                <a:latin typeface="Cambria Math" panose="02040503050406030204" pitchFamily="18" charset="0"/>
-                              </a:rPr>
-                            </m:ctrlPr>
-                          </m:sSubPr>
-                          <m:e>
-                            <m:r>
-                              <a:rPr lang="fr-FR" sz="2000" b="0" i="1" smtClean="0">
-                                <a:latin typeface="Cambria Math" panose="02040503050406030204" pitchFamily="18" charset="0"/>
-                              </a:rPr>
-                              <m:t>𝑥</m:t>
-                            </m:r>
-                          </m:e>
-                          <m:sub>
-                            <m:r>
-                              <a:rPr lang="fr-FR" sz="2000" b="0" i="1" smtClean="0">
-                                <a:latin typeface="Cambria Math" panose="02040503050406030204" pitchFamily="18" charset="0"/>
-                              </a:rPr>
-                              <m:t>2</m:t>
-                            </m:r>
-                          </m:sub>
-                        </m:sSub>
-                      </m:e>
-                    </m:acc>
-                    <m:r>
-                      <a:rPr lang="fr-FR" sz="2000" b="0" i="1" smtClean="0">
-                        <a:latin typeface="Cambria Math" panose="02040503050406030204" pitchFamily="18" charset="0"/>
-                      </a:rPr>
-                      <m:t>+</m:t>
-                    </m:r>
-                    <m:sSub>
-                      <m:sSubPr>
-                        <m:ctrlPr>
-                          <a:rPr lang="fr-FR" sz="2000" b="0" i="1" smtClean="0">
-                            <a:latin typeface="Cambria Math" panose="02040503050406030204" pitchFamily="18" charset="0"/>
-                          </a:rPr>
-                        </m:ctrlPr>
-                      </m:sSubPr>
-                      <m:e>
-                        <m:r>
-                          <a:rPr lang="fr-FR" sz="2000" b="0" i="1" smtClean="0">
-                            <a:latin typeface="Cambria Math" panose="02040503050406030204" pitchFamily="18" charset="0"/>
-                          </a:rPr>
-                          <m:t>𝐵</m:t>
-                        </m:r>
-                      </m:e>
-                      <m:sub>
-                        <m:r>
-                          <a:rPr lang="fr-FR" sz="2000" b="0" i="1" smtClean="0">
-                            <a:latin typeface="Cambria Math" panose="02040503050406030204" pitchFamily="18" charset="0"/>
-                          </a:rPr>
-                          <m:t>2</m:t>
-                        </m:r>
-                      </m:sub>
-                    </m:sSub>
-                    <m:acc>
-                      <m:accPr>
-                        <m:chr m:val="̇"/>
-                        <m:ctrlPr>
-                          <a:rPr lang="fr-FR" sz="2000" i="1">
-                            <a:latin typeface="Cambria Math" panose="02040503050406030204" pitchFamily="18" charset="0"/>
-                            <a:ea typeface="Cambria Math" panose="02040503050406030204" pitchFamily="18" charset="0"/>
-                          </a:rPr>
-                        </m:ctrlPr>
-                      </m:accPr>
-                      <m:e>
-                        <m:r>
-                          <a:rPr lang="fr-FR" sz="2000" i="1">
-                            <a:latin typeface="Cambria Math" panose="02040503050406030204" pitchFamily="18" charset="0"/>
-                            <a:ea typeface="Cambria Math" panose="02040503050406030204" pitchFamily="18" charset="0"/>
-                          </a:rPr>
-                          <m:t>𝜃</m:t>
-                        </m:r>
-                      </m:e>
-                    </m:acc>
-                    <m:func>
-                      <m:funcPr>
-                        <m:ctrlPr>
-                          <a:rPr lang="fr-FR" sz="2000" i="1">
-                            <a:latin typeface="Cambria Math" panose="02040503050406030204" pitchFamily="18" charset="0"/>
-                            <a:ea typeface="Cambria Math" panose="02040503050406030204" pitchFamily="18" charset="0"/>
-                          </a:rPr>
-                        </m:ctrlPr>
-                      </m:funcPr>
-                      <m:fName>
-                        <m:r>
-                          <m:rPr>
-                            <m:sty m:val="p"/>
-                          </m:rPr>
-                          <a:rPr lang="fr-FR" sz="2000">
-                            <a:latin typeface="Cambria Math" panose="02040503050406030204" pitchFamily="18" charset="0"/>
-                            <a:ea typeface="Cambria Math" panose="02040503050406030204" pitchFamily="18" charset="0"/>
-                          </a:rPr>
-                          <m:t>sin</m:t>
-                        </m:r>
-                      </m:fName>
-                      <m:e>
-                        <m:r>
-                          <a:rPr lang="fr-FR" sz="2000" i="1">
-                            <a:latin typeface="Cambria Math" panose="02040503050406030204" pitchFamily="18" charset="0"/>
-                            <a:ea typeface="Cambria Math" panose="02040503050406030204" pitchFamily="18" charset="0"/>
-                          </a:rPr>
-                          <m:t>𝜑</m:t>
-                        </m:r>
-                      </m:e>
-                    </m:func>
-                    <m:acc>
-                      <m:accPr>
-                        <m:chr m:val="⃗"/>
-                        <m:ctrlPr>
-                          <a:rPr lang="fr-FR" sz="2000" i="1">
-                            <a:latin typeface="Cambria Math" panose="02040503050406030204" pitchFamily="18" charset="0"/>
-                          </a:rPr>
-                        </m:ctrlPr>
-                      </m:accPr>
-                      <m:e>
-                        <m:sSub>
-                          <m:sSubPr>
-                            <m:ctrlPr>
-                              <a:rPr lang="fr-FR" sz="2000" i="1">
-                                <a:latin typeface="Cambria Math" panose="02040503050406030204" pitchFamily="18" charset="0"/>
-                              </a:rPr>
-                            </m:ctrlPr>
-                          </m:sSubPr>
-                          <m:e>
-                            <m:r>
-                              <a:rPr lang="fr-FR" sz="2000" b="0" i="1" smtClean="0">
-                                <a:latin typeface="Cambria Math" panose="02040503050406030204" pitchFamily="18" charset="0"/>
-                              </a:rPr>
-                              <m:t>𝑦</m:t>
-                            </m:r>
-                          </m:e>
-                          <m:sub>
-                            <m:r>
-                              <a:rPr lang="fr-FR" sz="2000" i="1">
-                                <a:latin typeface="Cambria Math" panose="02040503050406030204" pitchFamily="18" charset="0"/>
-                              </a:rPr>
-                              <m:t>2</m:t>
-                            </m:r>
-                          </m:sub>
-                        </m:sSub>
-                      </m:e>
-                    </m:acc>
-                    <m:r>
-                      <a:rPr lang="fr-FR" sz="2000" b="0" i="1" smtClean="0">
-                        <a:latin typeface="Cambria Math" panose="02040503050406030204" pitchFamily="18" charset="0"/>
-                      </a:rPr>
-                      <m:t>+</m:t>
-                    </m:r>
-                    <m:d>
-                      <m:dPr>
-                        <m:ctrlPr>
-                          <a:rPr lang="fr-FR" sz="2000" b="0" i="1" smtClean="0">
-                            <a:latin typeface="Cambria Math" panose="02040503050406030204" pitchFamily="18" charset="0"/>
-                          </a:rPr>
-                        </m:ctrlPr>
-                      </m:dPr>
-                      <m:e>
-                        <m:r>
-                          <a:rPr lang="fr-FR" sz="2000" i="1">
-                            <a:latin typeface="Cambria Math" panose="02040503050406030204" pitchFamily="18" charset="0"/>
-                          </a:rPr>
-                          <m:t>−</m:t>
-                        </m:r>
-                        <m:sSub>
-                          <m:sSubPr>
-                            <m:ctrlPr>
-                              <a:rPr lang="fr-FR" sz="2000" i="1">
-                                <a:latin typeface="Cambria Math" panose="02040503050406030204" pitchFamily="18" charset="0"/>
-                              </a:rPr>
-                            </m:ctrlPr>
-                          </m:sSubPr>
-                          <m:e>
-                            <m:r>
-                              <a:rPr lang="fr-FR" sz="2000" i="1">
-                                <a:latin typeface="Cambria Math" panose="02040503050406030204" pitchFamily="18" charset="0"/>
-                              </a:rPr>
-                              <m:t>𝐸</m:t>
-                            </m:r>
-                          </m:e>
-                          <m:sub>
-                            <m:r>
-                              <a:rPr lang="fr-FR" sz="2000" i="1">
-                                <a:latin typeface="Cambria Math" panose="02040503050406030204" pitchFamily="18" charset="0"/>
-                              </a:rPr>
-                              <m:t>2</m:t>
-                            </m:r>
-                          </m:sub>
-                        </m:sSub>
-                        <m:acc>
-                          <m:accPr>
-                            <m:chr m:val="̇"/>
-                            <m:ctrlPr>
-                              <a:rPr lang="fr-FR" sz="2000" i="1">
-                                <a:latin typeface="Cambria Math" panose="02040503050406030204" pitchFamily="18" charset="0"/>
-                                <a:ea typeface="Cambria Math" panose="02040503050406030204" pitchFamily="18" charset="0"/>
-                              </a:rPr>
-                            </m:ctrlPr>
-                          </m:accPr>
-                          <m:e>
-                            <m:r>
-                              <a:rPr lang="fr-FR" sz="2000" i="1">
-                                <a:latin typeface="Cambria Math" panose="02040503050406030204" pitchFamily="18" charset="0"/>
-                                <a:ea typeface="Cambria Math" panose="02040503050406030204" pitchFamily="18" charset="0"/>
-                              </a:rPr>
-                              <m:t>𝜑</m:t>
-                            </m:r>
-                          </m:e>
-                        </m:acc>
-                        <m:r>
-                          <a:rPr lang="fr-FR" sz="2000" b="0" i="1" smtClean="0">
-                            <a:latin typeface="Cambria Math" panose="02040503050406030204" pitchFamily="18" charset="0"/>
-                            <a:ea typeface="Cambria Math" panose="02040503050406030204" pitchFamily="18" charset="0"/>
-                          </a:rPr>
-                          <m:t>+</m:t>
-                        </m:r>
-                        <m:sSub>
-                          <m:sSubPr>
-                            <m:ctrlPr>
-                              <a:rPr lang="fr-FR" sz="2000" b="0" i="1" smtClean="0">
-                                <a:latin typeface="Cambria Math" panose="02040503050406030204" pitchFamily="18" charset="0"/>
-                                <a:ea typeface="Cambria Math" panose="02040503050406030204" pitchFamily="18" charset="0"/>
-                              </a:rPr>
-                            </m:ctrlPr>
-                          </m:sSubPr>
-                          <m:e>
-                            <m:r>
-                              <a:rPr lang="fr-FR" sz="2000" b="0" i="1" smtClean="0">
-                                <a:latin typeface="Cambria Math" panose="02040503050406030204" pitchFamily="18" charset="0"/>
-                                <a:ea typeface="Cambria Math" panose="02040503050406030204" pitchFamily="18" charset="0"/>
-                              </a:rPr>
-                              <m:t>𝐶</m:t>
-                            </m:r>
-                          </m:e>
-                          <m:sub>
-                            <m:r>
-                              <a:rPr lang="fr-FR" sz="2000" b="0" i="1" smtClean="0">
-                                <a:latin typeface="Cambria Math" panose="02040503050406030204" pitchFamily="18" charset="0"/>
-                                <a:ea typeface="Cambria Math" panose="02040503050406030204" pitchFamily="18" charset="0"/>
-                              </a:rPr>
-                              <m:t>2</m:t>
-                            </m:r>
-                          </m:sub>
-                        </m:sSub>
-                        <m:acc>
-                          <m:accPr>
-                            <m:chr m:val="̇"/>
-                            <m:ctrlPr>
-                              <a:rPr lang="fr-FR" sz="2000" i="1">
-                                <a:latin typeface="Cambria Math" panose="02040503050406030204" pitchFamily="18" charset="0"/>
-                                <a:ea typeface="Cambria Math" panose="02040503050406030204" pitchFamily="18" charset="0"/>
-                              </a:rPr>
-                            </m:ctrlPr>
-                          </m:accPr>
-                          <m:e>
-                            <m:r>
-                              <a:rPr lang="fr-FR" sz="2000" i="1">
-                                <a:latin typeface="Cambria Math" panose="02040503050406030204" pitchFamily="18" charset="0"/>
-                                <a:ea typeface="Cambria Math" panose="02040503050406030204" pitchFamily="18" charset="0"/>
-                              </a:rPr>
-                              <m:t>𝜃</m:t>
-                            </m:r>
-                          </m:e>
-                        </m:acc>
-                        <m:func>
-                          <m:funcPr>
-                            <m:ctrlPr>
-                              <a:rPr lang="fr-FR" sz="2000" i="1">
-                                <a:latin typeface="Cambria Math" panose="02040503050406030204" pitchFamily="18" charset="0"/>
-                                <a:ea typeface="Cambria Math" panose="02040503050406030204" pitchFamily="18" charset="0"/>
-                              </a:rPr>
-                            </m:ctrlPr>
-                          </m:funcPr>
-                          <m:fName>
-                            <m:r>
-                              <m:rPr>
-                                <m:sty m:val="p"/>
-                              </m:rPr>
-                              <a:rPr lang="fr-FR" sz="2000">
-                                <a:latin typeface="Cambria Math" panose="02040503050406030204" pitchFamily="18" charset="0"/>
-                                <a:ea typeface="Cambria Math" panose="02040503050406030204" pitchFamily="18" charset="0"/>
-                              </a:rPr>
-                              <m:t>cos</m:t>
-                            </m:r>
-                          </m:fName>
-                          <m:e>
-                            <m:r>
-                              <a:rPr lang="fr-FR" sz="2000" i="1">
-                                <a:latin typeface="Cambria Math" panose="02040503050406030204" pitchFamily="18" charset="0"/>
-                                <a:ea typeface="Cambria Math" panose="02040503050406030204" pitchFamily="18" charset="0"/>
-                              </a:rPr>
-                              <m:t>𝜑</m:t>
-                            </m:r>
-                          </m:e>
-                        </m:func>
-                      </m:e>
-                    </m:d>
-                    <m:acc>
-                      <m:accPr>
-                        <m:chr m:val="⃗"/>
-                        <m:ctrlPr>
-                          <a:rPr lang="fr-FR" sz="2000" i="1">
-                            <a:latin typeface="Cambria Math" panose="02040503050406030204" pitchFamily="18" charset="0"/>
-                          </a:rPr>
-                        </m:ctrlPr>
-                      </m:accPr>
-                      <m:e>
-                        <m:sSub>
-                          <m:sSubPr>
-                            <m:ctrlPr>
-                              <a:rPr lang="fr-FR" sz="2000" i="1">
-                                <a:latin typeface="Cambria Math" panose="02040503050406030204" pitchFamily="18" charset="0"/>
-                              </a:rPr>
-                            </m:ctrlPr>
-                          </m:sSubPr>
-                          <m:e>
-                            <m:r>
-                              <a:rPr lang="fr-FR" sz="2000" b="0" i="1" smtClean="0">
-                                <a:latin typeface="Cambria Math" panose="02040503050406030204" pitchFamily="18" charset="0"/>
-                              </a:rPr>
-                              <m:t>𝑧</m:t>
-                            </m:r>
-                          </m:e>
-                          <m:sub>
-                            <m:r>
-                              <a:rPr lang="fr-FR" sz="2000" i="1">
-                                <a:latin typeface="Cambria Math" panose="02040503050406030204" pitchFamily="18" charset="0"/>
-                              </a:rPr>
-                              <m:t>2</m:t>
-                            </m:r>
-                          </m:sub>
-                        </m:sSub>
-                      </m:e>
-                    </m:acc>
-                  </m:oMath>
-                </a14:m>
-                <a:endParaRPr lang="fr-FR" sz="2000" dirty="0"/>
+                <a:endParaRPr lang="fr-FR" sz="1600" dirty="0"/>
               </a:p>
             </p:txBody>
           </p:sp>
@@ -10168,13 +8724,13 @@
             </p:nvSpPr>
             <p:spPr>
               <a:xfrm>
-                <a:off x="2500464" y="981887"/>
-                <a:ext cx="9358652" cy="5253339"/>
+                <a:off x="5334000" y="882799"/>
+                <a:ext cx="6858000" cy="2435748"/>
               </a:xfrm>
               <a:blipFill>
                 <a:blip r:embed="rId14"/>
                 <a:stretch>
-                  <a:fillRect l="-1368" t="-1972"/>
+                  <a:fillRect l="-1511" t="-2506"/>
                 </a:stretch>
               </a:blipFill>
             </p:spPr>
@@ -10247,6 +8803,4513 @@
           </a:p>
         </p:txBody>
       </p:sp>
+      <mc:AlternateContent xmlns:mc="http://schemas.openxmlformats.org/markup-compatibility/2006">
+        <mc:Choice xmlns:a14="http://schemas.microsoft.com/office/drawing/2010/main" Requires="a14">
+          <p:sp>
+            <p:nvSpPr>
+              <p:cNvPr id="58" name="Espace réservé du contenu 2">
+                <a:extLst>
+                  <a:ext uri="{FF2B5EF4-FFF2-40B4-BE49-F238E27FC236}">
+                    <a16:creationId xmlns:a16="http://schemas.microsoft.com/office/drawing/2014/main" id="{DD54C1D3-8449-BBFD-450E-C6CBF7A9479D}"/>
+                  </a:ext>
+                </a:extLst>
+              </p:cNvPr>
+              <p:cNvSpPr txBox="1">
+                <a:spLocks/>
+              </p:cNvSpPr>
+              <p:nvPr/>
+            </p:nvSpPr>
+            <p:spPr>
+              <a:xfrm>
+                <a:off x="2319596" y="1462078"/>
+                <a:ext cx="3147445" cy="1687250"/>
+              </a:xfrm>
+              <a:prstGeom prst="rect">
+                <a:avLst/>
+              </a:prstGeom>
+            </p:spPr>
+            <p:txBody>
+              <a:bodyPr vert="horz" lIns="0" tIns="45720" rIns="0" bIns="45720" rtlCol="0">
+                <a:noAutofit/>
+              </a:bodyPr>
+              <a:lstStyle>
+                <a:lvl1pPr marL="271463" indent="-269875" algn="l" defTabSz="914400" rtl="0" eaLnBrk="1" latinLnBrk="0" hangingPunct="1">
+                  <a:lnSpc>
+                    <a:spcPct val="90000"/>
+                  </a:lnSpc>
+                  <a:spcBef>
+                    <a:spcPts val="1200"/>
+                  </a:spcBef>
+                  <a:spcAft>
+                    <a:spcPts val="200"/>
+                  </a:spcAft>
+                  <a:buClr>
+                    <a:schemeClr val="tx2"/>
+                  </a:buClr>
+                  <a:buSzPct val="80000"/>
+                  <a:buFont typeface="Wingdings" panose="05000000000000000000" pitchFamily="2" charset="2"/>
+                  <a:buChar char="q"/>
+                  <a:defRPr lang="fr-FR" sz="2800" kern="1200">
+                    <a:solidFill>
+                      <a:schemeClr val="tx1">
+                        <a:lumMod val="75000"/>
+                        <a:lumOff val="25000"/>
+                      </a:schemeClr>
+                    </a:solidFill>
+                    <a:latin typeface="+mn-lt"/>
+                    <a:ea typeface="+mn-ea"/>
+                    <a:cs typeface="+mn-cs"/>
+                  </a:defRPr>
+                </a:lvl1pPr>
+                <a:lvl2pPr marL="449263" indent="-249238" algn="l" defTabSz="914400" rtl="0" eaLnBrk="1" latinLnBrk="0" hangingPunct="1">
+                  <a:lnSpc>
+                    <a:spcPct val="90000"/>
+                  </a:lnSpc>
+                  <a:spcBef>
+                    <a:spcPts val="200"/>
+                  </a:spcBef>
+                  <a:spcAft>
+                    <a:spcPts val="400"/>
+                  </a:spcAft>
+                  <a:buClr>
+                    <a:schemeClr val="accent1"/>
+                  </a:buClr>
+                  <a:buSzPct val="80000"/>
+                  <a:buFont typeface="Wingdings" panose="05000000000000000000" pitchFamily="2" charset="2"/>
+                  <a:buChar char="q"/>
+                  <a:defRPr lang="fr-FR" sz="2400" kern="1200">
+                    <a:solidFill>
+                      <a:schemeClr val="tx1">
+                        <a:lumMod val="75000"/>
+                        <a:lumOff val="25000"/>
+                      </a:schemeClr>
+                    </a:solidFill>
+                    <a:latin typeface="+mn-lt"/>
+                    <a:ea typeface="+mn-ea"/>
+                    <a:cs typeface="+mn-cs"/>
+                  </a:defRPr>
+                </a:lvl2pPr>
+                <a:lvl3pPr marL="627063" indent="-242888" algn="l" defTabSz="914400" rtl="0" eaLnBrk="1" latinLnBrk="0" hangingPunct="1">
+                  <a:lnSpc>
+                    <a:spcPct val="90000"/>
+                  </a:lnSpc>
+                  <a:spcBef>
+                    <a:spcPts val="200"/>
+                  </a:spcBef>
+                  <a:spcAft>
+                    <a:spcPts val="400"/>
+                  </a:spcAft>
+                  <a:buClr>
+                    <a:schemeClr val="accent2"/>
+                  </a:buClr>
+                  <a:buSzPct val="80000"/>
+                  <a:buFont typeface="Wingdings" panose="05000000000000000000" pitchFamily="2" charset="2"/>
+                  <a:buChar char="q"/>
+                  <a:defRPr lang="fr-FR" sz="1800" kern="1200">
+                    <a:solidFill>
+                      <a:schemeClr val="tx1">
+                        <a:lumMod val="75000"/>
+                        <a:lumOff val="25000"/>
+                      </a:schemeClr>
+                    </a:solidFill>
+                    <a:latin typeface="+mn-lt"/>
+                    <a:ea typeface="+mn-ea"/>
+                    <a:cs typeface="+mn-cs"/>
+                  </a:defRPr>
+                </a:lvl3pPr>
+                <a:lvl4pPr marL="804863" indent="-238125" algn="l" defTabSz="914400" rtl="0" eaLnBrk="1" latinLnBrk="0" hangingPunct="1">
+                  <a:lnSpc>
+                    <a:spcPct val="90000"/>
+                  </a:lnSpc>
+                  <a:spcBef>
+                    <a:spcPts val="200"/>
+                  </a:spcBef>
+                  <a:spcAft>
+                    <a:spcPts val="400"/>
+                  </a:spcAft>
+                  <a:buClr>
+                    <a:schemeClr val="accent3"/>
+                  </a:buClr>
+                  <a:buSzPct val="80000"/>
+                  <a:buFont typeface="Wingdings" panose="05000000000000000000" pitchFamily="2" charset="2"/>
+                  <a:buChar char="q"/>
+                  <a:defRPr lang="fr-FR" sz="1800" kern="1200">
+                    <a:solidFill>
+                      <a:schemeClr val="tx1">
+                        <a:lumMod val="75000"/>
+                        <a:lumOff val="25000"/>
+                      </a:schemeClr>
+                    </a:solidFill>
+                    <a:latin typeface="+mn-lt"/>
+                    <a:ea typeface="+mn-ea"/>
+                    <a:cs typeface="+mn-cs"/>
+                  </a:defRPr>
+                </a:lvl4pPr>
+                <a:lvl5pPr marL="982663" indent="-233363" algn="l" defTabSz="914400" rtl="0" eaLnBrk="1" latinLnBrk="0" hangingPunct="1">
+                  <a:lnSpc>
+                    <a:spcPct val="90000"/>
+                  </a:lnSpc>
+                  <a:spcBef>
+                    <a:spcPts val="200"/>
+                  </a:spcBef>
+                  <a:spcAft>
+                    <a:spcPts val="400"/>
+                  </a:spcAft>
+                  <a:buClr>
+                    <a:schemeClr val="accent4"/>
+                  </a:buClr>
+                  <a:buSzPct val="80000"/>
+                  <a:buFont typeface="Wingdings" panose="05000000000000000000" pitchFamily="2" charset="2"/>
+                  <a:buChar char="q"/>
+                  <a:defRPr lang="en-US" sz="1800" kern="1200">
+                    <a:solidFill>
+                      <a:schemeClr val="tx1">
+                        <a:lumMod val="75000"/>
+                        <a:lumOff val="25000"/>
+                      </a:schemeClr>
+                    </a:solidFill>
+                    <a:latin typeface="+mn-lt"/>
+                    <a:ea typeface="+mn-ea"/>
+                    <a:cs typeface="+mn-cs"/>
+                  </a:defRPr>
+                </a:lvl5pPr>
+                <a:lvl6pPr marL="1100000" indent="-228600" algn="l" defTabSz="914400" rtl="0" eaLnBrk="1" latinLnBrk="0" hangingPunct="1">
+                  <a:lnSpc>
+                    <a:spcPct val="90000"/>
+                  </a:lnSpc>
+                  <a:spcBef>
+                    <a:spcPts val="200"/>
+                  </a:spcBef>
+                  <a:spcAft>
+                    <a:spcPts val="400"/>
+                  </a:spcAft>
+                  <a:buClr>
+                    <a:schemeClr val="accent1"/>
+                  </a:buClr>
+                  <a:buFont typeface="Calibri" pitchFamily="34" charset="0"/>
+                  <a:buChar char="◦"/>
+                  <a:defRPr sz="1400" kern="1200">
+                    <a:solidFill>
+                      <a:schemeClr val="tx1">
+                        <a:lumMod val="75000"/>
+                        <a:lumOff val="25000"/>
+                      </a:schemeClr>
+                    </a:solidFill>
+                    <a:latin typeface="+mn-lt"/>
+                    <a:ea typeface="+mn-ea"/>
+                    <a:cs typeface="+mn-cs"/>
+                  </a:defRPr>
+                </a:lvl6pPr>
+                <a:lvl7pPr marL="1300000" indent="-228600" algn="l" defTabSz="914400" rtl="0" eaLnBrk="1" latinLnBrk="0" hangingPunct="1">
+                  <a:lnSpc>
+                    <a:spcPct val="90000"/>
+                  </a:lnSpc>
+                  <a:spcBef>
+                    <a:spcPts val="200"/>
+                  </a:spcBef>
+                  <a:spcAft>
+                    <a:spcPts val="400"/>
+                  </a:spcAft>
+                  <a:buClr>
+                    <a:schemeClr val="accent1"/>
+                  </a:buClr>
+                  <a:buFont typeface="Calibri" pitchFamily="34" charset="0"/>
+                  <a:buChar char="◦"/>
+                  <a:defRPr sz="1400" kern="1200">
+                    <a:solidFill>
+                      <a:schemeClr val="tx1">
+                        <a:lumMod val="75000"/>
+                        <a:lumOff val="25000"/>
+                      </a:schemeClr>
+                    </a:solidFill>
+                    <a:latin typeface="+mn-lt"/>
+                    <a:ea typeface="+mn-ea"/>
+                    <a:cs typeface="+mn-cs"/>
+                  </a:defRPr>
+                </a:lvl7pPr>
+                <a:lvl8pPr marL="1500000" indent="-228600" algn="l" defTabSz="914400" rtl="0" eaLnBrk="1" latinLnBrk="0" hangingPunct="1">
+                  <a:lnSpc>
+                    <a:spcPct val="90000"/>
+                  </a:lnSpc>
+                  <a:spcBef>
+                    <a:spcPts val="200"/>
+                  </a:spcBef>
+                  <a:spcAft>
+                    <a:spcPts val="400"/>
+                  </a:spcAft>
+                  <a:buClr>
+                    <a:schemeClr val="accent1"/>
+                  </a:buClr>
+                  <a:buFont typeface="Calibri" pitchFamily="34" charset="0"/>
+                  <a:buChar char="◦"/>
+                  <a:defRPr sz="1400" kern="1200">
+                    <a:solidFill>
+                      <a:schemeClr val="tx1">
+                        <a:lumMod val="75000"/>
+                        <a:lumOff val="25000"/>
+                      </a:schemeClr>
+                    </a:solidFill>
+                    <a:latin typeface="+mn-lt"/>
+                    <a:ea typeface="+mn-ea"/>
+                    <a:cs typeface="+mn-cs"/>
+                  </a:defRPr>
+                </a:lvl8pPr>
+                <a:lvl9pPr marL="1700000" indent="-228600" algn="l" defTabSz="914400" rtl="0" eaLnBrk="1" latinLnBrk="0" hangingPunct="1">
+                  <a:lnSpc>
+                    <a:spcPct val="90000"/>
+                  </a:lnSpc>
+                  <a:spcBef>
+                    <a:spcPts val="200"/>
+                  </a:spcBef>
+                  <a:spcAft>
+                    <a:spcPts val="400"/>
+                  </a:spcAft>
+                  <a:buClr>
+                    <a:schemeClr val="accent1"/>
+                  </a:buClr>
+                  <a:buFont typeface="Calibri" pitchFamily="34" charset="0"/>
+                  <a:buChar char="◦"/>
+                  <a:defRPr sz="1400" kern="1200">
+                    <a:solidFill>
+                      <a:schemeClr val="tx1">
+                        <a:lumMod val="75000"/>
+                        <a:lumOff val="25000"/>
+                      </a:schemeClr>
+                    </a:solidFill>
+                    <a:latin typeface="+mn-lt"/>
+                    <a:ea typeface="+mn-ea"/>
+                    <a:cs typeface="+mn-cs"/>
+                  </a:defRPr>
+                </a:lvl9pPr>
+              </a:lstStyle>
+              <a:p>
+                <a14:m>
+                  <m:oMath xmlns:m="http://schemas.openxmlformats.org/officeDocument/2006/math">
+                    <m:sSub>
+                      <m:sSubPr>
+                        <m:ctrlPr>
+                          <a:rPr lang="fr-FR" sz="1400" b="0" i="1" smtClean="0">
+                            <a:latin typeface="Cambria Math" panose="02040503050406030204" pitchFamily="18" charset="0"/>
+                          </a:rPr>
+                        </m:ctrlPr>
+                      </m:sSubPr>
+                      <m:e>
+                        <m:d>
+                          <m:dPr>
+                            <m:begChr m:val="["/>
+                            <m:endChr m:val="]"/>
+                            <m:ctrlPr>
+                              <a:rPr lang="fr-FR" sz="1400" b="0" i="1" smtClean="0">
+                                <a:latin typeface="Cambria Math" panose="02040503050406030204" pitchFamily="18" charset="0"/>
+                              </a:rPr>
+                            </m:ctrlPr>
+                          </m:dPr>
+                          <m:e>
+                            <m:f>
+                              <m:fPr>
+                                <m:ctrlPr>
+                                  <a:rPr lang="fr-FR" sz="1400" i="1">
+                                    <a:latin typeface="Cambria Math" panose="02040503050406030204" pitchFamily="18" charset="0"/>
+                                  </a:rPr>
+                                </m:ctrlPr>
+                              </m:fPr>
+                              <m:num>
+                                <m:r>
+                                  <m:rPr>
+                                    <m:sty m:val="p"/>
+                                  </m:rPr>
+                                  <a:rPr lang="fr-FR" sz="1400">
+                                    <a:latin typeface="Cambria Math" panose="02040503050406030204" pitchFamily="18" charset="0"/>
+                                  </a:rPr>
+                                  <m:t>d</m:t>
+                                </m:r>
+                                <m:acc>
+                                  <m:accPr>
+                                    <m:chr m:val="⃗"/>
+                                    <m:ctrlPr>
+                                      <a:rPr lang="ar-AE" sz="1400" i="1">
+                                        <a:latin typeface="Cambria Math" panose="02040503050406030204" pitchFamily="18" charset="0"/>
+                                      </a:rPr>
+                                    </m:ctrlPr>
+                                  </m:accPr>
+                                  <m:e>
+                                    <m:sSub>
+                                      <m:sSubPr>
+                                        <m:ctrlPr>
+                                          <a:rPr lang="fr-FR" sz="1400" i="1">
+                                            <a:latin typeface="Cambria Math" panose="02040503050406030204" pitchFamily="18" charset="0"/>
+                                          </a:rPr>
+                                        </m:ctrlPr>
+                                      </m:sSubPr>
+                                      <m:e>
+                                        <m:r>
+                                          <a:rPr lang="fr-FR" sz="1400" i="1">
+                                            <a:latin typeface="Cambria Math" panose="02040503050406030204" pitchFamily="18" charset="0"/>
+                                          </a:rPr>
+                                          <m:t>𝑦</m:t>
+                                        </m:r>
+                                      </m:e>
+                                      <m:sub>
+                                        <m:r>
+                                          <a:rPr lang="fr-FR" sz="1400" i="1">
+                                            <a:latin typeface="Cambria Math" panose="02040503050406030204" pitchFamily="18" charset="0"/>
+                                          </a:rPr>
+                                          <m:t>2</m:t>
+                                        </m:r>
+                                      </m:sub>
+                                    </m:sSub>
+                                  </m:e>
+                                </m:acc>
+                              </m:num>
+                              <m:den>
+                                <m:r>
+                                  <m:rPr>
+                                    <m:sty m:val="p"/>
+                                  </m:rPr>
+                                  <a:rPr lang="fr-FR" sz="1400">
+                                    <a:latin typeface="Cambria Math" panose="02040503050406030204" pitchFamily="18" charset="0"/>
+                                  </a:rPr>
+                                  <m:t>d</m:t>
+                                </m:r>
+                                <m:r>
+                                  <a:rPr lang="fr-FR" sz="1400" i="1">
+                                    <a:latin typeface="Cambria Math" panose="02040503050406030204" pitchFamily="18" charset="0"/>
+                                  </a:rPr>
+                                  <m:t>𝑡</m:t>
+                                </m:r>
+                              </m:den>
+                            </m:f>
+                          </m:e>
+                        </m:d>
+                      </m:e>
+                      <m:sub>
+                        <m:sSub>
+                          <m:sSubPr>
+                            <m:ctrlPr>
+                              <a:rPr lang="fr-FR" sz="1400" i="1">
+                                <a:latin typeface="Cambria Math" panose="02040503050406030204" pitchFamily="18" charset="0"/>
+                                <a:ea typeface="Cambria Math" panose="02040503050406030204" pitchFamily="18" charset="0"/>
+                              </a:rPr>
+                            </m:ctrlPr>
+                          </m:sSubPr>
+                          <m:e>
+                            <m:r>
+                              <a:rPr lang="fr-FR" sz="1400" i="1">
+                                <a:latin typeface="Cambria Math" panose="02040503050406030204" pitchFamily="18" charset="0"/>
+                                <a:ea typeface="Cambria Math" panose="02040503050406030204" pitchFamily="18" charset="0"/>
+                              </a:rPr>
+                              <m:t>ℬ</m:t>
+                            </m:r>
+                          </m:e>
+                          <m:sub>
+                            <m:r>
+                              <a:rPr lang="fr-FR" sz="1400" b="0" i="1" smtClean="0">
+                                <a:latin typeface="Cambria Math" panose="02040503050406030204" pitchFamily="18" charset="0"/>
+                                <a:ea typeface="Cambria Math" panose="02040503050406030204" pitchFamily="18" charset="0"/>
+                              </a:rPr>
+                              <m:t>0</m:t>
+                            </m:r>
+                          </m:sub>
+                        </m:sSub>
+                      </m:sub>
+                    </m:sSub>
+                    <m:r>
+                      <a:rPr lang="fr-FR" sz="1400" i="1">
+                        <a:latin typeface="Cambria Math" panose="02040503050406030204" pitchFamily="18" charset="0"/>
+                      </a:rPr>
+                      <m:t>=</m:t>
+                    </m:r>
+                    <m:d>
+                      <m:dPr>
+                        <m:ctrlPr>
+                          <a:rPr lang="fr-FR" sz="1400" i="1">
+                            <a:latin typeface="Cambria Math" panose="02040503050406030204" pitchFamily="18" charset="0"/>
+                          </a:rPr>
+                        </m:ctrlPr>
+                      </m:dPr>
+                      <m:e>
+                        <m:acc>
+                          <m:accPr>
+                            <m:chr m:val="̇"/>
+                            <m:ctrlPr>
+                              <a:rPr lang="fr-FR" sz="1400" i="1">
+                                <a:latin typeface="Cambria Math" panose="02040503050406030204" pitchFamily="18" charset="0"/>
+                                <a:ea typeface="Cambria Math" panose="02040503050406030204" pitchFamily="18" charset="0"/>
+                              </a:rPr>
+                            </m:ctrlPr>
+                          </m:accPr>
+                          <m:e>
+                            <m:r>
+                              <a:rPr lang="fr-FR" sz="1400" i="1">
+                                <a:latin typeface="Cambria Math" panose="02040503050406030204" pitchFamily="18" charset="0"/>
+                                <a:ea typeface="Cambria Math" panose="02040503050406030204" pitchFamily="18" charset="0"/>
+                              </a:rPr>
+                              <m:t>𝜑</m:t>
+                            </m:r>
+                          </m:e>
+                        </m:acc>
+                        <m:acc>
+                          <m:accPr>
+                            <m:chr m:val="⃗"/>
+                            <m:ctrlPr>
+                              <a:rPr lang="ar-AE" sz="1400" i="1">
+                                <a:latin typeface="Cambria Math" panose="02040503050406030204" pitchFamily="18" charset="0"/>
+                              </a:rPr>
+                            </m:ctrlPr>
+                          </m:accPr>
+                          <m:e>
+                            <m:sSub>
+                              <m:sSubPr>
+                                <m:ctrlPr>
+                                  <a:rPr lang="fr-FR" sz="1400" i="1">
+                                    <a:latin typeface="Cambria Math" panose="02040503050406030204" pitchFamily="18" charset="0"/>
+                                  </a:rPr>
+                                </m:ctrlPr>
+                              </m:sSubPr>
+                              <m:e>
+                                <m:r>
+                                  <a:rPr lang="fr-FR" sz="1400" i="1">
+                                    <a:latin typeface="Cambria Math" panose="02040503050406030204" pitchFamily="18" charset="0"/>
+                                  </a:rPr>
+                                  <m:t>𝑥</m:t>
+                                </m:r>
+                              </m:e>
+                              <m:sub>
+                                <m:r>
+                                  <a:rPr lang="fr-FR" sz="1400" i="1">
+                                    <a:latin typeface="Cambria Math" panose="02040503050406030204" pitchFamily="18" charset="0"/>
+                                  </a:rPr>
+                                  <m:t>1</m:t>
+                                </m:r>
+                              </m:sub>
+                            </m:sSub>
+                          </m:e>
+                        </m:acc>
+                        <m:r>
+                          <a:rPr lang="fr-FR" sz="1400" i="1">
+                            <a:latin typeface="Cambria Math" panose="02040503050406030204" pitchFamily="18" charset="0"/>
+                          </a:rPr>
+                          <m:t>+</m:t>
+                        </m:r>
+                        <m:acc>
+                          <m:accPr>
+                            <m:chr m:val="̇"/>
+                            <m:ctrlPr>
+                              <a:rPr lang="fr-FR" sz="1400" i="1">
+                                <a:latin typeface="Cambria Math" panose="02040503050406030204" pitchFamily="18" charset="0"/>
+                                <a:ea typeface="Cambria Math" panose="02040503050406030204" pitchFamily="18" charset="0"/>
+                              </a:rPr>
+                            </m:ctrlPr>
+                          </m:accPr>
+                          <m:e>
+                            <m:r>
+                              <a:rPr lang="fr-FR" sz="1400" i="1">
+                                <a:latin typeface="Cambria Math" panose="02040503050406030204" pitchFamily="18" charset="0"/>
+                                <a:ea typeface="Cambria Math" panose="02040503050406030204" pitchFamily="18" charset="0"/>
+                              </a:rPr>
+                              <m:t>𝜃</m:t>
+                            </m:r>
+                          </m:e>
+                        </m:acc>
+                        <m:acc>
+                          <m:accPr>
+                            <m:chr m:val="⃗"/>
+                            <m:ctrlPr>
+                              <a:rPr lang="ar-AE" sz="1400" i="1">
+                                <a:latin typeface="Cambria Math" panose="02040503050406030204" pitchFamily="18" charset="0"/>
+                              </a:rPr>
+                            </m:ctrlPr>
+                          </m:accPr>
+                          <m:e>
+                            <m:sSub>
+                              <m:sSubPr>
+                                <m:ctrlPr>
+                                  <a:rPr lang="fr-FR" sz="1400" i="1">
+                                    <a:latin typeface="Cambria Math" panose="02040503050406030204" pitchFamily="18" charset="0"/>
+                                  </a:rPr>
+                                </m:ctrlPr>
+                              </m:sSubPr>
+                              <m:e>
+                                <m:r>
+                                  <a:rPr lang="fr-FR" sz="1400" i="1">
+                                    <a:latin typeface="Cambria Math" panose="02040503050406030204" pitchFamily="18" charset="0"/>
+                                  </a:rPr>
+                                  <m:t>𝑧</m:t>
+                                </m:r>
+                              </m:e>
+                              <m:sub>
+                                <m:r>
+                                  <a:rPr lang="fr-FR" sz="1400" i="1">
+                                    <a:latin typeface="Cambria Math" panose="02040503050406030204" pitchFamily="18" charset="0"/>
+                                  </a:rPr>
+                                  <m:t>1</m:t>
+                                </m:r>
+                              </m:sub>
+                            </m:sSub>
+                          </m:e>
+                        </m:acc>
+                      </m:e>
+                    </m:d>
+                    <m:r>
+                      <a:rPr lang="fr-FR" sz="1400" i="1">
+                        <a:latin typeface="Cambria Math" panose="02040503050406030204" pitchFamily="18" charset="0"/>
+                      </a:rPr>
+                      <m:t>∧</m:t>
+                    </m:r>
+                    <m:acc>
+                      <m:accPr>
+                        <m:chr m:val="⃗"/>
+                        <m:ctrlPr>
+                          <a:rPr lang="ar-AE" sz="1400" i="1">
+                            <a:latin typeface="Cambria Math" panose="02040503050406030204" pitchFamily="18" charset="0"/>
+                          </a:rPr>
+                        </m:ctrlPr>
+                      </m:accPr>
+                      <m:e>
+                        <m:sSub>
+                          <m:sSubPr>
+                            <m:ctrlPr>
+                              <a:rPr lang="fr-FR" sz="1400" i="1">
+                                <a:latin typeface="Cambria Math" panose="02040503050406030204" pitchFamily="18" charset="0"/>
+                              </a:rPr>
+                            </m:ctrlPr>
+                          </m:sSubPr>
+                          <m:e>
+                            <m:r>
+                              <a:rPr lang="fr-FR" sz="1400" i="1">
+                                <a:latin typeface="Cambria Math" panose="02040503050406030204" pitchFamily="18" charset="0"/>
+                              </a:rPr>
+                              <m:t>𝑦</m:t>
+                            </m:r>
+                          </m:e>
+                          <m:sub>
+                            <m:r>
+                              <a:rPr lang="fr-FR" sz="1400" i="1">
+                                <a:latin typeface="Cambria Math" panose="02040503050406030204" pitchFamily="18" charset="0"/>
+                              </a:rPr>
+                              <m:t>2</m:t>
+                            </m:r>
+                          </m:sub>
+                        </m:sSub>
+                      </m:e>
+                    </m:acc>
+                    <m:r>
+                      <a:rPr lang="fr-FR" sz="1400" i="1">
+                        <a:latin typeface="Cambria Math" panose="02040503050406030204" pitchFamily="18" charset="0"/>
+                      </a:rPr>
+                      <m:t>=</m:t>
+                    </m:r>
+                    <m:acc>
+                      <m:accPr>
+                        <m:chr m:val="̇"/>
+                        <m:ctrlPr>
+                          <a:rPr lang="fr-FR" sz="1400" i="1">
+                            <a:latin typeface="Cambria Math" panose="02040503050406030204" pitchFamily="18" charset="0"/>
+                            <a:ea typeface="Cambria Math" panose="02040503050406030204" pitchFamily="18" charset="0"/>
+                          </a:rPr>
+                        </m:ctrlPr>
+                      </m:accPr>
+                      <m:e>
+                        <m:r>
+                          <a:rPr lang="fr-FR" sz="1400" i="1">
+                            <a:latin typeface="Cambria Math" panose="02040503050406030204" pitchFamily="18" charset="0"/>
+                            <a:ea typeface="Cambria Math" panose="02040503050406030204" pitchFamily="18" charset="0"/>
+                          </a:rPr>
+                          <m:t>𝜑</m:t>
+                        </m:r>
+                      </m:e>
+                    </m:acc>
+                    <m:acc>
+                      <m:accPr>
+                        <m:chr m:val="⃗"/>
+                        <m:ctrlPr>
+                          <a:rPr lang="ar-AE" sz="1400" i="1">
+                            <a:latin typeface="Cambria Math" panose="02040503050406030204" pitchFamily="18" charset="0"/>
+                          </a:rPr>
+                        </m:ctrlPr>
+                      </m:accPr>
+                      <m:e>
+                        <m:sSub>
+                          <m:sSubPr>
+                            <m:ctrlPr>
+                              <a:rPr lang="fr-FR" sz="1400" i="1">
+                                <a:latin typeface="Cambria Math" panose="02040503050406030204" pitchFamily="18" charset="0"/>
+                              </a:rPr>
+                            </m:ctrlPr>
+                          </m:sSubPr>
+                          <m:e>
+                            <m:r>
+                              <a:rPr lang="fr-FR" sz="1400" i="1">
+                                <a:latin typeface="Cambria Math" panose="02040503050406030204" pitchFamily="18" charset="0"/>
+                              </a:rPr>
+                              <m:t>𝑧</m:t>
+                            </m:r>
+                          </m:e>
+                          <m:sub>
+                            <m:r>
+                              <a:rPr lang="fr-FR" sz="1400" i="1">
+                                <a:latin typeface="Cambria Math" panose="02040503050406030204" pitchFamily="18" charset="0"/>
+                              </a:rPr>
+                              <m:t>2</m:t>
+                            </m:r>
+                          </m:sub>
+                        </m:sSub>
+                      </m:e>
+                    </m:acc>
+                    <m:r>
+                      <a:rPr lang="fr-FR" sz="1400" i="1">
+                        <a:latin typeface="Cambria Math" panose="02040503050406030204" pitchFamily="18" charset="0"/>
+                      </a:rPr>
+                      <m:t>−</m:t>
+                    </m:r>
+                    <m:acc>
+                      <m:accPr>
+                        <m:chr m:val="̇"/>
+                        <m:ctrlPr>
+                          <a:rPr lang="fr-FR" sz="1400" i="1">
+                            <a:latin typeface="Cambria Math" panose="02040503050406030204" pitchFamily="18" charset="0"/>
+                            <a:ea typeface="Cambria Math" panose="02040503050406030204" pitchFamily="18" charset="0"/>
+                          </a:rPr>
+                        </m:ctrlPr>
+                      </m:accPr>
+                      <m:e>
+                        <m:r>
+                          <a:rPr lang="fr-FR" sz="1400" i="1">
+                            <a:latin typeface="Cambria Math" panose="02040503050406030204" pitchFamily="18" charset="0"/>
+                            <a:ea typeface="Cambria Math" panose="02040503050406030204" pitchFamily="18" charset="0"/>
+                          </a:rPr>
+                          <m:t>𝜃</m:t>
+                        </m:r>
+                      </m:e>
+                    </m:acc>
+                    <m:func>
+                      <m:funcPr>
+                        <m:ctrlPr>
+                          <a:rPr lang="fr-FR" sz="1400" i="1">
+                            <a:latin typeface="Cambria Math" panose="02040503050406030204" pitchFamily="18" charset="0"/>
+                          </a:rPr>
+                        </m:ctrlPr>
+                      </m:funcPr>
+                      <m:fName>
+                        <m:r>
+                          <m:rPr>
+                            <m:sty m:val="p"/>
+                          </m:rPr>
+                          <a:rPr lang="fr-FR" sz="1400">
+                            <a:latin typeface="Cambria Math" panose="02040503050406030204" pitchFamily="18" charset="0"/>
+                          </a:rPr>
+                          <m:t>cos</m:t>
+                        </m:r>
+                      </m:fName>
+                      <m:e>
+                        <m:r>
+                          <a:rPr lang="fr-FR" sz="1400" i="1">
+                            <a:latin typeface="Cambria Math" panose="02040503050406030204" pitchFamily="18" charset="0"/>
+                          </a:rPr>
+                          <m:t>𝜑</m:t>
+                        </m:r>
+                      </m:e>
+                    </m:func>
+                    <m:acc>
+                      <m:accPr>
+                        <m:chr m:val="⃗"/>
+                        <m:ctrlPr>
+                          <a:rPr lang="ar-AE" sz="1400" i="1">
+                            <a:latin typeface="Cambria Math" panose="02040503050406030204" pitchFamily="18" charset="0"/>
+                          </a:rPr>
+                        </m:ctrlPr>
+                      </m:accPr>
+                      <m:e>
+                        <m:sSub>
+                          <m:sSubPr>
+                            <m:ctrlPr>
+                              <a:rPr lang="fr-FR" sz="1400" i="1">
+                                <a:latin typeface="Cambria Math" panose="02040503050406030204" pitchFamily="18" charset="0"/>
+                              </a:rPr>
+                            </m:ctrlPr>
+                          </m:sSubPr>
+                          <m:e>
+                            <m:r>
+                              <a:rPr lang="fr-FR" sz="1400" i="1">
+                                <a:latin typeface="Cambria Math" panose="02040503050406030204" pitchFamily="18" charset="0"/>
+                              </a:rPr>
+                              <m:t>𝑥</m:t>
+                            </m:r>
+                          </m:e>
+                          <m:sub>
+                            <m:r>
+                              <a:rPr lang="fr-FR" sz="1400" i="1">
+                                <a:latin typeface="Cambria Math" panose="02040503050406030204" pitchFamily="18" charset="0"/>
+                              </a:rPr>
+                              <m:t>1</m:t>
+                            </m:r>
+                          </m:sub>
+                        </m:sSub>
+                      </m:e>
+                    </m:acc>
+                  </m:oMath>
+                </a14:m>
+                <a:endParaRPr lang="fr-FR" sz="1400" dirty="0" smtClean="0"/>
+              </a:p>
+              <a:p>
+                <a14:m>
+                  <m:oMath xmlns:m="http://schemas.openxmlformats.org/officeDocument/2006/math">
+                    <m:sSub>
+                      <m:sSubPr>
+                        <m:ctrlPr>
+                          <a:rPr lang="fr-FR" sz="1400" i="1">
+                            <a:latin typeface="Cambria Math" panose="02040503050406030204" pitchFamily="18" charset="0"/>
+                          </a:rPr>
+                        </m:ctrlPr>
+                      </m:sSubPr>
+                      <m:e>
+                        <m:d>
+                          <m:dPr>
+                            <m:begChr m:val="["/>
+                            <m:endChr m:val="]"/>
+                            <m:ctrlPr>
+                              <a:rPr lang="fr-FR" sz="1400" i="1">
+                                <a:latin typeface="Cambria Math" panose="02040503050406030204" pitchFamily="18" charset="0"/>
+                              </a:rPr>
+                            </m:ctrlPr>
+                          </m:dPr>
+                          <m:e>
+                            <m:f>
+                              <m:fPr>
+                                <m:ctrlPr>
+                                  <a:rPr lang="fr-FR" sz="1400" i="1">
+                                    <a:latin typeface="Cambria Math" panose="02040503050406030204" pitchFamily="18" charset="0"/>
+                                  </a:rPr>
+                                </m:ctrlPr>
+                              </m:fPr>
+                              <m:num>
+                                <m:r>
+                                  <m:rPr>
+                                    <m:sty m:val="p"/>
+                                  </m:rPr>
+                                  <a:rPr lang="fr-FR" sz="1400">
+                                    <a:latin typeface="Cambria Math" panose="02040503050406030204" pitchFamily="18" charset="0"/>
+                                  </a:rPr>
+                                  <m:t>d</m:t>
+                                </m:r>
+                                <m:acc>
+                                  <m:accPr>
+                                    <m:chr m:val="⃗"/>
+                                    <m:ctrlPr>
+                                      <a:rPr lang="ar-AE" sz="1400" i="1">
+                                        <a:latin typeface="Cambria Math" panose="02040503050406030204" pitchFamily="18" charset="0"/>
+                                      </a:rPr>
+                                    </m:ctrlPr>
+                                  </m:accPr>
+                                  <m:e>
+                                    <m:sSub>
+                                      <m:sSubPr>
+                                        <m:ctrlPr>
+                                          <a:rPr lang="fr-FR" sz="1400" b="0" i="1" smtClean="0">
+                                            <a:latin typeface="Cambria Math" panose="02040503050406030204" pitchFamily="18" charset="0"/>
+                                          </a:rPr>
+                                        </m:ctrlPr>
+                                      </m:sSubPr>
+                                      <m:e>
+                                        <m:r>
+                                          <a:rPr lang="fr-FR" sz="1400" b="0" i="1" smtClean="0">
+                                            <a:latin typeface="Cambria Math" panose="02040503050406030204" pitchFamily="18" charset="0"/>
+                                          </a:rPr>
+                                          <m:t>𝑧</m:t>
+                                        </m:r>
+                                      </m:e>
+                                      <m:sub>
+                                        <m:r>
+                                          <a:rPr lang="fr-FR" sz="1400" b="0" i="1" smtClean="0">
+                                            <a:latin typeface="Cambria Math" panose="02040503050406030204" pitchFamily="18" charset="0"/>
+                                          </a:rPr>
+                                          <m:t>2</m:t>
+                                        </m:r>
+                                      </m:sub>
+                                    </m:sSub>
+                                  </m:e>
+                                </m:acc>
+                              </m:num>
+                              <m:den>
+                                <m:r>
+                                  <m:rPr>
+                                    <m:sty m:val="p"/>
+                                  </m:rPr>
+                                  <a:rPr lang="fr-FR" sz="1400">
+                                    <a:latin typeface="Cambria Math" panose="02040503050406030204" pitchFamily="18" charset="0"/>
+                                  </a:rPr>
+                                  <m:t>d</m:t>
+                                </m:r>
+                                <m:r>
+                                  <a:rPr lang="fr-FR" sz="1400" i="1">
+                                    <a:latin typeface="Cambria Math" panose="02040503050406030204" pitchFamily="18" charset="0"/>
+                                  </a:rPr>
+                                  <m:t>𝑡</m:t>
+                                </m:r>
+                              </m:den>
+                            </m:f>
+                          </m:e>
+                        </m:d>
+                      </m:e>
+                      <m:sub>
+                        <m:sSub>
+                          <m:sSubPr>
+                            <m:ctrlPr>
+                              <a:rPr lang="fr-FR" sz="1400" i="1">
+                                <a:latin typeface="Cambria Math" panose="02040503050406030204" pitchFamily="18" charset="0"/>
+                                <a:ea typeface="Cambria Math" panose="02040503050406030204" pitchFamily="18" charset="0"/>
+                              </a:rPr>
+                            </m:ctrlPr>
+                          </m:sSubPr>
+                          <m:e>
+                            <m:r>
+                              <a:rPr lang="fr-FR" sz="1400" i="1">
+                                <a:latin typeface="Cambria Math" panose="02040503050406030204" pitchFamily="18" charset="0"/>
+                                <a:ea typeface="Cambria Math" panose="02040503050406030204" pitchFamily="18" charset="0"/>
+                              </a:rPr>
+                              <m:t>ℬ</m:t>
+                            </m:r>
+                          </m:e>
+                          <m:sub>
+                            <m:r>
+                              <a:rPr lang="fr-FR" sz="1400" i="1">
+                                <a:latin typeface="Cambria Math" panose="02040503050406030204" pitchFamily="18" charset="0"/>
+                                <a:ea typeface="Cambria Math" panose="02040503050406030204" pitchFamily="18" charset="0"/>
+                              </a:rPr>
+                              <m:t>0</m:t>
+                            </m:r>
+                          </m:sub>
+                        </m:sSub>
+                      </m:sub>
+                    </m:sSub>
+                    <m:r>
+                      <a:rPr lang="fr-FR" sz="1400" i="1">
+                        <a:latin typeface="Cambria Math" panose="02040503050406030204" pitchFamily="18" charset="0"/>
+                      </a:rPr>
+                      <m:t>=</m:t>
+                    </m:r>
+                    <m:d>
+                      <m:dPr>
+                        <m:ctrlPr>
+                          <a:rPr lang="fr-FR" sz="1400" i="1">
+                            <a:latin typeface="Cambria Math" panose="02040503050406030204" pitchFamily="18" charset="0"/>
+                          </a:rPr>
+                        </m:ctrlPr>
+                      </m:dPr>
+                      <m:e>
+                        <m:acc>
+                          <m:accPr>
+                            <m:chr m:val="̇"/>
+                            <m:ctrlPr>
+                              <a:rPr lang="fr-FR" sz="1400" i="1">
+                                <a:latin typeface="Cambria Math" panose="02040503050406030204" pitchFamily="18" charset="0"/>
+                                <a:ea typeface="Cambria Math" panose="02040503050406030204" pitchFamily="18" charset="0"/>
+                              </a:rPr>
+                            </m:ctrlPr>
+                          </m:accPr>
+                          <m:e>
+                            <m:r>
+                              <a:rPr lang="fr-FR" sz="1400" i="1">
+                                <a:latin typeface="Cambria Math" panose="02040503050406030204" pitchFamily="18" charset="0"/>
+                                <a:ea typeface="Cambria Math" panose="02040503050406030204" pitchFamily="18" charset="0"/>
+                              </a:rPr>
+                              <m:t>𝜑</m:t>
+                            </m:r>
+                          </m:e>
+                        </m:acc>
+                        <m:acc>
+                          <m:accPr>
+                            <m:chr m:val="⃗"/>
+                            <m:ctrlPr>
+                              <a:rPr lang="ar-AE" sz="1400" i="1">
+                                <a:latin typeface="Cambria Math" panose="02040503050406030204" pitchFamily="18" charset="0"/>
+                              </a:rPr>
+                            </m:ctrlPr>
+                          </m:accPr>
+                          <m:e>
+                            <m:sSub>
+                              <m:sSubPr>
+                                <m:ctrlPr>
+                                  <a:rPr lang="fr-FR" sz="1400" i="1">
+                                    <a:latin typeface="Cambria Math" panose="02040503050406030204" pitchFamily="18" charset="0"/>
+                                  </a:rPr>
+                                </m:ctrlPr>
+                              </m:sSubPr>
+                              <m:e>
+                                <m:r>
+                                  <a:rPr lang="fr-FR" sz="1400" i="1">
+                                    <a:latin typeface="Cambria Math" panose="02040503050406030204" pitchFamily="18" charset="0"/>
+                                  </a:rPr>
+                                  <m:t>𝑥</m:t>
+                                </m:r>
+                              </m:e>
+                              <m:sub>
+                                <m:r>
+                                  <a:rPr lang="fr-FR" sz="1400" i="1">
+                                    <a:latin typeface="Cambria Math" panose="02040503050406030204" pitchFamily="18" charset="0"/>
+                                  </a:rPr>
+                                  <m:t>1</m:t>
+                                </m:r>
+                              </m:sub>
+                            </m:sSub>
+                          </m:e>
+                        </m:acc>
+                        <m:r>
+                          <a:rPr lang="fr-FR" sz="1400" i="1">
+                            <a:latin typeface="Cambria Math" panose="02040503050406030204" pitchFamily="18" charset="0"/>
+                          </a:rPr>
+                          <m:t>+</m:t>
+                        </m:r>
+                        <m:acc>
+                          <m:accPr>
+                            <m:chr m:val="̇"/>
+                            <m:ctrlPr>
+                              <a:rPr lang="fr-FR" sz="1400" i="1">
+                                <a:latin typeface="Cambria Math" panose="02040503050406030204" pitchFamily="18" charset="0"/>
+                                <a:ea typeface="Cambria Math" panose="02040503050406030204" pitchFamily="18" charset="0"/>
+                              </a:rPr>
+                            </m:ctrlPr>
+                          </m:accPr>
+                          <m:e>
+                            <m:r>
+                              <a:rPr lang="fr-FR" sz="1400" i="1">
+                                <a:latin typeface="Cambria Math" panose="02040503050406030204" pitchFamily="18" charset="0"/>
+                                <a:ea typeface="Cambria Math" panose="02040503050406030204" pitchFamily="18" charset="0"/>
+                              </a:rPr>
+                              <m:t>𝜃</m:t>
+                            </m:r>
+                          </m:e>
+                        </m:acc>
+                        <m:acc>
+                          <m:accPr>
+                            <m:chr m:val="⃗"/>
+                            <m:ctrlPr>
+                              <a:rPr lang="ar-AE" sz="1400" i="1">
+                                <a:latin typeface="Cambria Math" panose="02040503050406030204" pitchFamily="18" charset="0"/>
+                              </a:rPr>
+                            </m:ctrlPr>
+                          </m:accPr>
+                          <m:e>
+                            <m:sSub>
+                              <m:sSubPr>
+                                <m:ctrlPr>
+                                  <a:rPr lang="fr-FR" sz="1400" i="1">
+                                    <a:latin typeface="Cambria Math" panose="02040503050406030204" pitchFamily="18" charset="0"/>
+                                  </a:rPr>
+                                </m:ctrlPr>
+                              </m:sSubPr>
+                              <m:e>
+                                <m:r>
+                                  <a:rPr lang="fr-FR" sz="1400" i="1">
+                                    <a:latin typeface="Cambria Math" panose="02040503050406030204" pitchFamily="18" charset="0"/>
+                                  </a:rPr>
+                                  <m:t>𝑧</m:t>
+                                </m:r>
+                              </m:e>
+                              <m:sub>
+                                <m:r>
+                                  <a:rPr lang="fr-FR" sz="1400" i="1">
+                                    <a:latin typeface="Cambria Math" panose="02040503050406030204" pitchFamily="18" charset="0"/>
+                                  </a:rPr>
+                                  <m:t>1</m:t>
+                                </m:r>
+                              </m:sub>
+                            </m:sSub>
+                          </m:e>
+                        </m:acc>
+                      </m:e>
+                    </m:d>
+                    <m:r>
+                      <a:rPr lang="fr-FR" sz="1400" i="1">
+                        <a:latin typeface="Cambria Math" panose="02040503050406030204" pitchFamily="18" charset="0"/>
+                      </a:rPr>
+                      <m:t>∧</m:t>
+                    </m:r>
+                    <m:acc>
+                      <m:accPr>
+                        <m:chr m:val="⃗"/>
+                        <m:ctrlPr>
+                          <a:rPr lang="ar-AE" sz="1400" i="1">
+                            <a:latin typeface="Cambria Math" panose="02040503050406030204" pitchFamily="18" charset="0"/>
+                          </a:rPr>
+                        </m:ctrlPr>
+                      </m:accPr>
+                      <m:e>
+                        <m:sSub>
+                          <m:sSubPr>
+                            <m:ctrlPr>
+                              <a:rPr lang="fr-FR" sz="1400" i="1">
+                                <a:latin typeface="Cambria Math" panose="02040503050406030204" pitchFamily="18" charset="0"/>
+                              </a:rPr>
+                            </m:ctrlPr>
+                          </m:sSubPr>
+                          <m:e>
+                            <m:r>
+                              <a:rPr lang="fr-FR" sz="1400" b="0" i="1" smtClean="0">
+                                <a:latin typeface="Cambria Math" panose="02040503050406030204" pitchFamily="18" charset="0"/>
+                              </a:rPr>
+                              <m:t>𝑧</m:t>
+                            </m:r>
+                          </m:e>
+                          <m:sub>
+                            <m:r>
+                              <a:rPr lang="fr-FR" sz="1400" i="1">
+                                <a:latin typeface="Cambria Math" panose="02040503050406030204" pitchFamily="18" charset="0"/>
+                              </a:rPr>
+                              <m:t>2</m:t>
+                            </m:r>
+                          </m:sub>
+                        </m:sSub>
+                      </m:e>
+                    </m:acc>
+                    <m:r>
+                      <a:rPr lang="fr-FR" sz="1400" i="1">
+                        <a:latin typeface="Cambria Math" panose="02040503050406030204" pitchFamily="18" charset="0"/>
+                      </a:rPr>
+                      <m:t>=</m:t>
+                    </m:r>
+                    <m:r>
+                      <a:rPr lang="fr-FR" sz="1400" b="0" i="1" smtClean="0">
+                        <a:latin typeface="Cambria Math" panose="02040503050406030204" pitchFamily="18" charset="0"/>
+                      </a:rPr>
+                      <m:t>−</m:t>
+                    </m:r>
+                    <m:acc>
+                      <m:accPr>
+                        <m:chr m:val="̇"/>
+                        <m:ctrlPr>
+                          <a:rPr lang="fr-FR" sz="1400" i="1">
+                            <a:latin typeface="Cambria Math" panose="02040503050406030204" pitchFamily="18" charset="0"/>
+                            <a:ea typeface="Cambria Math" panose="02040503050406030204" pitchFamily="18" charset="0"/>
+                          </a:rPr>
+                        </m:ctrlPr>
+                      </m:accPr>
+                      <m:e>
+                        <m:r>
+                          <a:rPr lang="fr-FR" sz="1400" i="1">
+                            <a:latin typeface="Cambria Math" panose="02040503050406030204" pitchFamily="18" charset="0"/>
+                            <a:ea typeface="Cambria Math" panose="02040503050406030204" pitchFamily="18" charset="0"/>
+                          </a:rPr>
+                          <m:t>𝜑</m:t>
+                        </m:r>
+                      </m:e>
+                    </m:acc>
+                    <m:acc>
+                      <m:accPr>
+                        <m:chr m:val="⃗"/>
+                        <m:ctrlPr>
+                          <a:rPr lang="ar-AE" sz="1400" i="1">
+                            <a:latin typeface="Cambria Math" panose="02040503050406030204" pitchFamily="18" charset="0"/>
+                          </a:rPr>
+                        </m:ctrlPr>
+                      </m:accPr>
+                      <m:e>
+                        <m:sSub>
+                          <m:sSubPr>
+                            <m:ctrlPr>
+                              <a:rPr lang="fr-FR" sz="1400" i="1">
+                                <a:latin typeface="Cambria Math" panose="02040503050406030204" pitchFamily="18" charset="0"/>
+                              </a:rPr>
+                            </m:ctrlPr>
+                          </m:sSubPr>
+                          <m:e>
+                            <m:r>
+                              <a:rPr lang="fr-FR" sz="1400" b="0" i="1" smtClean="0">
+                                <a:latin typeface="Cambria Math" panose="02040503050406030204" pitchFamily="18" charset="0"/>
+                              </a:rPr>
+                              <m:t>𝑦</m:t>
+                            </m:r>
+                          </m:e>
+                          <m:sub>
+                            <m:r>
+                              <a:rPr lang="fr-FR" sz="1400" i="1">
+                                <a:latin typeface="Cambria Math" panose="02040503050406030204" pitchFamily="18" charset="0"/>
+                              </a:rPr>
+                              <m:t>2</m:t>
+                            </m:r>
+                          </m:sub>
+                        </m:sSub>
+                      </m:e>
+                    </m:acc>
+                    <m:r>
+                      <a:rPr lang="fr-FR" sz="1400" b="0" i="1" smtClean="0">
+                        <a:latin typeface="Cambria Math" panose="02040503050406030204" pitchFamily="18" charset="0"/>
+                      </a:rPr>
+                      <m:t>+</m:t>
+                    </m:r>
+                    <m:acc>
+                      <m:accPr>
+                        <m:chr m:val="̇"/>
+                        <m:ctrlPr>
+                          <a:rPr lang="fr-FR" sz="1400" i="1">
+                            <a:latin typeface="Cambria Math" panose="02040503050406030204" pitchFamily="18" charset="0"/>
+                            <a:ea typeface="Cambria Math" panose="02040503050406030204" pitchFamily="18" charset="0"/>
+                          </a:rPr>
+                        </m:ctrlPr>
+                      </m:accPr>
+                      <m:e>
+                        <m:r>
+                          <a:rPr lang="fr-FR" sz="1400" i="1">
+                            <a:latin typeface="Cambria Math" panose="02040503050406030204" pitchFamily="18" charset="0"/>
+                            <a:ea typeface="Cambria Math" panose="02040503050406030204" pitchFamily="18" charset="0"/>
+                          </a:rPr>
+                          <m:t>𝜃</m:t>
+                        </m:r>
+                      </m:e>
+                    </m:acc>
+                    <m:func>
+                      <m:funcPr>
+                        <m:ctrlPr>
+                          <a:rPr lang="fr-FR" sz="1400" i="1">
+                            <a:latin typeface="Cambria Math" panose="02040503050406030204" pitchFamily="18" charset="0"/>
+                          </a:rPr>
+                        </m:ctrlPr>
+                      </m:funcPr>
+                      <m:fName>
+                        <m:r>
+                          <m:rPr>
+                            <m:sty m:val="p"/>
+                          </m:rPr>
+                          <a:rPr lang="fr-FR" sz="1400" b="0" i="0" smtClean="0">
+                            <a:latin typeface="Cambria Math" panose="02040503050406030204" pitchFamily="18" charset="0"/>
+                          </a:rPr>
+                          <m:t>sin</m:t>
+                        </m:r>
+                      </m:fName>
+                      <m:e>
+                        <m:r>
+                          <a:rPr lang="fr-FR" sz="1400" i="1">
+                            <a:latin typeface="Cambria Math" panose="02040503050406030204" pitchFamily="18" charset="0"/>
+                          </a:rPr>
+                          <m:t>𝜑</m:t>
+                        </m:r>
+                      </m:e>
+                    </m:func>
+                    <m:acc>
+                      <m:accPr>
+                        <m:chr m:val="⃗"/>
+                        <m:ctrlPr>
+                          <a:rPr lang="ar-AE" sz="1400" i="1">
+                            <a:latin typeface="Cambria Math" panose="02040503050406030204" pitchFamily="18" charset="0"/>
+                          </a:rPr>
+                        </m:ctrlPr>
+                      </m:accPr>
+                      <m:e>
+                        <m:sSub>
+                          <m:sSubPr>
+                            <m:ctrlPr>
+                              <a:rPr lang="fr-FR" sz="1400" i="1">
+                                <a:latin typeface="Cambria Math" panose="02040503050406030204" pitchFamily="18" charset="0"/>
+                              </a:rPr>
+                            </m:ctrlPr>
+                          </m:sSubPr>
+                          <m:e>
+                            <m:r>
+                              <a:rPr lang="fr-FR" sz="1400" i="1">
+                                <a:latin typeface="Cambria Math" panose="02040503050406030204" pitchFamily="18" charset="0"/>
+                              </a:rPr>
+                              <m:t>𝑥</m:t>
+                            </m:r>
+                          </m:e>
+                          <m:sub>
+                            <m:r>
+                              <a:rPr lang="fr-FR" sz="1400" i="1">
+                                <a:latin typeface="Cambria Math" panose="02040503050406030204" pitchFamily="18" charset="0"/>
+                              </a:rPr>
+                              <m:t>1</m:t>
+                            </m:r>
+                          </m:sub>
+                        </m:sSub>
+                      </m:e>
+                    </m:acc>
+                  </m:oMath>
+                </a14:m>
+                <a:endParaRPr lang="ar-AE" sz="1400" dirty="0"/>
+              </a:p>
+              <a:p>
+                <a:endParaRPr lang="ar-AE" sz="1400" dirty="0"/>
+              </a:p>
+            </p:txBody>
+          </p:sp>
+        </mc:Choice>
+        <mc:Fallback>
+          <p:sp>
+            <p:nvSpPr>
+              <p:cNvPr id="58" name="Espace réservé du contenu 2">
+                <a:extLst>
+                  <a:ext uri="{FF2B5EF4-FFF2-40B4-BE49-F238E27FC236}">
+                    <a16:creationId xmlns:a16="http://schemas.microsoft.com/office/drawing/2014/main" id="{DD54C1D3-8449-BBFD-450E-C6CBF7A9479D}"/>
+                  </a:ext>
+                </a:extLst>
+              </p:cNvPr>
+              <p:cNvSpPr txBox="1">
+                <a:spLocks noRot="1" noChangeAspect="1" noMove="1" noResize="1" noEditPoints="1" noAdjustHandles="1" noChangeArrowheads="1" noChangeShapeType="1" noTextEdit="1"/>
+              </p:cNvSpPr>
+              <p:nvPr/>
+            </p:nvSpPr>
+            <p:spPr>
+              <a:xfrm>
+                <a:off x="2319596" y="1462078"/>
+                <a:ext cx="3147445" cy="1687250"/>
+              </a:xfrm>
+              <a:prstGeom prst="rect">
+                <a:avLst/>
+              </a:prstGeom>
+              <a:blipFill>
+                <a:blip r:embed="rId15"/>
+                <a:stretch>
+                  <a:fillRect l="-2713"/>
+                </a:stretch>
+              </a:blipFill>
+            </p:spPr>
+            <p:txBody>
+              <a:bodyPr/>
+              <a:lstStyle/>
+              <a:p>
+                <a:r>
+                  <a:rPr lang="fr-FR">
+                    <a:noFill/>
+                  </a:rPr>
+                  <a:t> </a:t>
+                </a:r>
+              </a:p>
+            </p:txBody>
+          </p:sp>
+        </mc:Fallback>
+      </mc:AlternateContent>
+      <mc:AlternateContent xmlns:mc="http://schemas.openxmlformats.org/markup-compatibility/2006">
+        <mc:Choice xmlns:a14="http://schemas.microsoft.com/office/drawing/2010/main" Requires="a14">
+          <p:sp>
+            <p:nvSpPr>
+              <p:cNvPr id="59" name="Espace réservé du contenu 2">
+                <a:extLst>
+                  <a:ext uri="{FF2B5EF4-FFF2-40B4-BE49-F238E27FC236}">
+                    <a16:creationId xmlns:a16="http://schemas.microsoft.com/office/drawing/2014/main" id="{DD54C1D3-8449-BBFD-450E-C6CBF7A9479D}"/>
+                  </a:ext>
+                </a:extLst>
+              </p:cNvPr>
+              <p:cNvSpPr txBox="1">
+                <a:spLocks/>
+              </p:cNvSpPr>
+              <p:nvPr/>
+            </p:nvSpPr>
+            <p:spPr>
+              <a:xfrm>
+                <a:off x="2175112" y="3149328"/>
+                <a:ext cx="10016888" cy="3591651"/>
+              </a:xfrm>
+              <a:prstGeom prst="rect">
+                <a:avLst/>
+              </a:prstGeom>
+            </p:spPr>
+            <p:txBody>
+              <a:bodyPr vert="horz" lIns="0" tIns="45720" rIns="0" bIns="45720" rtlCol="0">
+                <a:noAutofit/>
+              </a:bodyPr>
+              <a:lstStyle>
+                <a:lvl1pPr marL="271463" indent="-269875" algn="l" defTabSz="914400" rtl="0" eaLnBrk="1" latinLnBrk="0" hangingPunct="1">
+                  <a:lnSpc>
+                    <a:spcPct val="90000"/>
+                  </a:lnSpc>
+                  <a:spcBef>
+                    <a:spcPts val="1200"/>
+                  </a:spcBef>
+                  <a:spcAft>
+                    <a:spcPts val="200"/>
+                  </a:spcAft>
+                  <a:buClr>
+                    <a:schemeClr val="tx2"/>
+                  </a:buClr>
+                  <a:buSzPct val="80000"/>
+                  <a:buFont typeface="Wingdings" panose="05000000000000000000" pitchFamily="2" charset="2"/>
+                  <a:buChar char="q"/>
+                  <a:defRPr lang="fr-FR" sz="2800" kern="1200">
+                    <a:solidFill>
+                      <a:schemeClr val="tx1">
+                        <a:lumMod val="75000"/>
+                        <a:lumOff val="25000"/>
+                      </a:schemeClr>
+                    </a:solidFill>
+                    <a:latin typeface="+mn-lt"/>
+                    <a:ea typeface="+mn-ea"/>
+                    <a:cs typeface="+mn-cs"/>
+                  </a:defRPr>
+                </a:lvl1pPr>
+                <a:lvl2pPr marL="449263" indent="-249238" algn="l" defTabSz="914400" rtl="0" eaLnBrk="1" latinLnBrk="0" hangingPunct="1">
+                  <a:lnSpc>
+                    <a:spcPct val="90000"/>
+                  </a:lnSpc>
+                  <a:spcBef>
+                    <a:spcPts val="200"/>
+                  </a:spcBef>
+                  <a:spcAft>
+                    <a:spcPts val="400"/>
+                  </a:spcAft>
+                  <a:buClr>
+                    <a:schemeClr val="accent1"/>
+                  </a:buClr>
+                  <a:buSzPct val="80000"/>
+                  <a:buFont typeface="Wingdings" panose="05000000000000000000" pitchFamily="2" charset="2"/>
+                  <a:buChar char="q"/>
+                  <a:defRPr lang="fr-FR" sz="2400" kern="1200">
+                    <a:solidFill>
+                      <a:schemeClr val="tx1">
+                        <a:lumMod val="75000"/>
+                        <a:lumOff val="25000"/>
+                      </a:schemeClr>
+                    </a:solidFill>
+                    <a:latin typeface="+mn-lt"/>
+                    <a:ea typeface="+mn-ea"/>
+                    <a:cs typeface="+mn-cs"/>
+                  </a:defRPr>
+                </a:lvl2pPr>
+                <a:lvl3pPr marL="627063" indent="-242888" algn="l" defTabSz="914400" rtl="0" eaLnBrk="1" latinLnBrk="0" hangingPunct="1">
+                  <a:lnSpc>
+                    <a:spcPct val="90000"/>
+                  </a:lnSpc>
+                  <a:spcBef>
+                    <a:spcPts val="200"/>
+                  </a:spcBef>
+                  <a:spcAft>
+                    <a:spcPts val="400"/>
+                  </a:spcAft>
+                  <a:buClr>
+                    <a:schemeClr val="accent2"/>
+                  </a:buClr>
+                  <a:buSzPct val="80000"/>
+                  <a:buFont typeface="Wingdings" panose="05000000000000000000" pitchFamily="2" charset="2"/>
+                  <a:buChar char="q"/>
+                  <a:defRPr lang="fr-FR" sz="1800" kern="1200">
+                    <a:solidFill>
+                      <a:schemeClr val="tx1">
+                        <a:lumMod val="75000"/>
+                        <a:lumOff val="25000"/>
+                      </a:schemeClr>
+                    </a:solidFill>
+                    <a:latin typeface="+mn-lt"/>
+                    <a:ea typeface="+mn-ea"/>
+                    <a:cs typeface="+mn-cs"/>
+                  </a:defRPr>
+                </a:lvl3pPr>
+                <a:lvl4pPr marL="804863" indent="-238125" algn="l" defTabSz="914400" rtl="0" eaLnBrk="1" latinLnBrk="0" hangingPunct="1">
+                  <a:lnSpc>
+                    <a:spcPct val="90000"/>
+                  </a:lnSpc>
+                  <a:spcBef>
+                    <a:spcPts val="200"/>
+                  </a:spcBef>
+                  <a:spcAft>
+                    <a:spcPts val="400"/>
+                  </a:spcAft>
+                  <a:buClr>
+                    <a:schemeClr val="accent3"/>
+                  </a:buClr>
+                  <a:buSzPct val="80000"/>
+                  <a:buFont typeface="Wingdings" panose="05000000000000000000" pitchFamily="2" charset="2"/>
+                  <a:buChar char="q"/>
+                  <a:defRPr lang="fr-FR" sz="1800" kern="1200">
+                    <a:solidFill>
+                      <a:schemeClr val="tx1">
+                        <a:lumMod val="75000"/>
+                        <a:lumOff val="25000"/>
+                      </a:schemeClr>
+                    </a:solidFill>
+                    <a:latin typeface="+mn-lt"/>
+                    <a:ea typeface="+mn-ea"/>
+                    <a:cs typeface="+mn-cs"/>
+                  </a:defRPr>
+                </a:lvl4pPr>
+                <a:lvl5pPr marL="982663" indent="-233363" algn="l" defTabSz="914400" rtl="0" eaLnBrk="1" latinLnBrk="0" hangingPunct="1">
+                  <a:lnSpc>
+                    <a:spcPct val="90000"/>
+                  </a:lnSpc>
+                  <a:spcBef>
+                    <a:spcPts val="200"/>
+                  </a:spcBef>
+                  <a:spcAft>
+                    <a:spcPts val="400"/>
+                  </a:spcAft>
+                  <a:buClr>
+                    <a:schemeClr val="accent4"/>
+                  </a:buClr>
+                  <a:buSzPct val="80000"/>
+                  <a:buFont typeface="Wingdings" panose="05000000000000000000" pitchFamily="2" charset="2"/>
+                  <a:buChar char="q"/>
+                  <a:defRPr lang="en-US" sz="1800" kern="1200">
+                    <a:solidFill>
+                      <a:schemeClr val="tx1">
+                        <a:lumMod val="75000"/>
+                        <a:lumOff val="25000"/>
+                      </a:schemeClr>
+                    </a:solidFill>
+                    <a:latin typeface="+mn-lt"/>
+                    <a:ea typeface="+mn-ea"/>
+                    <a:cs typeface="+mn-cs"/>
+                  </a:defRPr>
+                </a:lvl5pPr>
+                <a:lvl6pPr marL="1100000" indent="-228600" algn="l" defTabSz="914400" rtl="0" eaLnBrk="1" latinLnBrk="0" hangingPunct="1">
+                  <a:lnSpc>
+                    <a:spcPct val="90000"/>
+                  </a:lnSpc>
+                  <a:spcBef>
+                    <a:spcPts val="200"/>
+                  </a:spcBef>
+                  <a:spcAft>
+                    <a:spcPts val="400"/>
+                  </a:spcAft>
+                  <a:buClr>
+                    <a:schemeClr val="accent1"/>
+                  </a:buClr>
+                  <a:buFont typeface="Calibri" pitchFamily="34" charset="0"/>
+                  <a:buChar char="◦"/>
+                  <a:defRPr sz="1400" kern="1200">
+                    <a:solidFill>
+                      <a:schemeClr val="tx1">
+                        <a:lumMod val="75000"/>
+                        <a:lumOff val="25000"/>
+                      </a:schemeClr>
+                    </a:solidFill>
+                    <a:latin typeface="+mn-lt"/>
+                    <a:ea typeface="+mn-ea"/>
+                    <a:cs typeface="+mn-cs"/>
+                  </a:defRPr>
+                </a:lvl6pPr>
+                <a:lvl7pPr marL="1300000" indent="-228600" algn="l" defTabSz="914400" rtl="0" eaLnBrk="1" latinLnBrk="0" hangingPunct="1">
+                  <a:lnSpc>
+                    <a:spcPct val="90000"/>
+                  </a:lnSpc>
+                  <a:spcBef>
+                    <a:spcPts val="200"/>
+                  </a:spcBef>
+                  <a:spcAft>
+                    <a:spcPts val="400"/>
+                  </a:spcAft>
+                  <a:buClr>
+                    <a:schemeClr val="accent1"/>
+                  </a:buClr>
+                  <a:buFont typeface="Calibri" pitchFamily="34" charset="0"/>
+                  <a:buChar char="◦"/>
+                  <a:defRPr sz="1400" kern="1200">
+                    <a:solidFill>
+                      <a:schemeClr val="tx1">
+                        <a:lumMod val="75000"/>
+                        <a:lumOff val="25000"/>
+                      </a:schemeClr>
+                    </a:solidFill>
+                    <a:latin typeface="+mn-lt"/>
+                    <a:ea typeface="+mn-ea"/>
+                    <a:cs typeface="+mn-cs"/>
+                  </a:defRPr>
+                </a:lvl7pPr>
+                <a:lvl8pPr marL="1500000" indent="-228600" algn="l" defTabSz="914400" rtl="0" eaLnBrk="1" latinLnBrk="0" hangingPunct="1">
+                  <a:lnSpc>
+                    <a:spcPct val="90000"/>
+                  </a:lnSpc>
+                  <a:spcBef>
+                    <a:spcPts val="200"/>
+                  </a:spcBef>
+                  <a:spcAft>
+                    <a:spcPts val="400"/>
+                  </a:spcAft>
+                  <a:buClr>
+                    <a:schemeClr val="accent1"/>
+                  </a:buClr>
+                  <a:buFont typeface="Calibri" pitchFamily="34" charset="0"/>
+                  <a:buChar char="◦"/>
+                  <a:defRPr sz="1400" kern="1200">
+                    <a:solidFill>
+                      <a:schemeClr val="tx1">
+                        <a:lumMod val="75000"/>
+                        <a:lumOff val="25000"/>
+                      </a:schemeClr>
+                    </a:solidFill>
+                    <a:latin typeface="+mn-lt"/>
+                    <a:ea typeface="+mn-ea"/>
+                    <a:cs typeface="+mn-cs"/>
+                  </a:defRPr>
+                </a:lvl8pPr>
+                <a:lvl9pPr marL="1700000" indent="-228600" algn="l" defTabSz="914400" rtl="0" eaLnBrk="1" latinLnBrk="0" hangingPunct="1">
+                  <a:lnSpc>
+                    <a:spcPct val="90000"/>
+                  </a:lnSpc>
+                  <a:spcBef>
+                    <a:spcPts val="200"/>
+                  </a:spcBef>
+                  <a:spcAft>
+                    <a:spcPts val="400"/>
+                  </a:spcAft>
+                  <a:buClr>
+                    <a:schemeClr val="accent1"/>
+                  </a:buClr>
+                  <a:buFont typeface="Calibri" pitchFamily="34" charset="0"/>
+                  <a:buChar char="◦"/>
+                  <a:defRPr sz="1400" kern="1200">
+                    <a:solidFill>
+                      <a:schemeClr val="tx1">
+                        <a:lumMod val="75000"/>
+                        <a:lumOff val="25000"/>
+                      </a:schemeClr>
+                    </a:solidFill>
+                    <a:latin typeface="+mn-lt"/>
+                    <a:ea typeface="+mn-ea"/>
+                    <a:cs typeface="+mn-cs"/>
+                  </a:defRPr>
+                </a:lvl9pPr>
+              </a:lstStyle>
+              <a:p>
+                <a:r>
+                  <a:rPr lang="fr-FR" sz="1800" dirty="0" smtClean="0"/>
+                  <a:t>Solide </a:t>
+                </a:r>
+                <a:r>
+                  <a:rPr lang="fr-FR" sz="1800" dirty="0"/>
+                  <a:t>2 : </a:t>
+                </a:r>
+              </a:p>
+              <a:p>
+                <a:pPr lvl="1"/>
+                <a:r>
+                  <a:rPr lang="fr-FR" sz="1600" dirty="0"/>
+                  <a:t>Le plan </a:t>
+                </a:r>
+                <a14:m>
+                  <m:oMath xmlns:m="http://schemas.openxmlformats.org/officeDocument/2006/math">
+                    <m:d>
+                      <m:dPr>
+                        <m:ctrlPr>
+                          <a:rPr lang="ar-AE" sz="1600" i="1" smtClean="0">
+                            <a:latin typeface="Cambria Math" panose="02040503050406030204" pitchFamily="18" charset="0"/>
+                          </a:rPr>
+                        </m:ctrlPr>
+                      </m:dPr>
+                      <m:e>
+                        <m:r>
+                          <a:rPr lang="ar-AE" sz="1600" i="1" smtClean="0">
+                            <a:latin typeface="Cambria Math" panose="02040503050406030204" pitchFamily="18" charset="0"/>
+                          </a:rPr>
+                          <m:t>𝑂</m:t>
+                        </m:r>
+                        <m:r>
+                          <a:rPr lang="ar-AE" sz="1600" i="1" smtClean="0">
+                            <a:latin typeface="Cambria Math" panose="02040503050406030204" pitchFamily="18" charset="0"/>
+                          </a:rPr>
+                          <m:t>,</m:t>
+                        </m:r>
+                        <m:acc>
+                          <m:accPr>
+                            <m:chr m:val="⃗"/>
+                            <m:ctrlPr>
+                              <a:rPr lang="ar-AE" sz="1600" i="1">
+                                <a:latin typeface="Cambria Math" panose="02040503050406030204" pitchFamily="18" charset="0"/>
+                              </a:rPr>
+                            </m:ctrlPr>
+                          </m:accPr>
+                          <m:e>
+                            <m:sSub>
+                              <m:sSubPr>
+                                <m:ctrlPr>
+                                  <a:rPr lang="ar-AE" sz="1600" i="1">
+                                    <a:latin typeface="Cambria Math" panose="02040503050406030204" pitchFamily="18" charset="0"/>
+                                  </a:rPr>
+                                </m:ctrlPr>
+                              </m:sSubPr>
+                              <m:e>
+                                <m:r>
+                                  <a:rPr lang="ar-AE" sz="1600" i="1">
+                                    <a:latin typeface="Cambria Math" panose="02040503050406030204" pitchFamily="18" charset="0"/>
+                                  </a:rPr>
+                                  <m:t>𝑧</m:t>
+                                </m:r>
+                              </m:e>
+                              <m:sub>
+                                <m:r>
+                                  <a:rPr lang="ar-AE" sz="1600" i="1">
+                                    <a:latin typeface="Cambria Math" panose="02040503050406030204" pitchFamily="18" charset="0"/>
+                                  </a:rPr>
+                                  <m:t>2</m:t>
+                                </m:r>
+                              </m:sub>
+                            </m:sSub>
+                          </m:e>
+                        </m:acc>
+                        <m:r>
+                          <a:rPr lang="ar-AE" sz="1600" i="1" smtClean="0">
+                            <a:latin typeface="Cambria Math" panose="02040503050406030204" pitchFamily="18" charset="0"/>
+                          </a:rPr>
+                          <m:t>,</m:t>
+                        </m:r>
+                        <m:acc>
+                          <m:accPr>
+                            <m:chr m:val="⃗"/>
+                            <m:ctrlPr>
+                              <a:rPr lang="ar-AE" sz="1600" i="1">
+                                <a:latin typeface="Cambria Math" panose="02040503050406030204" pitchFamily="18" charset="0"/>
+                              </a:rPr>
+                            </m:ctrlPr>
+                          </m:accPr>
+                          <m:e>
+                            <m:sSub>
+                              <m:sSubPr>
+                                <m:ctrlPr>
+                                  <a:rPr lang="ar-AE" sz="1600" i="1">
+                                    <a:latin typeface="Cambria Math" panose="02040503050406030204" pitchFamily="18" charset="0"/>
+                                  </a:rPr>
+                                </m:ctrlPr>
+                              </m:sSubPr>
+                              <m:e>
+                                <m:r>
+                                  <a:rPr lang="ar-AE" sz="1600" i="1" smtClean="0">
+                                    <a:latin typeface="Cambria Math" panose="02040503050406030204" pitchFamily="18" charset="0"/>
+                                  </a:rPr>
+                                  <m:t>𝑥</m:t>
+                                </m:r>
+                              </m:e>
+                              <m:sub>
+                                <m:r>
+                                  <a:rPr lang="ar-AE" sz="1600" i="1">
+                                    <a:latin typeface="Cambria Math" panose="02040503050406030204" pitchFamily="18" charset="0"/>
+                                  </a:rPr>
+                                  <m:t>2</m:t>
+                                </m:r>
+                              </m:sub>
+                            </m:sSub>
+                          </m:e>
+                        </m:acc>
+                      </m:e>
+                    </m:d>
+                  </m:oMath>
+                </a14:m>
+                <a:r>
+                  <a:rPr lang="ar-AE" sz="1600" dirty="0"/>
+                  <a:t> </a:t>
+                </a:r>
+                <a:r>
+                  <a:rPr lang="fr-FR" sz="1600" dirty="0"/>
+                  <a:t>est plan de symétrie; donc : </a:t>
+                </a:r>
+                <a14:m>
+                  <m:oMath xmlns:m="http://schemas.openxmlformats.org/officeDocument/2006/math">
+                    <m:r>
+                      <a:rPr lang="fr-FR" sz="1600" i="1" smtClean="0">
+                        <a:latin typeface="Cambria Math" panose="02040503050406030204" pitchFamily="18" charset="0"/>
+                      </a:rPr>
+                      <m:t>𝐼</m:t>
+                    </m:r>
+                    <m:d>
+                      <m:dPr>
+                        <m:ctrlPr>
+                          <a:rPr lang="ar-AE" sz="1600" i="1" smtClean="0">
+                            <a:latin typeface="Cambria Math" panose="02040503050406030204" pitchFamily="18" charset="0"/>
+                          </a:rPr>
+                        </m:ctrlPr>
+                      </m:dPr>
+                      <m:e>
+                        <m:r>
+                          <a:rPr lang="ar-AE" sz="1600" i="1" smtClean="0">
+                            <a:latin typeface="Cambria Math" panose="02040503050406030204" pitchFamily="18" charset="0"/>
+                          </a:rPr>
+                          <m:t>𝑂</m:t>
+                        </m:r>
+                        <m:r>
+                          <a:rPr lang="ar-AE" sz="1600" i="1" smtClean="0">
+                            <a:latin typeface="Cambria Math" panose="02040503050406030204" pitchFamily="18" charset="0"/>
+                          </a:rPr>
+                          <m:t>,</m:t>
+                        </m:r>
+                        <m:r>
+                          <a:rPr lang="ar-AE" sz="1600" i="1" smtClean="0">
+                            <a:latin typeface="Cambria Math" panose="02040503050406030204" pitchFamily="18" charset="0"/>
+                          </a:rPr>
+                          <m:t>2</m:t>
+                        </m:r>
+                      </m:e>
+                    </m:d>
+                    <m:r>
+                      <a:rPr lang="ar-AE" sz="1600" i="1" smtClean="0">
+                        <a:latin typeface="Cambria Math" panose="02040503050406030204" pitchFamily="18" charset="0"/>
+                      </a:rPr>
+                      <m:t>=</m:t>
+                    </m:r>
+                    <m:sSub>
+                      <m:sSubPr>
+                        <m:ctrlPr>
+                          <a:rPr lang="ar-AE" sz="1600" i="1" smtClean="0">
+                            <a:latin typeface="Cambria Math" panose="02040503050406030204" pitchFamily="18" charset="0"/>
+                          </a:rPr>
+                        </m:ctrlPr>
+                      </m:sSubPr>
+                      <m:e>
+                        <m:d>
+                          <m:dPr>
+                            <m:begChr m:val="["/>
+                            <m:endChr m:val="]"/>
+                            <m:ctrlPr>
+                              <a:rPr lang="ar-AE" sz="1600" i="1" smtClean="0">
+                                <a:latin typeface="Cambria Math" panose="02040503050406030204" pitchFamily="18" charset="0"/>
+                              </a:rPr>
+                            </m:ctrlPr>
+                          </m:dPr>
+                          <m:e>
+                            <m:m>
+                              <m:mPr>
+                                <m:mcs>
+                                  <m:mc>
+                                    <m:mcPr>
+                                      <m:count m:val="3"/>
+                                      <m:mcJc m:val="center"/>
+                                    </m:mcPr>
+                                  </m:mc>
+                                </m:mcs>
+                                <m:ctrlPr>
+                                  <a:rPr lang="ar-AE" sz="1600" i="1" smtClean="0">
+                                    <a:latin typeface="Cambria Math" panose="02040503050406030204" pitchFamily="18" charset="0"/>
+                                  </a:rPr>
+                                </m:ctrlPr>
+                              </m:mPr>
+                              <m:mr>
+                                <m:e>
+                                  <m:sSub>
+                                    <m:sSubPr>
+                                      <m:ctrlPr>
+                                        <a:rPr lang="ar-AE" sz="1600" i="1" smtClean="0">
+                                          <a:latin typeface="Cambria Math" panose="02040503050406030204" pitchFamily="18" charset="0"/>
+                                        </a:rPr>
+                                      </m:ctrlPr>
+                                    </m:sSubPr>
+                                    <m:e>
+                                      <m:r>
+                                        <m:rPr>
+                                          <m:brk m:alnAt="7"/>
+                                        </m:rPr>
+                                        <a:rPr lang="ar-AE" sz="1600" i="1" smtClean="0">
+                                          <a:latin typeface="Cambria Math" panose="02040503050406030204" pitchFamily="18" charset="0"/>
+                                        </a:rPr>
+                                        <m:t>𝐴</m:t>
+                                      </m:r>
+                                    </m:e>
+                                    <m:sub>
+                                      <m:r>
+                                        <m:rPr>
+                                          <m:brk m:alnAt="7"/>
+                                        </m:rPr>
+                                        <a:rPr lang="ar-AE" sz="1600" i="1" smtClean="0">
+                                          <a:latin typeface="Cambria Math" panose="02040503050406030204" pitchFamily="18" charset="0"/>
+                                        </a:rPr>
+                                        <m:t>2</m:t>
+                                      </m:r>
+                                    </m:sub>
+                                  </m:sSub>
+                                </m:e>
+                                <m:e>
+                                  <m:r>
+                                    <a:rPr lang="ar-AE" sz="1600" i="1" smtClean="0">
+                                      <a:latin typeface="Cambria Math" panose="02040503050406030204" pitchFamily="18" charset="0"/>
+                                    </a:rPr>
+                                    <m:t>0</m:t>
+                                  </m:r>
+                                </m:e>
+                                <m:e>
+                                  <m:r>
+                                    <a:rPr lang="ar-AE" sz="1600" i="1" smtClean="0">
+                                      <a:latin typeface="Cambria Math" panose="02040503050406030204" pitchFamily="18" charset="0"/>
+                                    </a:rPr>
+                                    <m:t>−</m:t>
+                                  </m:r>
+                                  <m:sSub>
+                                    <m:sSubPr>
+                                      <m:ctrlPr>
+                                        <a:rPr lang="ar-AE" sz="1600" i="1" smtClean="0">
+                                          <a:latin typeface="Cambria Math" panose="02040503050406030204" pitchFamily="18" charset="0"/>
+                                        </a:rPr>
+                                      </m:ctrlPr>
+                                    </m:sSubPr>
+                                    <m:e>
+                                      <m:r>
+                                        <a:rPr lang="ar-AE" sz="1600" i="1" smtClean="0">
+                                          <a:latin typeface="Cambria Math" panose="02040503050406030204" pitchFamily="18" charset="0"/>
+                                        </a:rPr>
+                                        <m:t>𝐸</m:t>
+                                      </m:r>
+                                    </m:e>
+                                    <m:sub>
+                                      <m:r>
+                                        <a:rPr lang="ar-AE" sz="1600" i="1" smtClean="0">
+                                          <a:latin typeface="Cambria Math" panose="02040503050406030204" pitchFamily="18" charset="0"/>
+                                        </a:rPr>
+                                        <m:t>2</m:t>
+                                      </m:r>
+                                    </m:sub>
+                                  </m:sSub>
+                                </m:e>
+                              </m:mr>
+                              <m:mr>
+                                <m:e>
+                                  <m:r>
+                                    <a:rPr lang="ar-AE" sz="1600" i="1" smtClean="0">
+                                      <a:latin typeface="Cambria Math" panose="02040503050406030204" pitchFamily="18" charset="0"/>
+                                    </a:rPr>
+                                    <m:t>0</m:t>
+                                  </m:r>
+                                </m:e>
+                                <m:e>
+                                  <m:sSub>
+                                    <m:sSubPr>
+                                      <m:ctrlPr>
+                                        <a:rPr lang="ar-AE" sz="1600" i="1" smtClean="0">
+                                          <a:latin typeface="Cambria Math" panose="02040503050406030204" pitchFamily="18" charset="0"/>
+                                        </a:rPr>
+                                      </m:ctrlPr>
+                                    </m:sSubPr>
+                                    <m:e>
+                                      <m:r>
+                                        <a:rPr lang="ar-AE" sz="1600" i="1" smtClean="0">
+                                          <a:latin typeface="Cambria Math" panose="02040503050406030204" pitchFamily="18" charset="0"/>
+                                        </a:rPr>
+                                        <m:t>𝐵</m:t>
+                                      </m:r>
+                                    </m:e>
+                                    <m:sub>
+                                      <m:r>
+                                        <a:rPr lang="ar-AE" sz="1600" i="1" smtClean="0">
+                                          <a:latin typeface="Cambria Math" panose="02040503050406030204" pitchFamily="18" charset="0"/>
+                                        </a:rPr>
+                                        <m:t>2</m:t>
+                                      </m:r>
+                                    </m:sub>
+                                  </m:sSub>
+                                </m:e>
+                                <m:e>
+                                  <m:r>
+                                    <a:rPr lang="ar-AE" sz="1600" i="1" smtClean="0">
+                                      <a:latin typeface="Cambria Math" panose="02040503050406030204" pitchFamily="18" charset="0"/>
+                                    </a:rPr>
+                                    <m:t>0</m:t>
+                                  </m:r>
+                                </m:e>
+                              </m:mr>
+                              <m:mr>
+                                <m:e>
+                                  <m:r>
+                                    <a:rPr lang="ar-AE" sz="1600" i="1">
+                                      <a:latin typeface="Cambria Math" panose="02040503050406030204" pitchFamily="18" charset="0"/>
+                                    </a:rPr>
+                                    <m:t>−</m:t>
+                                  </m:r>
+                                  <m:sSub>
+                                    <m:sSubPr>
+                                      <m:ctrlPr>
+                                        <a:rPr lang="ar-AE" sz="1600" i="1">
+                                          <a:latin typeface="Cambria Math" panose="02040503050406030204" pitchFamily="18" charset="0"/>
+                                        </a:rPr>
+                                      </m:ctrlPr>
+                                    </m:sSubPr>
+                                    <m:e>
+                                      <m:r>
+                                        <a:rPr lang="ar-AE" sz="1600" i="1">
+                                          <a:latin typeface="Cambria Math" panose="02040503050406030204" pitchFamily="18" charset="0"/>
+                                        </a:rPr>
+                                        <m:t>𝐸</m:t>
+                                      </m:r>
+                                    </m:e>
+                                    <m:sub>
+                                      <m:r>
+                                        <a:rPr lang="ar-AE" sz="1600" i="1">
+                                          <a:latin typeface="Cambria Math" panose="02040503050406030204" pitchFamily="18" charset="0"/>
+                                        </a:rPr>
+                                        <m:t>2</m:t>
+                                      </m:r>
+                                    </m:sub>
+                                  </m:sSub>
+                                </m:e>
+                                <m:e>
+                                  <m:r>
+                                    <a:rPr lang="ar-AE" sz="1600" i="1" smtClean="0">
+                                      <a:latin typeface="Cambria Math" panose="02040503050406030204" pitchFamily="18" charset="0"/>
+                                    </a:rPr>
+                                    <m:t>0</m:t>
+                                  </m:r>
+                                </m:e>
+                                <m:e>
+                                  <m:sSub>
+                                    <m:sSubPr>
+                                      <m:ctrlPr>
+                                        <a:rPr lang="ar-AE" sz="1600" i="1" smtClean="0">
+                                          <a:latin typeface="Cambria Math" panose="02040503050406030204" pitchFamily="18" charset="0"/>
+                                        </a:rPr>
+                                      </m:ctrlPr>
+                                    </m:sSubPr>
+                                    <m:e>
+                                      <m:r>
+                                        <a:rPr lang="ar-AE" sz="1600" i="1" smtClean="0">
+                                          <a:latin typeface="Cambria Math" panose="02040503050406030204" pitchFamily="18" charset="0"/>
+                                        </a:rPr>
+                                        <m:t>𝐶</m:t>
+                                      </m:r>
+                                    </m:e>
+                                    <m:sub>
+                                      <m:r>
+                                        <a:rPr lang="ar-AE" sz="1600" i="1" smtClean="0">
+                                          <a:latin typeface="Cambria Math" panose="02040503050406030204" pitchFamily="18" charset="0"/>
+                                        </a:rPr>
+                                        <m:t>2</m:t>
+                                      </m:r>
+                                    </m:sub>
+                                  </m:sSub>
+                                </m:e>
+                              </m:mr>
+                            </m:m>
+                          </m:e>
+                        </m:d>
+                      </m:e>
+                      <m:sub>
+                        <m:sSub>
+                          <m:sSubPr>
+                            <m:ctrlPr>
+                              <a:rPr lang="ar-AE" sz="1600" i="1" smtClean="0">
+                                <a:latin typeface="Cambria Math" panose="02040503050406030204" pitchFamily="18" charset="0"/>
+                                <a:ea typeface="Cambria Math" panose="02040503050406030204" pitchFamily="18" charset="0"/>
+                              </a:rPr>
+                            </m:ctrlPr>
+                          </m:sSubPr>
+                          <m:e>
+                            <m:r>
+                              <a:rPr lang="ar-AE" sz="1600" i="1" smtClean="0">
+                                <a:latin typeface="Cambria Math" panose="02040503050406030204" pitchFamily="18" charset="0"/>
+                                <a:ea typeface="Cambria Math" panose="02040503050406030204" pitchFamily="18" charset="0"/>
+                              </a:rPr>
+                              <m:t>ℬ</m:t>
+                            </m:r>
+                          </m:e>
+                          <m:sub>
+                            <m:r>
+                              <a:rPr lang="ar-AE" sz="1600" i="1" smtClean="0">
+                                <a:latin typeface="Cambria Math" panose="02040503050406030204" pitchFamily="18" charset="0"/>
+                              </a:rPr>
+                              <m:t>2</m:t>
+                            </m:r>
+                          </m:sub>
+                        </m:sSub>
+                      </m:sub>
+                    </m:sSub>
+                  </m:oMath>
+                </a14:m>
+                <a:endParaRPr lang="ar-AE" sz="1600" dirty="0"/>
+              </a:p>
+              <a:p>
+                <a:pPr lvl="1"/>
+                <a14:m>
+                  <m:oMath xmlns:m="http://schemas.openxmlformats.org/officeDocument/2006/math">
+                    <m:acc>
+                      <m:accPr>
+                        <m:chr m:val="⃗"/>
+                        <m:ctrlPr>
+                          <a:rPr lang="ar-AE" sz="1600" i="1" smtClean="0">
+                            <a:latin typeface="Cambria Math" panose="02040503050406030204" pitchFamily="18" charset="0"/>
+                          </a:rPr>
+                        </m:ctrlPr>
+                      </m:accPr>
+                      <m:e>
+                        <m:r>
+                          <a:rPr lang="ar-AE" sz="1600" i="1" smtClean="0">
+                            <a:latin typeface="Cambria Math" panose="02040503050406030204" pitchFamily="18" charset="0"/>
+                          </a:rPr>
+                          <m:t>𝜎</m:t>
+                        </m:r>
+                        <m:d>
+                          <m:dPr>
+                            <m:ctrlPr>
+                              <a:rPr lang="ar-AE" sz="1600" i="1" smtClean="0">
+                                <a:latin typeface="Cambria Math" panose="02040503050406030204" pitchFamily="18" charset="0"/>
+                              </a:rPr>
+                            </m:ctrlPr>
+                          </m:dPr>
+                          <m:e>
+                            <m:r>
+                              <a:rPr lang="ar-AE" sz="1600" i="1" smtClean="0">
+                                <a:latin typeface="Cambria Math" panose="02040503050406030204" pitchFamily="18" charset="0"/>
+                              </a:rPr>
+                              <m:t>𝑂</m:t>
+                            </m:r>
+                            <m:r>
+                              <a:rPr lang="ar-AE" sz="1600" i="1" smtClean="0">
+                                <a:latin typeface="Cambria Math" panose="02040503050406030204" pitchFamily="18" charset="0"/>
+                              </a:rPr>
+                              <m:t>,</m:t>
+                            </m:r>
+                            <m:r>
+                              <a:rPr lang="ar-AE" sz="1600" i="1" smtClean="0">
+                                <a:latin typeface="Cambria Math" panose="02040503050406030204" pitchFamily="18" charset="0"/>
+                              </a:rPr>
+                              <m:t>2</m:t>
+                            </m:r>
+                            <m:r>
+                              <m:rPr>
+                                <m:lit/>
+                              </m:rPr>
+                              <a:rPr lang="ar-AE" sz="1600" i="1" smtClean="0">
+                                <a:latin typeface="Cambria Math" panose="02040503050406030204" pitchFamily="18" charset="0"/>
+                              </a:rPr>
+                              <m:t>/</m:t>
+                            </m:r>
+                            <m:r>
+                              <a:rPr lang="ar-AE" sz="1600" i="1" smtClean="0">
+                                <a:latin typeface="Cambria Math" panose="02040503050406030204" pitchFamily="18" charset="0"/>
+                              </a:rPr>
+                              <m:t>0</m:t>
+                            </m:r>
+                          </m:e>
+                        </m:d>
+                      </m:e>
+                    </m:acc>
+                    <m:r>
+                      <a:rPr lang="ar-AE" sz="1600" i="1" smtClean="0">
+                        <a:latin typeface="Cambria Math" panose="02040503050406030204" pitchFamily="18" charset="0"/>
+                      </a:rPr>
+                      <m:t>=</m:t>
+                    </m:r>
+                    <m:sSub>
+                      <m:sSubPr>
+                        <m:ctrlPr>
+                          <a:rPr lang="ar-AE" sz="1600" i="1">
+                            <a:latin typeface="Cambria Math" panose="02040503050406030204" pitchFamily="18" charset="0"/>
+                          </a:rPr>
+                        </m:ctrlPr>
+                      </m:sSubPr>
+                      <m:e>
+                        <m:d>
+                          <m:dPr>
+                            <m:begChr m:val="["/>
+                            <m:endChr m:val="]"/>
+                            <m:ctrlPr>
+                              <a:rPr lang="ar-AE" sz="1600" i="1">
+                                <a:latin typeface="Cambria Math" panose="02040503050406030204" pitchFamily="18" charset="0"/>
+                              </a:rPr>
+                            </m:ctrlPr>
+                          </m:dPr>
+                          <m:e>
+                            <m:m>
+                              <m:mPr>
+                                <m:mcs>
+                                  <m:mc>
+                                    <m:mcPr>
+                                      <m:count m:val="3"/>
+                                      <m:mcJc m:val="center"/>
+                                    </m:mcPr>
+                                  </m:mc>
+                                </m:mcs>
+                                <m:ctrlPr>
+                                  <a:rPr lang="ar-AE" sz="1600" i="1">
+                                    <a:latin typeface="Cambria Math" panose="02040503050406030204" pitchFamily="18" charset="0"/>
+                                  </a:rPr>
+                                </m:ctrlPr>
+                              </m:mPr>
+                              <m:mr>
+                                <m:e>
+                                  <m:sSub>
+                                    <m:sSubPr>
+                                      <m:ctrlPr>
+                                        <a:rPr lang="ar-AE" sz="1600" i="1">
+                                          <a:latin typeface="Cambria Math" panose="02040503050406030204" pitchFamily="18" charset="0"/>
+                                        </a:rPr>
+                                      </m:ctrlPr>
+                                    </m:sSubPr>
+                                    <m:e>
+                                      <m:r>
+                                        <m:rPr>
+                                          <m:brk m:alnAt="7"/>
+                                        </m:rPr>
+                                        <a:rPr lang="ar-AE" sz="1600" i="1">
+                                          <a:latin typeface="Cambria Math" panose="02040503050406030204" pitchFamily="18" charset="0"/>
+                                        </a:rPr>
+                                        <m:t>𝐴</m:t>
+                                      </m:r>
+                                    </m:e>
+                                    <m:sub>
+                                      <m:r>
+                                        <a:rPr lang="ar-AE" sz="1600" i="1" smtClean="0">
+                                          <a:latin typeface="Cambria Math" panose="02040503050406030204" pitchFamily="18" charset="0"/>
+                                        </a:rPr>
+                                        <m:t>2</m:t>
+                                      </m:r>
+                                    </m:sub>
+                                  </m:sSub>
+                                </m:e>
+                                <m:e>
+                                  <m:r>
+                                    <a:rPr lang="ar-AE" sz="1600" i="1">
+                                      <a:latin typeface="Cambria Math" panose="02040503050406030204" pitchFamily="18" charset="0"/>
+                                    </a:rPr>
+                                    <m:t>0</m:t>
+                                  </m:r>
+                                </m:e>
+                                <m:e>
+                                  <m:r>
+                                    <a:rPr lang="ar-AE" sz="1600" i="1">
+                                      <a:latin typeface="Cambria Math" panose="02040503050406030204" pitchFamily="18" charset="0"/>
+                                    </a:rPr>
+                                    <m:t>−</m:t>
+                                  </m:r>
+                                  <m:sSub>
+                                    <m:sSubPr>
+                                      <m:ctrlPr>
+                                        <a:rPr lang="ar-AE" sz="1600" i="1">
+                                          <a:latin typeface="Cambria Math" panose="02040503050406030204" pitchFamily="18" charset="0"/>
+                                        </a:rPr>
+                                      </m:ctrlPr>
+                                    </m:sSubPr>
+                                    <m:e>
+                                      <m:r>
+                                        <a:rPr lang="ar-AE" sz="1600" i="1">
+                                          <a:latin typeface="Cambria Math" panose="02040503050406030204" pitchFamily="18" charset="0"/>
+                                        </a:rPr>
+                                        <m:t>𝐸</m:t>
+                                      </m:r>
+                                    </m:e>
+                                    <m:sub>
+                                      <m:r>
+                                        <a:rPr lang="ar-AE" sz="1600" i="1" smtClean="0">
+                                          <a:latin typeface="Cambria Math" panose="02040503050406030204" pitchFamily="18" charset="0"/>
+                                        </a:rPr>
+                                        <m:t>2</m:t>
+                                      </m:r>
+                                    </m:sub>
+                                  </m:sSub>
+                                </m:e>
+                              </m:mr>
+                              <m:mr>
+                                <m:e>
+                                  <m:r>
+                                    <a:rPr lang="ar-AE" sz="1600" i="1">
+                                      <a:latin typeface="Cambria Math" panose="02040503050406030204" pitchFamily="18" charset="0"/>
+                                    </a:rPr>
+                                    <m:t>0</m:t>
+                                  </m:r>
+                                </m:e>
+                                <m:e>
+                                  <m:sSub>
+                                    <m:sSubPr>
+                                      <m:ctrlPr>
+                                        <a:rPr lang="ar-AE" sz="1600" i="1">
+                                          <a:latin typeface="Cambria Math" panose="02040503050406030204" pitchFamily="18" charset="0"/>
+                                        </a:rPr>
+                                      </m:ctrlPr>
+                                    </m:sSubPr>
+                                    <m:e>
+                                      <m:r>
+                                        <a:rPr lang="ar-AE" sz="1600" i="1">
+                                          <a:latin typeface="Cambria Math" panose="02040503050406030204" pitchFamily="18" charset="0"/>
+                                        </a:rPr>
+                                        <m:t>𝐵</m:t>
+                                      </m:r>
+                                    </m:e>
+                                    <m:sub>
+                                      <m:r>
+                                        <a:rPr lang="ar-AE" sz="1600" i="1" smtClean="0">
+                                          <a:latin typeface="Cambria Math" panose="02040503050406030204" pitchFamily="18" charset="0"/>
+                                        </a:rPr>
+                                        <m:t>2</m:t>
+                                      </m:r>
+                                    </m:sub>
+                                  </m:sSub>
+                                </m:e>
+                                <m:e>
+                                  <m:r>
+                                    <a:rPr lang="ar-AE" sz="1600" i="1">
+                                      <a:latin typeface="Cambria Math" panose="02040503050406030204" pitchFamily="18" charset="0"/>
+                                    </a:rPr>
+                                    <m:t>0</m:t>
+                                  </m:r>
+                                </m:e>
+                              </m:mr>
+                              <m:mr>
+                                <m:e>
+                                  <m:r>
+                                    <a:rPr lang="ar-AE" sz="1600" i="1">
+                                      <a:latin typeface="Cambria Math" panose="02040503050406030204" pitchFamily="18" charset="0"/>
+                                    </a:rPr>
+                                    <m:t>−</m:t>
+                                  </m:r>
+                                  <m:sSub>
+                                    <m:sSubPr>
+                                      <m:ctrlPr>
+                                        <a:rPr lang="ar-AE" sz="1600" i="1">
+                                          <a:latin typeface="Cambria Math" panose="02040503050406030204" pitchFamily="18" charset="0"/>
+                                        </a:rPr>
+                                      </m:ctrlPr>
+                                    </m:sSubPr>
+                                    <m:e>
+                                      <m:r>
+                                        <a:rPr lang="ar-AE" sz="1600" i="1">
+                                          <a:latin typeface="Cambria Math" panose="02040503050406030204" pitchFamily="18" charset="0"/>
+                                        </a:rPr>
+                                        <m:t>𝐸</m:t>
+                                      </m:r>
+                                    </m:e>
+                                    <m:sub>
+                                      <m:r>
+                                        <a:rPr lang="ar-AE" sz="1600" i="1" smtClean="0">
+                                          <a:latin typeface="Cambria Math" panose="02040503050406030204" pitchFamily="18" charset="0"/>
+                                        </a:rPr>
+                                        <m:t>2</m:t>
+                                      </m:r>
+                                    </m:sub>
+                                  </m:sSub>
+                                </m:e>
+                                <m:e>
+                                  <m:r>
+                                    <a:rPr lang="ar-AE" sz="1600" i="1">
+                                      <a:latin typeface="Cambria Math" panose="02040503050406030204" pitchFamily="18" charset="0"/>
+                                    </a:rPr>
+                                    <m:t>0</m:t>
+                                  </m:r>
+                                </m:e>
+                                <m:e>
+                                  <m:sSub>
+                                    <m:sSubPr>
+                                      <m:ctrlPr>
+                                        <a:rPr lang="ar-AE" sz="1600" i="1">
+                                          <a:latin typeface="Cambria Math" panose="02040503050406030204" pitchFamily="18" charset="0"/>
+                                        </a:rPr>
+                                      </m:ctrlPr>
+                                    </m:sSubPr>
+                                    <m:e>
+                                      <m:r>
+                                        <a:rPr lang="ar-AE" sz="1600" i="1">
+                                          <a:latin typeface="Cambria Math" panose="02040503050406030204" pitchFamily="18" charset="0"/>
+                                        </a:rPr>
+                                        <m:t>𝐶</m:t>
+                                      </m:r>
+                                    </m:e>
+                                    <m:sub>
+                                      <m:r>
+                                        <a:rPr lang="ar-AE" sz="1600" i="1" smtClean="0">
+                                          <a:latin typeface="Cambria Math" panose="02040503050406030204" pitchFamily="18" charset="0"/>
+                                        </a:rPr>
+                                        <m:t>2</m:t>
+                                      </m:r>
+                                    </m:sub>
+                                  </m:sSub>
+                                </m:e>
+                              </m:mr>
+                            </m:m>
+                          </m:e>
+                        </m:d>
+                      </m:e>
+                      <m:sub>
+                        <m:sSub>
+                          <m:sSubPr>
+                            <m:ctrlPr>
+                              <a:rPr lang="ar-AE" sz="1600" i="1">
+                                <a:latin typeface="Cambria Math" panose="02040503050406030204" pitchFamily="18" charset="0"/>
+                                <a:ea typeface="Cambria Math" panose="02040503050406030204" pitchFamily="18" charset="0"/>
+                              </a:rPr>
+                            </m:ctrlPr>
+                          </m:sSubPr>
+                          <m:e>
+                            <m:r>
+                              <a:rPr lang="ar-AE" sz="1600" i="1">
+                                <a:latin typeface="Cambria Math" panose="02040503050406030204" pitchFamily="18" charset="0"/>
+                                <a:ea typeface="Cambria Math" panose="02040503050406030204" pitchFamily="18" charset="0"/>
+                              </a:rPr>
+                              <m:t>ℬ</m:t>
+                            </m:r>
+                          </m:e>
+                          <m:sub>
+                            <m:r>
+                              <a:rPr lang="ar-AE" sz="1600" i="1" smtClean="0">
+                                <a:latin typeface="Cambria Math" panose="02040503050406030204" pitchFamily="18" charset="0"/>
+                                <a:ea typeface="Cambria Math" panose="02040503050406030204" pitchFamily="18" charset="0"/>
+                              </a:rPr>
+                              <m:t>2</m:t>
+                            </m:r>
+                          </m:sub>
+                        </m:sSub>
+                      </m:sub>
+                    </m:sSub>
+                    <m:sSub>
+                      <m:sSubPr>
+                        <m:ctrlPr>
+                          <a:rPr lang="ar-AE" sz="1600" i="1" smtClean="0">
+                            <a:latin typeface="Cambria Math" panose="02040503050406030204" pitchFamily="18" charset="0"/>
+                            <a:ea typeface="Cambria Math" panose="02040503050406030204" pitchFamily="18" charset="0"/>
+                          </a:rPr>
+                        </m:ctrlPr>
+                      </m:sSubPr>
+                      <m:e>
+                        <m:d>
+                          <m:dPr>
+                            <m:begChr m:val="["/>
+                            <m:endChr m:val="]"/>
+                            <m:ctrlPr>
+                              <a:rPr lang="ar-AE" sz="1600" i="1" smtClean="0">
+                                <a:latin typeface="Cambria Math" panose="02040503050406030204" pitchFamily="18" charset="0"/>
+                                <a:ea typeface="Cambria Math" panose="02040503050406030204" pitchFamily="18" charset="0"/>
+                              </a:rPr>
+                            </m:ctrlPr>
+                          </m:dPr>
+                          <m:e>
+                            <m:m>
+                              <m:mPr>
+                                <m:mcs>
+                                  <m:mc>
+                                    <m:mcPr>
+                                      <m:count m:val="1"/>
+                                      <m:mcJc m:val="center"/>
+                                    </m:mcPr>
+                                  </m:mc>
+                                </m:mcs>
+                                <m:ctrlPr>
+                                  <a:rPr lang="ar-AE" sz="1600" i="1" smtClean="0">
+                                    <a:latin typeface="Cambria Math" panose="02040503050406030204" pitchFamily="18" charset="0"/>
+                                    <a:ea typeface="Cambria Math" panose="02040503050406030204" pitchFamily="18" charset="0"/>
+                                  </a:rPr>
+                                </m:ctrlPr>
+                              </m:mPr>
+                              <m:mr>
+                                <m:e>
+                                  <m:acc>
+                                    <m:accPr>
+                                      <m:chr m:val="̇"/>
+                                      <m:ctrlPr>
+                                        <a:rPr lang="ar-AE" sz="1600" i="1">
+                                          <a:latin typeface="Cambria Math" panose="02040503050406030204" pitchFamily="18" charset="0"/>
+                                          <a:ea typeface="Cambria Math" panose="02040503050406030204" pitchFamily="18" charset="0"/>
+                                        </a:rPr>
+                                      </m:ctrlPr>
+                                    </m:accPr>
+                                    <m:e>
+                                      <m:r>
+                                        <a:rPr lang="ar-AE" sz="1600" i="1">
+                                          <a:latin typeface="Cambria Math" panose="02040503050406030204" pitchFamily="18" charset="0"/>
+                                          <a:ea typeface="Cambria Math" panose="02040503050406030204" pitchFamily="18" charset="0"/>
+                                        </a:rPr>
+                                        <m:t>𝜑</m:t>
+                                      </m:r>
+                                    </m:e>
+                                  </m:acc>
+                                </m:e>
+                              </m:mr>
+                              <m:mr>
+                                <m:e>
+                                  <m:acc>
+                                    <m:accPr>
+                                      <m:chr m:val="̇"/>
+                                      <m:ctrlPr>
+                                        <a:rPr lang="ar-AE" sz="1600" i="1">
+                                          <a:latin typeface="Cambria Math" panose="02040503050406030204" pitchFamily="18" charset="0"/>
+                                          <a:ea typeface="Cambria Math" panose="02040503050406030204" pitchFamily="18" charset="0"/>
+                                        </a:rPr>
+                                      </m:ctrlPr>
+                                    </m:accPr>
+                                    <m:e>
+                                      <m:r>
+                                        <a:rPr lang="ar-AE" sz="1600" i="1">
+                                          <a:latin typeface="Cambria Math" panose="02040503050406030204" pitchFamily="18" charset="0"/>
+                                          <a:ea typeface="Cambria Math" panose="02040503050406030204" pitchFamily="18" charset="0"/>
+                                        </a:rPr>
+                                        <m:t>𝜃</m:t>
+                                      </m:r>
+                                    </m:e>
+                                  </m:acc>
+                                  <m:func>
+                                    <m:funcPr>
+                                      <m:ctrlPr>
+                                        <a:rPr lang="ar-AE" sz="1600" i="1">
+                                          <a:latin typeface="Cambria Math" panose="02040503050406030204" pitchFamily="18" charset="0"/>
+                                          <a:ea typeface="Cambria Math" panose="02040503050406030204" pitchFamily="18" charset="0"/>
+                                        </a:rPr>
+                                      </m:ctrlPr>
+                                    </m:funcPr>
+                                    <m:fName>
+                                      <m:r>
+                                        <m:rPr>
+                                          <m:sty m:val="p"/>
+                                        </m:rPr>
+                                        <a:rPr lang="fr-FR" sz="1600" smtClean="0">
+                                          <a:latin typeface="Cambria Math" panose="02040503050406030204" pitchFamily="18" charset="0"/>
+                                          <a:ea typeface="Cambria Math" panose="02040503050406030204" pitchFamily="18" charset="0"/>
+                                        </a:rPr>
+                                        <m:t>sin</m:t>
+                                      </m:r>
+                                    </m:fName>
+                                    <m:e>
+                                      <m:r>
+                                        <a:rPr lang="ar-AE" sz="1600" i="1">
+                                          <a:latin typeface="Cambria Math" panose="02040503050406030204" pitchFamily="18" charset="0"/>
+                                          <a:ea typeface="Cambria Math" panose="02040503050406030204" pitchFamily="18" charset="0"/>
+                                        </a:rPr>
+                                        <m:t>𝜑</m:t>
+                                      </m:r>
+                                    </m:e>
+                                  </m:func>
+                                </m:e>
+                              </m:mr>
+                              <m:mr>
+                                <m:e>
+                                  <m:acc>
+                                    <m:accPr>
+                                      <m:chr m:val="̇"/>
+                                      <m:ctrlPr>
+                                        <a:rPr lang="ar-AE" sz="1600" i="1">
+                                          <a:latin typeface="Cambria Math" panose="02040503050406030204" pitchFamily="18" charset="0"/>
+                                          <a:ea typeface="Cambria Math" panose="02040503050406030204" pitchFamily="18" charset="0"/>
+                                        </a:rPr>
+                                      </m:ctrlPr>
+                                    </m:accPr>
+                                    <m:e>
+                                      <m:r>
+                                        <a:rPr lang="ar-AE" sz="1600" i="1">
+                                          <a:latin typeface="Cambria Math" panose="02040503050406030204" pitchFamily="18" charset="0"/>
+                                          <a:ea typeface="Cambria Math" panose="02040503050406030204" pitchFamily="18" charset="0"/>
+                                        </a:rPr>
+                                        <m:t>𝜃</m:t>
+                                      </m:r>
+                                    </m:e>
+                                  </m:acc>
+                                  <m:func>
+                                    <m:funcPr>
+                                      <m:ctrlPr>
+                                        <a:rPr lang="ar-AE" sz="1600" i="1" smtClean="0">
+                                          <a:latin typeface="Cambria Math" panose="02040503050406030204" pitchFamily="18" charset="0"/>
+                                          <a:ea typeface="Cambria Math" panose="02040503050406030204" pitchFamily="18" charset="0"/>
+                                        </a:rPr>
+                                      </m:ctrlPr>
+                                    </m:funcPr>
+                                    <m:fName>
+                                      <m:r>
+                                        <m:rPr>
+                                          <m:sty m:val="p"/>
+                                        </m:rPr>
+                                        <a:rPr lang="fr-FR" sz="1600" smtClean="0">
+                                          <a:latin typeface="Cambria Math" panose="02040503050406030204" pitchFamily="18" charset="0"/>
+                                          <a:ea typeface="Cambria Math" panose="02040503050406030204" pitchFamily="18" charset="0"/>
+                                        </a:rPr>
+                                        <m:t>cos</m:t>
+                                      </m:r>
+                                    </m:fName>
+                                    <m:e>
+                                      <m:r>
+                                        <a:rPr lang="ar-AE" sz="1600" i="1" smtClean="0">
+                                          <a:latin typeface="Cambria Math" panose="02040503050406030204" pitchFamily="18" charset="0"/>
+                                          <a:ea typeface="Cambria Math" panose="02040503050406030204" pitchFamily="18" charset="0"/>
+                                        </a:rPr>
+                                        <m:t>𝜑</m:t>
+                                      </m:r>
+                                    </m:e>
+                                  </m:func>
+                                </m:e>
+                              </m:mr>
+                            </m:m>
+                          </m:e>
+                        </m:d>
+                      </m:e>
+                      <m:sub>
+                        <m:sSub>
+                          <m:sSubPr>
+                            <m:ctrlPr>
+                              <a:rPr lang="ar-AE" sz="1600" i="1">
+                                <a:latin typeface="Cambria Math" panose="02040503050406030204" pitchFamily="18" charset="0"/>
+                                <a:ea typeface="Cambria Math" panose="02040503050406030204" pitchFamily="18" charset="0"/>
+                              </a:rPr>
+                            </m:ctrlPr>
+                          </m:sSubPr>
+                          <m:e>
+                            <m:r>
+                              <a:rPr lang="ar-AE" sz="1600" i="1">
+                                <a:latin typeface="Cambria Math" panose="02040503050406030204" pitchFamily="18" charset="0"/>
+                                <a:ea typeface="Cambria Math" panose="02040503050406030204" pitchFamily="18" charset="0"/>
+                              </a:rPr>
+                              <m:t>ℬ</m:t>
+                            </m:r>
+                          </m:e>
+                          <m:sub>
+                            <m:r>
+                              <a:rPr lang="ar-AE" sz="1600" i="1" smtClean="0">
+                                <a:latin typeface="Cambria Math" panose="02040503050406030204" pitchFamily="18" charset="0"/>
+                                <a:ea typeface="Cambria Math" panose="02040503050406030204" pitchFamily="18" charset="0"/>
+                              </a:rPr>
+                              <m:t>2</m:t>
+                            </m:r>
+                          </m:sub>
+                        </m:sSub>
+                      </m:sub>
+                    </m:sSub>
+                    <m:r>
+                      <a:rPr lang="ar-AE" sz="1600" i="1" smtClean="0">
+                        <a:latin typeface="Cambria Math" panose="02040503050406030204" pitchFamily="18" charset="0"/>
+                        <a:ea typeface="Cambria Math" panose="02040503050406030204" pitchFamily="18" charset="0"/>
+                      </a:rPr>
+                      <m:t>=</m:t>
+                    </m:r>
+                    <m:d>
+                      <m:dPr>
+                        <m:ctrlPr>
+                          <a:rPr lang="ar-AE" sz="1600" i="1" smtClean="0">
+                            <a:latin typeface="Cambria Math" panose="02040503050406030204" pitchFamily="18" charset="0"/>
+                            <a:ea typeface="Cambria Math" panose="02040503050406030204" pitchFamily="18" charset="0"/>
+                          </a:rPr>
+                        </m:ctrlPr>
+                      </m:dPr>
+                      <m:e>
+                        <m:sSub>
+                          <m:sSubPr>
+                            <m:ctrlPr>
+                              <a:rPr lang="ar-AE" sz="1600" i="1">
+                                <a:latin typeface="Cambria Math" panose="02040503050406030204" pitchFamily="18" charset="0"/>
+                                <a:ea typeface="Cambria Math" panose="02040503050406030204" pitchFamily="18" charset="0"/>
+                              </a:rPr>
+                            </m:ctrlPr>
+                          </m:sSubPr>
+                          <m:e>
+                            <m:r>
+                              <a:rPr lang="ar-AE" sz="1600" i="1">
+                                <a:latin typeface="Cambria Math" panose="02040503050406030204" pitchFamily="18" charset="0"/>
+                                <a:ea typeface="Cambria Math" panose="02040503050406030204" pitchFamily="18" charset="0"/>
+                              </a:rPr>
+                              <m:t>𝐴</m:t>
+                            </m:r>
+                          </m:e>
+                          <m:sub>
+                            <m:r>
+                              <a:rPr lang="ar-AE" sz="1600" i="1">
+                                <a:latin typeface="Cambria Math" panose="02040503050406030204" pitchFamily="18" charset="0"/>
+                                <a:ea typeface="Cambria Math" panose="02040503050406030204" pitchFamily="18" charset="0"/>
+                              </a:rPr>
+                              <m:t>2</m:t>
+                            </m:r>
+                          </m:sub>
+                        </m:sSub>
+                        <m:acc>
+                          <m:accPr>
+                            <m:chr m:val="̇"/>
+                            <m:ctrlPr>
+                              <a:rPr lang="ar-AE" sz="1600" i="1">
+                                <a:latin typeface="Cambria Math" panose="02040503050406030204" pitchFamily="18" charset="0"/>
+                                <a:ea typeface="Cambria Math" panose="02040503050406030204" pitchFamily="18" charset="0"/>
+                              </a:rPr>
+                            </m:ctrlPr>
+                          </m:accPr>
+                          <m:e>
+                            <m:r>
+                              <a:rPr lang="ar-AE" sz="1600" i="1">
+                                <a:latin typeface="Cambria Math" panose="02040503050406030204" pitchFamily="18" charset="0"/>
+                                <a:ea typeface="Cambria Math" panose="02040503050406030204" pitchFamily="18" charset="0"/>
+                              </a:rPr>
+                              <m:t>𝜑</m:t>
+                            </m:r>
+                          </m:e>
+                        </m:acc>
+                        <m:r>
+                          <a:rPr lang="ar-AE" sz="1600" i="1" smtClean="0">
+                            <a:latin typeface="Cambria Math" panose="02040503050406030204" pitchFamily="18" charset="0"/>
+                            <a:ea typeface="Cambria Math" panose="02040503050406030204" pitchFamily="18" charset="0"/>
+                          </a:rPr>
+                          <m:t>−</m:t>
+                        </m:r>
+                        <m:sSub>
+                          <m:sSubPr>
+                            <m:ctrlPr>
+                              <a:rPr lang="ar-AE" sz="1600" i="1" smtClean="0">
+                                <a:latin typeface="Cambria Math" panose="02040503050406030204" pitchFamily="18" charset="0"/>
+                                <a:ea typeface="Cambria Math" panose="02040503050406030204" pitchFamily="18" charset="0"/>
+                              </a:rPr>
+                            </m:ctrlPr>
+                          </m:sSubPr>
+                          <m:e>
+                            <m:r>
+                              <a:rPr lang="ar-AE" sz="1600" i="1" smtClean="0">
+                                <a:latin typeface="Cambria Math" panose="02040503050406030204" pitchFamily="18" charset="0"/>
+                                <a:ea typeface="Cambria Math" panose="02040503050406030204" pitchFamily="18" charset="0"/>
+                              </a:rPr>
+                              <m:t>𝐸</m:t>
+                            </m:r>
+                          </m:e>
+                          <m:sub>
+                            <m:r>
+                              <a:rPr lang="ar-AE" sz="1600" i="1" smtClean="0">
+                                <a:latin typeface="Cambria Math" panose="02040503050406030204" pitchFamily="18" charset="0"/>
+                                <a:ea typeface="Cambria Math" panose="02040503050406030204" pitchFamily="18" charset="0"/>
+                              </a:rPr>
+                              <m:t>2</m:t>
+                            </m:r>
+                          </m:sub>
+                        </m:sSub>
+                        <m:acc>
+                          <m:accPr>
+                            <m:chr m:val="̇"/>
+                            <m:ctrlPr>
+                              <a:rPr lang="ar-AE" sz="1600" i="1">
+                                <a:latin typeface="Cambria Math" panose="02040503050406030204" pitchFamily="18" charset="0"/>
+                                <a:ea typeface="Cambria Math" panose="02040503050406030204" pitchFamily="18" charset="0"/>
+                              </a:rPr>
+                            </m:ctrlPr>
+                          </m:accPr>
+                          <m:e>
+                            <m:r>
+                              <a:rPr lang="ar-AE" sz="1600" i="1">
+                                <a:latin typeface="Cambria Math" panose="02040503050406030204" pitchFamily="18" charset="0"/>
+                                <a:ea typeface="Cambria Math" panose="02040503050406030204" pitchFamily="18" charset="0"/>
+                              </a:rPr>
+                              <m:t>𝜃</m:t>
+                            </m:r>
+                          </m:e>
+                        </m:acc>
+                        <m:func>
+                          <m:funcPr>
+                            <m:ctrlPr>
+                              <a:rPr lang="ar-AE" sz="1600" i="1">
+                                <a:latin typeface="Cambria Math" panose="02040503050406030204" pitchFamily="18" charset="0"/>
+                                <a:ea typeface="Cambria Math" panose="02040503050406030204" pitchFamily="18" charset="0"/>
+                              </a:rPr>
+                            </m:ctrlPr>
+                          </m:funcPr>
+                          <m:fName>
+                            <m:r>
+                              <m:rPr>
+                                <m:sty m:val="p"/>
+                              </m:rPr>
+                              <a:rPr lang="fr-FR" sz="1600">
+                                <a:latin typeface="Cambria Math" panose="02040503050406030204" pitchFamily="18" charset="0"/>
+                                <a:ea typeface="Cambria Math" panose="02040503050406030204" pitchFamily="18" charset="0"/>
+                              </a:rPr>
+                              <m:t>cos</m:t>
+                            </m:r>
+                          </m:fName>
+                          <m:e>
+                            <m:r>
+                              <a:rPr lang="ar-AE" sz="1600" i="1">
+                                <a:latin typeface="Cambria Math" panose="02040503050406030204" pitchFamily="18" charset="0"/>
+                                <a:ea typeface="Cambria Math" panose="02040503050406030204" pitchFamily="18" charset="0"/>
+                              </a:rPr>
+                              <m:t>𝜑</m:t>
+                            </m:r>
+                          </m:e>
+                        </m:func>
+                      </m:e>
+                    </m:d>
+                    <m:acc>
+                      <m:accPr>
+                        <m:chr m:val="⃗"/>
+                        <m:ctrlPr>
+                          <a:rPr lang="ar-AE" sz="1600" i="1">
+                            <a:latin typeface="Cambria Math" panose="02040503050406030204" pitchFamily="18" charset="0"/>
+                          </a:rPr>
+                        </m:ctrlPr>
+                      </m:accPr>
+                      <m:e>
+                        <m:sSub>
+                          <m:sSubPr>
+                            <m:ctrlPr>
+                              <a:rPr lang="ar-AE" sz="1600" i="1" smtClean="0">
+                                <a:latin typeface="Cambria Math" panose="02040503050406030204" pitchFamily="18" charset="0"/>
+                              </a:rPr>
+                            </m:ctrlPr>
+                          </m:sSubPr>
+                          <m:e>
+                            <m:r>
+                              <a:rPr lang="ar-AE" sz="1600" i="1" smtClean="0">
+                                <a:latin typeface="Cambria Math" panose="02040503050406030204" pitchFamily="18" charset="0"/>
+                              </a:rPr>
+                              <m:t>𝑥</m:t>
+                            </m:r>
+                          </m:e>
+                          <m:sub>
+                            <m:r>
+                              <a:rPr lang="ar-AE" sz="1600" i="1" smtClean="0">
+                                <a:latin typeface="Cambria Math" panose="02040503050406030204" pitchFamily="18" charset="0"/>
+                              </a:rPr>
+                              <m:t>2</m:t>
+                            </m:r>
+                          </m:sub>
+                        </m:sSub>
+                      </m:e>
+                    </m:acc>
+                    <m:r>
+                      <a:rPr lang="ar-AE" sz="1600" i="1" smtClean="0">
+                        <a:latin typeface="Cambria Math" panose="02040503050406030204" pitchFamily="18" charset="0"/>
+                      </a:rPr>
+                      <m:t>+</m:t>
+                    </m:r>
+                    <m:sSub>
+                      <m:sSubPr>
+                        <m:ctrlPr>
+                          <a:rPr lang="ar-AE" sz="1600" i="1" smtClean="0">
+                            <a:latin typeface="Cambria Math" panose="02040503050406030204" pitchFamily="18" charset="0"/>
+                          </a:rPr>
+                        </m:ctrlPr>
+                      </m:sSubPr>
+                      <m:e>
+                        <m:r>
+                          <a:rPr lang="ar-AE" sz="1600" i="1" smtClean="0">
+                            <a:latin typeface="Cambria Math" panose="02040503050406030204" pitchFamily="18" charset="0"/>
+                          </a:rPr>
+                          <m:t>𝐵</m:t>
+                        </m:r>
+                      </m:e>
+                      <m:sub>
+                        <m:r>
+                          <a:rPr lang="ar-AE" sz="1600" i="1" smtClean="0">
+                            <a:latin typeface="Cambria Math" panose="02040503050406030204" pitchFamily="18" charset="0"/>
+                          </a:rPr>
+                          <m:t>2</m:t>
+                        </m:r>
+                      </m:sub>
+                    </m:sSub>
+                    <m:acc>
+                      <m:accPr>
+                        <m:chr m:val="̇"/>
+                        <m:ctrlPr>
+                          <a:rPr lang="ar-AE" sz="1600" i="1">
+                            <a:latin typeface="Cambria Math" panose="02040503050406030204" pitchFamily="18" charset="0"/>
+                            <a:ea typeface="Cambria Math" panose="02040503050406030204" pitchFamily="18" charset="0"/>
+                          </a:rPr>
+                        </m:ctrlPr>
+                      </m:accPr>
+                      <m:e>
+                        <m:r>
+                          <a:rPr lang="ar-AE" sz="1600" i="1">
+                            <a:latin typeface="Cambria Math" panose="02040503050406030204" pitchFamily="18" charset="0"/>
+                            <a:ea typeface="Cambria Math" panose="02040503050406030204" pitchFamily="18" charset="0"/>
+                          </a:rPr>
+                          <m:t>𝜃</m:t>
+                        </m:r>
+                      </m:e>
+                    </m:acc>
+                    <m:func>
+                      <m:funcPr>
+                        <m:ctrlPr>
+                          <a:rPr lang="ar-AE" sz="1600" i="1">
+                            <a:latin typeface="Cambria Math" panose="02040503050406030204" pitchFamily="18" charset="0"/>
+                            <a:ea typeface="Cambria Math" panose="02040503050406030204" pitchFamily="18" charset="0"/>
+                          </a:rPr>
+                        </m:ctrlPr>
+                      </m:funcPr>
+                      <m:fName>
+                        <m:r>
+                          <m:rPr>
+                            <m:sty m:val="p"/>
+                          </m:rPr>
+                          <a:rPr lang="fr-FR" sz="1600">
+                            <a:latin typeface="Cambria Math" panose="02040503050406030204" pitchFamily="18" charset="0"/>
+                            <a:ea typeface="Cambria Math" panose="02040503050406030204" pitchFamily="18" charset="0"/>
+                          </a:rPr>
+                          <m:t>sin</m:t>
+                        </m:r>
+                      </m:fName>
+                      <m:e>
+                        <m:r>
+                          <a:rPr lang="ar-AE" sz="1600" i="1">
+                            <a:latin typeface="Cambria Math" panose="02040503050406030204" pitchFamily="18" charset="0"/>
+                            <a:ea typeface="Cambria Math" panose="02040503050406030204" pitchFamily="18" charset="0"/>
+                          </a:rPr>
+                          <m:t>𝜑</m:t>
+                        </m:r>
+                      </m:e>
+                    </m:func>
+                    <m:acc>
+                      <m:accPr>
+                        <m:chr m:val="⃗"/>
+                        <m:ctrlPr>
+                          <a:rPr lang="ar-AE" sz="1600" i="1">
+                            <a:latin typeface="Cambria Math" panose="02040503050406030204" pitchFamily="18" charset="0"/>
+                          </a:rPr>
+                        </m:ctrlPr>
+                      </m:accPr>
+                      <m:e>
+                        <m:sSub>
+                          <m:sSubPr>
+                            <m:ctrlPr>
+                              <a:rPr lang="ar-AE" sz="1600" i="1">
+                                <a:latin typeface="Cambria Math" panose="02040503050406030204" pitchFamily="18" charset="0"/>
+                              </a:rPr>
+                            </m:ctrlPr>
+                          </m:sSubPr>
+                          <m:e>
+                            <m:r>
+                              <a:rPr lang="ar-AE" sz="1600" i="1" smtClean="0">
+                                <a:latin typeface="Cambria Math" panose="02040503050406030204" pitchFamily="18" charset="0"/>
+                              </a:rPr>
+                              <m:t>𝑦</m:t>
+                            </m:r>
+                          </m:e>
+                          <m:sub>
+                            <m:r>
+                              <a:rPr lang="ar-AE" sz="1600" i="1">
+                                <a:latin typeface="Cambria Math" panose="02040503050406030204" pitchFamily="18" charset="0"/>
+                              </a:rPr>
+                              <m:t>2</m:t>
+                            </m:r>
+                          </m:sub>
+                        </m:sSub>
+                      </m:e>
+                    </m:acc>
+                    <m:r>
+                      <a:rPr lang="ar-AE" sz="1600" i="1" smtClean="0">
+                        <a:latin typeface="Cambria Math" panose="02040503050406030204" pitchFamily="18" charset="0"/>
+                      </a:rPr>
+                      <m:t>+</m:t>
+                    </m:r>
+                    <m:d>
+                      <m:dPr>
+                        <m:ctrlPr>
+                          <a:rPr lang="ar-AE" sz="1600" i="1" smtClean="0">
+                            <a:latin typeface="Cambria Math" panose="02040503050406030204" pitchFamily="18" charset="0"/>
+                          </a:rPr>
+                        </m:ctrlPr>
+                      </m:dPr>
+                      <m:e>
+                        <m:r>
+                          <a:rPr lang="ar-AE" sz="1600" i="1">
+                            <a:latin typeface="Cambria Math" panose="02040503050406030204" pitchFamily="18" charset="0"/>
+                          </a:rPr>
+                          <m:t>−</m:t>
+                        </m:r>
+                        <m:sSub>
+                          <m:sSubPr>
+                            <m:ctrlPr>
+                              <a:rPr lang="ar-AE" sz="1600" i="1">
+                                <a:latin typeface="Cambria Math" panose="02040503050406030204" pitchFamily="18" charset="0"/>
+                              </a:rPr>
+                            </m:ctrlPr>
+                          </m:sSubPr>
+                          <m:e>
+                            <m:r>
+                              <a:rPr lang="ar-AE" sz="1600" i="1">
+                                <a:latin typeface="Cambria Math" panose="02040503050406030204" pitchFamily="18" charset="0"/>
+                              </a:rPr>
+                              <m:t>𝐸</m:t>
+                            </m:r>
+                          </m:e>
+                          <m:sub>
+                            <m:r>
+                              <a:rPr lang="ar-AE" sz="1600" i="1">
+                                <a:latin typeface="Cambria Math" panose="02040503050406030204" pitchFamily="18" charset="0"/>
+                              </a:rPr>
+                              <m:t>2</m:t>
+                            </m:r>
+                          </m:sub>
+                        </m:sSub>
+                        <m:acc>
+                          <m:accPr>
+                            <m:chr m:val="̇"/>
+                            <m:ctrlPr>
+                              <a:rPr lang="ar-AE" sz="1600" i="1">
+                                <a:latin typeface="Cambria Math" panose="02040503050406030204" pitchFamily="18" charset="0"/>
+                                <a:ea typeface="Cambria Math" panose="02040503050406030204" pitchFamily="18" charset="0"/>
+                              </a:rPr>
+                            </m:ctrlPr>
+                          </m:accPr>
+                          <m:e>
+                            <m:r>
+                              <a:rPr lang="ar-AE" sz="1600" i="1">
+                                <a:latin typeface="Cambria Math" panose="02040503050406030204" pitchFamily="18" charset="0"/>
+                                <a:ea typeface="Cambria Math" panose="02040503050406030204" pitchFamily="18" charset="0"/>
+                              </a:rPr>
+                              <m:t>𝜑</m:t>
+                            </m:r>
+                          </m:e>
+                        </m:acc>
+                        <m:r>
+                          <a:rPr lang="ar-AE" sz="1600" i="1" smtClean="0">
+                            <a:latin typeface="Cambria Math" panose="02040503050406030204" pitchFamily="18" charset="0"/>
+                            <a:ea typeface="Cambria Math" panose="02040503050406030204" pitchFamily="18" charset="0"/>
+                          </a:rPr>
+                          <m:t>+</m:t>
+                        </m:r>
+                        <m:sSub>
+                          <m:sSubPr>
+                            <m:ctrlPr>
+                              <a:rPr lang="ar-AE" sz="1600" i="1" smtClean="0">
+                                <a:latin typeface="Cambria Math" panose="02040503050406030204" pitchFamily="18" charset="0"/>
+                                <a:ea typeface="Cambria Math" panose="02040503050406030204" pitchFamily="18" charset="0"/>
+                              </a:rPr>
+                            </m:ctrlPr>
+                          </m:sSubPr>
+                          <m:e>
+                            <m:r>
+                              <a:rPr lang="ar-AE" sz="1600" i="1" smtClean="0">
+                                <a:latin typeface="Cambria Math" panose="02040503050406030204" pitchFamily="18" charset="0"/>
+                                <a:ea typeface="Cambria Math" panose="02040503050406030204" pitchFamily="18" charset="0"/>
+                              </a:rPr>
+                              <m:t>𝐶</m:t>
+                            </m:r>
+                          </m:e>
+                          <m:sub>
+                            <m:r>
+                              <a:rPr lang="ar-AE" sz="1600" i="1" smtClean="0">
+                                <a:latin typeface="Cambria Math" panose="02040503050406030204" pitchFamily="18" charset="0"/>
+                                <a:ea typeface="Cambria Math" panose="02040503050406030204" pitchFamily="18" charset="0"/>
+                              </a:rPr>
+                              <m:t>2</m:t>
+                            </m:r>
+                          </m:sub>
+                        </m:sSub>
+                        <m:acc>
+                          <m:accPr>
+                            <m:chr m:val="̇"/>
+                            <m:ctrlPr>
+                              <a:rPr lang="ar-AE" sz="1600" i="1">
+                                <a:latin typeface="Cambria Math" panose="02040503050406030204" pitchFamily="18" charset="0"/>
+                                <a:ea typeface="Cambria Math" panose="02040503050406030204" pitchFamily="18" charset="0"/>
+                              </a:rPr>
+                            </m:ctrlPr>
+                          </m:accPr>
+                          <m:e>
+                            <m:r>
+                              <a:rPr lang="ar-AE" sz="1600" i="1">
+                                <a:latin typeface="Cambria Math" panose="02040503050406030204" pitchFamily="18" charset="0"/>
+                                <a:ea typeface="Cambria Math" panose="02040503050406030204" pitchFamily="18" charset="0"/>
+                              </a:rPr>
+                              <m:t>𝜃</m:t>
+                            </m:r>
+                          </m:e>
+                        </m:acc>
+                        <m:func>
+                          <m:funcPr>
+                            <m:ctrlPr>
+                              <a:rPr lang="ar-AE" sz="1600" i="1">
+                                <a:latin typeface="Cambria Math" panose="02040503050406030204" pitchFamily="18" charset="0"/>
+                                <a:ea typeface="Cambria Math" panose="02040503050406030204" pitchFamily="18" charset="0"/>
+                              </a:rPr>
+                            </m:ctrlPr>
+                          </m:funcPr>
+                          <m:fName>
+                            <m:r>
+                              <m:rPr>
+                                <m:sty m:val="p"/>
+                              </m:rPr>
+                              <a:rPr lang="fr-FR" sz="1600">
+                                <a:latin typeface="Cambria Math" panose="02040503050406030204" pitchFamily="18" charset="0"/>
+                                <a:ea typeface="Cambria Math" panose="02040503050406030204" pitchFamily="18" charset="0"/>
+                              </a:rPr>
+                              <m:t>cos</m:t>
+                            </m:r>
+                          </m:fName>
+                          <m:e>
+                            <m:r>
+                              <a:rPr lang="ar-AE" sz="1600" i="1">
+                                <a:latin typeface="Cambria Math" panose="02040503050406030204" pitchFamily="18" charset="0"/>
+                                <a:ea typeface="Cambria Math" panose="02040503050406030204" pitchFamily="18" charset="0"/>
+                              </a:rPr>
+                              <m:t>𝜑</m:t>
+                            </m:r>
+                          </m:e>
+                        </m:func>
+                      </m:e>
+                    </m:d>
+                    <m:acc>
+                      <m:accPr>
+                        <m:chr m:val="⃗"/>
+                        <m:ctrlPr>
+                          <a:rPr lang="ar-AE" sz="1600" i="1">
+                            <a:latin typeface="Cambria Math" panose="02040503050406030204" pitchFamily="18" charset="0"/>
+                          </a:rPr>
+                        </m:ctrlPr>
+                      </m:accPr>
+                      <m:e>
+                        <m:sSub>
+                          <m:sSubPr>
+                            <m:ctrlPr>
+                              <a:rPr lang="ar-AE" sz="1600" i="1">
+                                <a:latin typeface="Cambria Math" panose="02040503050406030204" pitchFamily="18" charset="0"/>
+                              </a:rPr>
+                            </m:ctrlPr>
+                          </m:sSubPr>
+                          <m:e>
+                            <m:r>
+                              <a:rPr lang="ar-AE" sz="1600" i="1" smtClean="0">
+                                <a:latin typeface="Cambria Math" panose="02040503050406030204" pitchFamily="18" charset="0"/>
+                              </a:rPr>
+                              <m:t>𝑧</m:t>
+                            </m:r>
+                          </m:e>
+                          <m:sub>
+                            <m:r>
+                              <a:rPr lang="ar-AE" sz="1600" i="1">
+                                <a:latin typeface="Cambria Math" panose="02040503050406030204" pitchFamily="18" charset="0"/>
+                              </a:rPr>
+                              <m:t>2</m:t>
+                            </m:r>
+                          </m:sub>
+                        </m:sSub>
+                      </m:e>
+                    </m:acc>
+                  </m:oMath>
+                </a14:m>
+                <a:endParaRPr lang="fr-FR" sz="1600" dirty="0" smtClean="0"/>
+              </a:p>
+              <a:p>
+                <a:pPr lvl="1"/>
+                <a14:m>
+                  <m:oMath xmlns:m="http://schemas.openxmlformats.org/officeDocument/2006/math">
+                    <m:acc>
+                      <m:accPr>
+                        <m:chr m:val="⃗"/>
+                        <m:ctrlPr>
+                          <a:rPr lang="ar-AE" sz="1600" i="1">
+                            <a:latin typeface="Cambria Math" panose="02040503050406030204" pitchFamily="18" charset="0"/>
+                          </a:rPr>
+                        </m:ctrlPr>
+                      </m:accPr>
+                      <m:e>
+                        <m:r>
+                          <a:rPr lang="fr-FR" sz="1600" b="0" i="1" smtClean="0">
+                            <a:latin typeface="Cambria Math" panose="02040503050406030204" pitchFamily="18" charset="0"/>
+                          </a:rPr>
+                          <m:t>𝛿</m:t>
+                        </m:r>
+                        <m:d>
+                          <m:dPr>
+                            <m:ctrlPr>
+                              <a:rPr lang="ar-AE" sz="1600" i="1">
+                                <a:latin typeface="Cambria Math" panose="02040503050406030204" pitchFamily="18" charset="0"/>
+                              </a:rPr>
+                            </m:ctrlPr>
+                          </m:dPr>
+                          <m:e>
+                            <m:r>
+                              <a:rPr lang="ar-AE" sz="1600" i="1">
+                                <a:latin typeface="Cambria Math" panose="02040503050406030204" pitchFamily="18" charset="0"/>
+                              </a:rPr>
+                              <m:t>𝑂</m:t>
+                            </m:r>
+                            <m:r>
+                              <a:rPr lang="ar-AE" sz="1600" i="1">
+                                <a:latin typeface="Cambria Math" panose="02040503050406030204" pitchFamily="18" charset="0"/>
+                              </a:rPr>
+                              <m:t>,</m:t>
+                            </m:r>
+                            <m:r>
+                              <a:rPr lang="ar-AE" sz="1600" i="1">
+                                <a:latin typeface="Cambria Math" panose="02040503050406030204" pitchFamily="18" charset="0"/>
+                              </a:rPr>
+                              <m:t>2</m:t>
+                            </m:r>
+                            <m:r>
+                              <m:rPr>
+                                <m:lit/>
+                              </m:rPr>
+                              <a:rPr lang="ar-AE" sz="1600" i="1">
+                                <a:latin typeface="Cambria Math" panose="02040503050406030204" pitchFamily="18" charset="0"/>
+                              </a:rPr>
+                              <m:t>/</m:t>
+                            </m:r>
+                            <m:r>
+                              <a:rPr lang="ar-AE" sz="1600" i="1">
+                                <a:latin typeface="Cambria Math" panose="02040503050406030204" pitchFamily="18" charset="0"/>
+                              </a:rPr>
+                              <m:t>0</m:t>
+                            </m:r>
+                          </m:e>
+                        </m:d>
+                      </m:e>
+                    </m:acc>
+                    <m:r>
+                      <a:rPr lang="ar-AE" sz="1600" i="1">
+                        <a:latin typeface="Cambria Math" panose="02040503050406030204" pitchFamily="18" charset="0"/>
+                      </a:rPr>
+                      <m:t>=</m:t>
+                    </m:r>
+                    <m:d>
+                      <m:dPr>
+                        <m:ctrlPr>
+                          <a:rPr lang="ar-AE" sz="1600" i="1">
+                            <a:latin typeface="Cambria Math" panose="02040503050406030204" pitchFamily="18" charset="0"/>
+                            <a:ea typeface="Cambria Math" panose="02040503050406030204" pitchFamily="18" charset="0"/>
+                          </a:rPr>
+                        </m:ctrlPr>
+                      </m:dPr>
+                      <m:e>
+                        <m:sSub>
+                          <m:sSubPr>
+                            <m:ctrlPr>
+                              <a:rPr lang="ar-AE" sz="1600" i="1">
+                                <a:latin typeface="Cambria Math" panose="02040503050406030204" pitchFamily="18" charset="0"/>
+                                <a:ea typeface="Cambria Math" panose="02040503050406030204" pitchFamily="18" charset="0"/>
+                              </a:rPr>
+                            </m:ctrlPr>
+                          </m:sSubPr>
+                          <m:e>
+                            <m:r>
+                              <a:rPr lang="ar-AE" sz="1600" i="1">
+                                <a:latin typeface="Cambria Math" panose="02040503050406030204" pitchFamily="18" charset="0"/>
+                                <a:ea typeface="Cambria Math" panose="02040503050406030204" pitchFamily="18" charset="0"/>
+                              </a:rPr>
+                              <m:t>𝐴</m:t>
+                            </m:r>
+                          </m:e>
+                          <m:sub>
+                            <m:r>
+                              <a:rPr lang="ar-AE" sz="1600" i="1">
+                                <a:latin typeface="Cambria Math" panose="02040503050406030204" pitchFamily="18" charset="0"/>
+                                <a:ea typeface="Cambria Math" panose="02040503050406030204" pitchFamily="18" charset="0"/>
+                              </a:rPr>
+                              <m:t>2</m:t>
+                            </m:r>
+                          </m:sub>
+                        </m:sSub>
+                        <m:acc>
+                          <m:accPr>
+                            <m:chr m:val="̈"/>
+                            <m:ctrlPr>
+                              <a:rPr lang="ar-AE" sz="1600" i="1" smtClean="0">
+                                <a:latin typeface="Cambria Math" panose="02040503050406030204" pitchFamily="18" charset="0"/>
+                                <a:ea typeface="Cambria Math" panose="02040503050406030204" pitchFamily="18" charset="0"/>
+                              </a:rPr>
+                            </m:ctrlPr>
+                          </m:accPr>
+                          <m:e>
+                            <m:r>
+                              <a:rPr lang="ar-AE" sz="1600" i="1">
+                                <a:latin typeface="Cambria Math" panose="02040503050406030204" pitchFamily="18" charset="0"/>
+                                <a:ea typeface="Cambria Math" panose="02040503050406030204" pitchFamily="18" charset="0"/>
+                              </a:rPr>
+                              <m:t>𝜑</m:t>
+                            </m:r>
+                          </m:e>
+                        </m:acc>
+                        <m:r>
+                          <a:rPr lang="ar-AE" sz="1600" i="1">
+                            <a:latin typeface="Cambria Math" panose="02040503050406030204" pitchFamily="18" charset="0"/>
+                            <a:ea typeface="Cambria Math" panose="02040503050406030204" pitchFamily="18" charset="0"/>
+                          </a:rPr>
+                          <m:t>−</m:t>
+                        </m:r>
+                        <m:sSub>
+                          <m:sSubPr>
+                            <m:ctrlPr>
+                              <a:rPr lang="ar-AE" sz="1600" i="1">
+                                <a:latin typeface="Cambria Math" panose="02040503050406030204" pitchFamily="18" charset="0"/>
+                                <a:ea typeface="Cambria Math" panose="02040503050406030204" pitchFamily="18" charset="0"/>
+                              </a:rPr>
+                            </m:ctrlPr>
+                          </m:sSubPr>
+                          <m:e>
+                            <m:r>
+                              <a:rPr lang="ar-AE" sz="1600" i="1">
+                                <a:latin typeface="Cambria Math" panose="02040503050406030204" pitchFamily="18" charset="0"/>
+                                <a:ea typeface="Cambria Math" panose="02040503050406030204" pitchFamily="18" charset="0"/>
+                              </a:rPr>
+                              <m:t>𝐸</m:t>
+                            </m:r>
+                          </m:e>
+                          <m:sub>
+                            <m:r>
+                              <a:rPr lang="ar-AE" sz="1600" i="1">
+                                <a:latin typeface="Cambria Math" panose="02040503050406030204" pitchFamily="18" charset="0"/>
+                                <a:ea typeface="Cambria Math" panose="02040503050406030204" pitchFamily="18" charset="0"/>
+                              </a:rPr>
+                              <m:t>2</m:t>
+                            </m:r>
+                          </m:sub>
+                        </m:sSub>
+                        <m:acc>
+                          <m:accPr>
+                            <m:chr m:val="̈"/>
+                            <m:ctrlPr>
+                              <a:rPr lang="ar-AE" sz="1600" i="1" smtClean="0">
+                                <a:latin typeface="Cambria Math" panose="02040503050406030204" pitchFamily="18" charset="0"/>
+                                <a:ea typeface="Cambria Math" panose="02040503050406030204" pitchFamily="18" charset="0"/>
+                              </a:rPr>
+                            </m:ctrlPr>
+                          </m:accPr>
+                          <m:e>
+                            <m:r>
+                              <a:rPr lang="ar-AE" sz="1600" i="1">
+                                <a:latin typeface="Cambria Math" panose="02040503050406030204" pitchFamily="18" charset="0"/>
+                                <a:ea typeface="Cambria Math" panose="02040503050406030204" pitchFamily="18" charset="0"/>
+                              </a:rPr>
+                              <m:t>𝜃</m:t>
+                            </m:r>
+                          </m:e>
+                        </m:acc>
+                        <m:func>
+                          <m:funcPr>
+                            <m:ctrlPr>
+                              <a:rPr lang="ar-AE" sz="1600" i="1">
+                                <a:latin typeface="Cambria Math" panose="02040503050406030204" pitchFamily="18" charset="0"/>
+                                <a:ea typeface="Cambria Math" panose="02040503050406030204" pitchFamily="18" charset="0"/>
+                              </a:rPr>
+                            </m:ctrlPr>
+                          </m:funcPr>
+                          <m:fName>
+                            <m:r>
+                              <m:rPr>
+                                <m:sty m:val="p"/>
+                              </m:rPr>
+                              <a:rPr lang="fr-FR" sz="1600">
+                                <a:latin typeface="Cambria Math" panose="02040503050406030204" pitchFamily="18" charset="0"/>
+                                <a:ea typeface="Cambria Math" panose="02040503050406030204" pitchFamily="18" charset="0"/>
+                              </a:rPr>
+                              <m:t>cos</m:t>
+                            </m:r>
+                          </m:fName>
+                          <m:e>
+                            <m:r>
+                              <a:rPr lang="ar-AE" sz="1600" i="1">
+                                <a:latin typeface="Cambria Math" panose="02040503050406030204" pitchFamily="18" charset="0"/>
+                                <a:ea typeface="Cambria Math" panose="02040503050406030204" pitchFamily="18" charset="0"/>
+                              </a:rPr>
+                              <m:t>𝜑</m:t>
+                            </m:r>
+                          </m:e>
+                        </m:func>
+                        <m:r>
+                          <a:rPr lang="fr-FR" sz="1600" b="0" i="1" smtClean="0">
+                            <a:latin typeface="Cambria Math" panose="02040503050406030204" pitchFamily="18" charset="0"/>
+                            <a:ea typeface="Cambria Math" panose="02040503050406030204" pitchFamily="18" charset="0"/>
+                          </a:rPr>
+                          <m:t>+</m:t>
+                        </m:r>
+                        <m:sSub>
+                          <m:sSubPr>
+                            <m:ctrlPr>
+                              <a:rPr lang="ar-AE" sz="1600" i="1">
+                                <a:latin typeface="Cambria Math" panose="02040503050406030204" pitchFamily="18" charset="0"/>
+                                <a:ea typeface="Cambria Math" panose="02040503050406030204" pitchFamily="18" charset="0"/>
+                              </a:rPr>
+                            </m:ctrlPr>
+                          </m:sSubPr>
+                          <m:e>
+                            <m:r>
+                              <a:rPr lang="ar-AE" sz="1600" i="1">
+                                <a:latin typeface="Cambria Math" panose="02040503050406030204" pitchFamily="18" charset="0"/>
+                                <a:ea typeface="Cambria Math" panose="02040503050406030204" pitchFamily="18" charset="0"/>
+                              </a:rPr>
+                              <m:t>𝐸</m:t>
+                            </m:r>
+                          </m:e>
+                          <m:sub>
+                            <m:r>
+                              <a:rPr lang="ar-AE" sz="1600" i="1">
+                                <a:latin typeface="Cambria Math" panose="02040503050406030204" pitchFamily="18" charset="0"/>
+                                <a:ea typeface="Cambria Math" panose="02040503050406030204" pitchFamily="18" charset="0"/>
+                              </a:rPr>
+                              <m:t>2</m:t>
+                            </m:r>
+                          </m:sub>
+                        </m:sSub>
+                        <m:acc>
+                          <m:accPr>
+                            <m:chr m:val="̇"/>
+                            <m:ctrlPr>
+                              <a:rPr lang="ar-AE" sz="1600" i="1">
+                                <a:latin typeface="Cambria Math" panose="02040503050406030204" pitchFamily="18" charset="0"/>
+                                <a:ea typeface="Cambria Math" panose="02040503050406030204" pitchFamily="18" charset="0"/>
+                              </a:rPr>
+                            </m:ctrlPr>
+                          </m:accPr>
+                          <m:e>
+                            <m:r>
+                              <a:rPr lang="ar-AE" sz="1600" i="1">
+                                <a:latin typeface="Cambria Math" panose="02040503050406030204" pitchFamily="18" charset="0"/>
+                                <a:ea typeface="Cambria Math" panose="02040503050406030204" pitchFamily="18" charset="0"/>
+                              </a:rPr>
+                              <m:t>𝜃</m:t>
+                            </m:r>
+                          </m:e>
+                        </m:acc>
+                        <m:acc>
+                          <m:accPr>
+                            <m:chr m:val="̇"/>
+                            <m:ctrlPr>
+                              <a:rPr lang="ar-AE" sz="1600" i="1">
+                                <a:latin typeface="Cambria Math" panose="02040503050406030204" pitchFamily="18" charset="0"/>
+                                <a:ea typeface="Cambria Math" panose="02040503050406030204" pitchFamily="18" charset="0"/>
+                              </a:rPr>
+                            </m:ctrlPr>
+                          </m:accPr>
+                          <m:e>
+                            <m:r>
+                              <a:rPr lang="fr-FR" sz="1600" b="0" i="1" smtClean="0">
+                                <a:latin typeface="Cambria Math" panose="02040503050406030204" pitchFamily="18" charset="0"/>
+                                <a:ea typeface="Cambria Math" panose="02040503050406030204" pitchFamily="18" charset="0"/>
+                              </a:rPr>
+                              <m:t>𝜑</m:t>
+                            </m:r>
+                          </m:e>
+                        </m:acc>
+                        <m:func>
+                          <m:funcPr>
+                            <m:ctrlPr>
+                              <a:rPr lang="ar-AE" sz="1600" i="1">
+                                <a:latin typeface="Cambria Math" panose="02040503050406030204" pitchFamily="18" charset="0"/>
+                                <a:ea typeface="Cambria Math" panose="02040503050406030204" pitchFamily="18" charset="0"/>
+                              </a:rPr>
+                            </m:ctrlPr>
+                          </m:funcPr>
+                          <m:fName>
+                            <m:r>
+                              <m:rPr>
+                                <m:sty m:val="p"/>
+                              </m:rPr>
+                              <a:rPr lang="fr-FR" sz="1600">
+                                <a:latin typeface="Cambria Math" panose="02040503050406030204" pitchFamily="18" charset="0"/>
+                                <a:ea typeface="Cambria Math" panose="02040503050406030204" pitchFamily="18" charset="0"/>
+                              </a:rPr>
+                              <m:t>s</m:t>
+                            </m:r>
+                            <m:r>
+                              <m:rPr>
+                                <m:sty m:val="p"/>
+                              </m:rPr>
+                              <a:rPr lang="fr-FR" sz="1600" b="0" i="0" smtClean="0">
+                                <a:latin typeface="Cambria Math" panose="02040503050406030204" pitchFamily="18" charset="0"/>
+                                <a:ea typeface="Cambria Math" panose="02040503050406030204" pitchFamily="18" charset="0"/>
+                              </a:rPr>
+                              <m:t>in</m:t>
+                            </m:r>
+                          </m:fName>
+                          <m:e>
+                            <m:r>
+                              <a:rPr lang="ar-AE" sz="1600" i="1">
+                                <a:latin typeface="Cambria Math" panose="02040503050406030204" pitchFamily="18" charset="0"/>
+                                <a:ea typeface="Cambria Math" panose="02040503050406030204" pitchFamily="18" charset="0"/>
+                              </a:rPr>
+                              <m:t>𝜑</m:t>
+                            </m:r>
+                          </m:e>
+                        </m:func>
+                      </m:e>
+                    </m:d>
+                    <m:acc>
+                      <m:accPr>
+                        <m:chr m:val="⃗"/>
+                        <m:ctrlPr>
+                          <a:rPr lang="ar-AE" sz="1600" i="1">
+                            <a:latin typeface="Cambria Math" panose="02040503050406030204" pitchFamily="18" charset="0"/>
+                          </a:rPr>
+                        </m:ctrlPr>
+                      </m:accPr>
+                      <m:e>
+                        <m:sSub>
+                          <m:sSubPr>
+                            <m:ctrlPr>
+                              <a:rPr lang="ar-AE" sz="1600" i="1">
+                                <a:latin typeface="Cambria Math" panose="02040503050406030204" pitchFamily="18" charset="0"/>
+                              </a:rPr>
+                            </m:ctrlPr>
+                          </m:sSubPr>
+                          <m:e>
+                            <m:r>
+                              <a:rPr lang="ar-AE" sz="1600" i="1">
+                                <a:latin typeface="Cambria Math" panose="02040503050406030204" pitchFamily="18" charset="0"/>
+                              </a:rPr>
+                              <m:t>𝑥</m:t>
+                            </m:r>
+                          </m:e>
+                          <m:sub>
+                            <m:r>
+                              <a:rPr lang="ar-AE" sz="1600" i="1">
+                                <a:latin typeface="Cambria Math" panose="02040503050406030204" pitchFamily="18" charset="0"/>
+                              </a:rPr>
+                              <m:t>2</m:t>
+                            </m:r>
+                          </m:sub>
+                        </m:sSub>
+                      </m:e>
+                    </m:acc>
+                    <m:r>
+                      <a:rPr lang="fr-FR" sz="1600" b="0" i="1" smtClean="0">
+                        <a:latin typeface="Cambria Math" panose="02040503050406030204" pitchFamily="18" charset="0"/>
+                      </a:rPr>
+                      <m:t>+</m:t>
+                    </m:r>
+                    <m:d>
+                      <m:dPr>
+                        <m:ctrlPr>
+                          <a:rPr lang="ar-AE" sz="1600" i="1">
+                            <a:latin typeface="Cambria Math" panose="02040503050406030204" pitchFamily="18" charset="0"/>
+                            <a:ea typeface="Cambria Math" panose="02040503050406030204" pitchFamily="18" charset="0"/>
+                          </a:rPr>
+                        </m:ctrlPr>
+                      </m:dPr>
+                      <m:e>
+                        <m:sSub>
+                          <m:sSubPr>
+                            <m:ctrlPr>
+                              <a:rPr lang="ar-AE" sz="1600" i="1">
+                                <a:latin typeface="Cambria Math" panose="02040503050406030204" pitchFamily="18" charset="0"/>
+                                <a:ea typeface="Cambria Math" panose="02040503050406030204" pitchFamily="18" charset="0"/>
+                              </a:rPr>
+                            </m:ctrlPr>
+                          </m:sSubPr>
+                          <m:e>
+                            <m:r>
+                              <a:rPr lang="ar-AE" sz="1600" i="1">
+                                <a:latin typeface="Cambria Math" panose="02040503050406030204" pitchFamily="18" charset="0"/>
+                                <a:ea typeface="Cambria Math" panose="02040503050406030204" pitchFamily="18" charset="0"/>
+                              </a:rPr>
+                              <m:t>𝐴</m:t>
+                            </m:r>
+                          </m:e>
+                          <m:sub>
+                            <m:r>
+                              <a:rPr lang="ar-AE" sz="1600" i="1">
+                                <a:latin typeface="Cambria Math" panose="02040503050406030204" pitchFamily="18" charset="0"/>
+                                <a:ea typeface="Cambria Math" panose="02040503050406030204" pitchFamily="18" charset="0"/>
+                              </a:rPr>
+                              <m:t>2</m:t>
+                            </m:r>
+                          </m:sub>
+                        </m:sSub>
+                        <m:acc>
+                          <m:accPr>
+                            <m:chr m:val="̇"/>
+                            <m:ctrlPr>
+                              <a:rPr lang="ar-AE" sz="1600" i="1">
+                                <a:latin typeface="Cambria Math" panose="02040503050406030204" pitchFamily="18" charset="0"/>
+                                <a:ea typeface="Cambria Math" panose="02040503050406030204" pitchFamily="18" charset="0"/>
+                              </a:rPr>
+                            </m:ctrlPr>
+                          </m:accPr>
+                          <m:e>
+                            <m:r>
+                              <a:rPr lang="ar-AE" sz="1600" i="1">
+                                <a:latin typeface="Cambria Math" panose="02040503050406030204" pitchFamily="18" charset="0"/>
+                                <a:ea typeface="Cambria Math" panose="02040503050406030204" pitchFamily="18" charset="0"/>
+                              </a:rPr>
+                              <m:t>𝜑</m:t>
+                            </m:r>
+                          </m:e>
+                        </m:acc>
+                        <m:r>
+                          <a:rPr lang="ar-AE" sz="1600" i="1">
+                            <a:latin typeface="Cambria Math" panose="02040503050406030204" pitchFamily="18" charset="0"/>
+                            <a:ea typeface="Cambria Math" panose="02040503050406030204" pitchFamily="18" charset="0"/>
+                          </a:rPr>
+                          <m:t>−</m:t>
+                        </m:r>
+                        <m:sSub>
+                          <m:sSubPr>
+                            <m:ctrlPr>
+                              <a:rPr lang="ar-AE" sz="1600" i="1">
+                                <a:latin typeface="Cambria Math" panose="02040503050406030204" pitchFamily="18" charset="0"/>
+                                <a:ea typeface="Cambria Math" panose="02040503050406030204" pitchFamily="18" charset="0"/>
+                              </a:rPr>
+                            </m:ctrlPr>
+                          </m:sSubPr>
+                          <m:e>
+                            <m:r>
+                              <a:rPr lang="ar-AE" sz="1600" i="1">
+                                <a:latin typeface="Cambria Math" panose="02040503050406030204" pitchFamily="18" charset="0"/>
+                                <a:ea typeface="Cambria Math" panose="02040503050406030204" pitchFamily="18" charset="0"/>
+                              </a:rPr>
+                              <m:t>𝐸</m:t>
+                            </m:r>
+                          </m:e>
+                          <m:sub>
+                            <m:r>
+                              <a:rPr lang="ar-AE" sz="1600" i="1">
+                                <a:latin typeface="Cambria Math" panose="02040503050406030204" pitchFamily="18" charset="0"/>
+                                <a:ea typeface="Cambria Math" panose="02040503050406030204" pitchFamily="18" charset="0"/>
+                              </a:rPr>
+                              <m:t>2</m:t>
+                            </m:r>
+                          </m:sub>
+                        </m:sSub>
+                        <m:acc>
+                          <m:accPr>
+                            <m:chr m:val="̇"/>
+                            <m:ctrlPr>
+                              <a:rPr lang="ar-AE" sz="1600" i="1">
+                                <a:latin typeface="Cambria Math" panose="02040503050406030204" pitchFamily="18" charset="0"/>
+                                <a:ea typeface="Cambria Math" panose="02040503050406030204" pitchFamily="18" charset="0"/>
+                              </a:rPr>
+                            </m:ctrlPr>
+                          </m:accPr>
+                          <m:e>
+                            <m:r>
+                              <a:rPr lang="ar-AE" sz="1600" i="1">
+                                <a:latin typeface="Cambria Math" panose="02040503050406030204" pitchFamily="18" charset="0"/>
+                                <a:ea typeface="Cambria Math" panose="02040503050406030204" pitchFamily="18" charset="0"/>
+                              </a:rPr>
+                              <m:t>𝜃</m:t>
+                            </m:r>
+                          </m:e>
+                        </m:acc>
+                        <m:func>
+                          <m:funcPr>
+                            <m:ctrlPr>
+                              <a:rPr lang="ar-AE" sz="1600" i="1">
+                                <a:latin typeface="Cambria Math" panose="02040503050406030204" pitchFamily="18" charset="0"/>
+                                <a:ea typeface="Cambria Math" panose="02040503050406030204" pitchFamily="18" charset="0"/>
+                              </a:rPr>
+                            </m:ctrlPr>
+                          </m:funcPr>
+                          <m:fName>
+                            <m:r>
+                              <m:rPr>
+                                <m:sty m:val="p"/>
+                              </m:rPr>
+                              <a:rPr lang="fr-FR" sz="1600">
+                                <a:latin typeface="Cambria Math" panose="02040503050406030204" pitchFamily="18" charset="0"/>
+                                <a:ea typeface="Cambria Math" panose="02040503050406030204" pitchFamily="18" charset="0"/>
+                              </a:rPr>
+                              <m:t>cos</m:t>
+                            </m:r>
+                          </m:fName>
+                          <m:e>
+                            <m:r>
+                              <a:rPr lang="ar-AE" sz="1600" i="1">
+                                <a:latin typeface="Cambria Math" panose="02040503050406030204" pitchFamily="18" charset="0"/>
+                                <a:ea typeface="Cambria Math" panose="02040503050406030204" pitchFamily="18" charset="0"/>
+                              </a:rPr>
+                              <m:t>𝜑</m:t>
+                            </m:r>
+                          </m:e>
+                        </m:func>
+                      </m:e>
+                    </m:d>
+                    <m:d>
+                      <m:dPr>
+                        <m:ctrlPr>
+                          <a:rPr lang="ar-AE" sz="1600" i="1" smtClean="0">
+                            <a:latin typeface="Cambria Math" panose="02040503050406030204" pitchFamily="18" charset="0"/>
+                            <a:ea typeface="Cambria Math" panose="02040503050406030204" pitchFamily="18" charset="0"/>
+                          </a:rPr>
+                        </m:ctrlPr>
+                      </m:dPr>
+                      <m:e>
+                        <m:acc>
+                          <m:accPr>
+                            <m:chr m:val="̇"/>
+                            <m:ctrlPr>
+                              <a:rPr lang="fr-FR" sz="1600" i="1">
+                                <a:latin typeface="Cambria Math" panose="02040503050406030204" pitchFamily="18" charset="0"/>
+                                <a:ea typeface="Cambria Math" panose="02040503050406030204" pitchFamily="18" charset="0"/>
+                              </a:rPr>
+                            </m:ctrlPr>
+                          </m:accPr>
+                          <m:e>
+                            <m:r>
+                              <a:rPr lang="fr-FR" sz="1600" i="1">
+                                <a:latin typeface="Cambria Math" panose="02040503050406030204" pitchFamily="18" charset="0"/>
+                                <a:ea typeface="Cambria Math" panose="02040503050406030204" pitchFamily="18" charset="0"/>
+                              </a:rPr>
+                              <m:t>𝜃</m:t>
+                            </m:r>
+                          </m:e>
+                        </m:acc>
+                        <m:acc>
+                          <m:accPr>
+                            <m:chr m:val="⃗"/>
+                            <m:ctrlPr>
+                              <a:rPr lang="fr-FR" sz="1600" i="1">
+                                <a:latin typeface="Cambria Math" panose="02040503050406030204" pitchFamily="18" charset="0"/>
+                              </a:rPr>
+                            </m:ctrlPr>
+                          </m:accPr>
+                          <m:e>
+                            <m:sSub>
+                              <m:sSubPr>
+                                <m:ctrlPr>
+                                  <a:rPr lang="fr-FR" sz="1600" i="1">
+                                    <a:latin typeface="Cambria Math" panose="02040503050406030204" pitchFamily="18" charset="0"/>
+                                  </a:rPr>
+                                </m:ctrlPr>
+                              </m:sSubPr>
+                              <m:e>
+                                <m:r>
+                                  <a:rPr lang="fr-FR" sz="1600" i="1">
+                                    <a:latin typeface="Cambria Math" panose="02040503050406030204" pitchFamily="18" charset="0"/>
+                                  </a:rPr>
+                                  <m:t>𝑦</m:t>
+                                </m:r>
+                              </m:e>
+                              <m:sub>
+                                <m:r>
+                                  <a:rPr lang="fr-FR" sz="1600" i="1">
+                                    <a:latin typeface="Cambria Math" panose="02040503050406030204" pitchFamily="18" charset="0"/>
+                                  </a:rPr>
+                                  <m:t>1</m:t>
+                                </m:r>
+                              </m:sub>
+                            </m:sSub>
+                          </m:e>
+                        </m:acc>
+                      </m:e>
+                    </m:d>
+                    <m:r>
+                      <a:rPr lang="ar-AE" sz="1600" i="1" smtClean="0">
+                        <a:solidFill>
+                          <a:srgbClr val="FF0000"/>
+                        </a:solidFill>
+                        <a:latin typeface="Cambria Math" panose="02040503050406030204" pitchFamily="18" charset="0"/>
+                      </a:rPr>
+                      <m:t>+</m:t>
+                    </m:r>
+                    <m:sSub>
+                      <m:sSubPr>
+                        <m:ctrlPr>
+                          <a:rPr lang="ar-AE" sz="1600" i="1">
+                            <a:solidFill>
+                              <a:srgbClr val="FF0000"/>
+                            </a:solidFill>
+                            <a:latin typeface="Cambria Math" panose="02040503050406030204" pitchFamily="18" charset="0"/>
+                          </a:rPr>
+                        </m:ctrlPr>
+                      </m:sSubPr>
+                      <m:e>
+                        <m:r>
+                          <a:rPr lang="ar-AE" sz="1600" i="1">
+                            <a:solidFill>
+                              <a:srgbClr val="FF0000"/>
+                            </a:solidFill>
+                            <a:latin typeface="Cambria Math" panose="02040503050406030204" pitchFamily="18" charset="0"/>
+                          </a:rPr>
+                          <m:t>𝐵</m:t>
+                        </m:r>
+                      </m:e>
+                      <m:sub>
+                        <m:r>
+                          <a:rPr lang="ar-AE" sz="1600" i="1">
+                            <a:solidFill>
+                              <a:srgbClr val="FF0000"/>
+                            </a:solidFill>
+                            <a:latin typeface="Cambria Math" panose="02040503050406030204" pitchFamily="18" charset="0"/>
+                          </a:rPr>
+                          <m:t>2</m:t>
+                        </m:r>
+                      </m:sub>
+                    </m:sSub>
+                    <m:acc>
+                      <m:accPr>
+                        <m:chr m:val="̇"/>
+                        <m:ctrlPr>
+                          <a:rPr lang="ar-AE" sz="1600" i="1">
+                            <a:solidFill>
+                              <a:srgbClr val="FF0000"/>
+                            </a:solidFill>
+                            <a:latin typeface="Cambria Math" panose="02040503050406030204" pitchFamily="18" charset="0"/>
+                            <a:ea typeface="Cambria Math" panose="02040503050406030204" pitchFamily="18" charset="0"/>
+                          </a:rPr>
+                        </m:ctrlPr>
+                      </m:accPr>
+                      <m:e>
+                        <m:r>
+                          <a:rPr lang="ar-AE" sz="1600" i="1">
+                            <a:solidFill>
+                              <a:srgbClr val="FF0000"/>
+                            </a:solidFill>
+                            <a:latin typeface="Cambria Math" panose="02040503050406030204" pitchFamily="18" charset="0"/>
+                            <a:ea typeface="Cambria Math" panose="02040503050406030204" pitchFamily="18" charset="0"/>
+                          </a:rPr>
+                          <m:t>𝜃</m:t>
+                        </m:r>
+                      </m:e>
+                    </m:acc>
+                    <m:func>
+                      <m:funcPr>
+                        <m:ctrlPr>
+                          <a:rPr lang="ar-AE" sz="1600" i="1">
+                            <a:solidFill>
+                              <a:srgbClr val="FF0000"/>
+                            </a:solidFill>
+                            <a:latin typeface="Cambria Math" panose="02040503050406030204" pitchFamily="18" charset="0"/>
+                            <a:ea typeface="Cambria Math" panose="02040503050406030204" pitchFamily="18" charset="0"/>
+                          </a:rPr>
+                        </m:ctrlPr>
+                      </m:funcPr>
+                      <m:fName>
+                        <m:r>
+                          <m:rPr>
+                            <m:sty m:val="p"/>
+                          </m:rPr>
+                          <a:rPr lang="fr-FR" sz="1600">
+                            <a:solidFill>
+                              <a:srgbClr val="FF0000"/>
+                            </a:solidFill>
+                            <a:latin typeface="Cambria Math" panose="02040503050406030204" pitchFamily="18" charset="0"/>
+                            <a:ea typeface="Cambria Math" panose="02040503050406030204" pitchFamily="18" charset="0"/>
+                          </a:rPr>
+                          <m:t>sin</m:t>
+                        </m:r>
+                      </m:fName>
+                      <m:e>
+                        <m:r>
+                          <a:rPr lang="ar-AE" sz="1600" i="1">
+                            <a:solidFill>
+                              <a:srgbClr val="FF0000"/>
+                            </a:solidFill>
+                            <a:latin typeface="Cambria Math" panose="02040503050406030204" pitchFamily="18" charset="0"/>
+                            <a:ea typeface="Cambria Math" panose="02040503050406030204" pitchFamily="18" charset="0"/>
+                          </a:rPr>
+                          <m:t>𝜑</m:t>
+                        </m:r>
+                      </m:e>
+                    </m:func>
+                    <m:acc>
+                      <m:accPr>
+                        <m:chr m:val="⃗"/>
+                        <m:ctrlPr>
+                          <a:rPr lang="ar-AE" sz="1600" i="1">
+                            <a:solidFill>
+                              <a:srgbClr val="FF0000"/>
+                            </a:solidFill>
+                            <a:latin typeface="Cambria Math" panose="02040503050406030204" pitchFamily="18" charset="0"/>
+                          </a:rPr>
+                        </m:ctrlPr>
+                      </m:accPr>
+                      <m:e>
+                        <m:sSub>
+                          <m:sSubPr>
+                            <m:ctrlPr>
+                              <a:rPr lang="ar-AE" sz="1600" i="1">
+                                <a:solidFill>
+                                  <a:srgbClr val="FF0000"/>
+                                </a:solidFill>
+                                <a:latin typeface="Cambria Math" panose="02040503050406030204" pitchFamily="18" charset="0"/>
+                              </a:rPr>
+                            </m:ctrlPr>
+                          </m:sSubPr>
+                          <m:e>
+                            <m:r>
+                              <a:rPr lang="ar-AE" sz="1600" i="1">
+                                <a:solidFill>
+                                  <a:srgbClr val="FF0000"/>
+                                </a:solidFill>
+                                <a:latin typeface="Cambria Math" panose="02040503050406030204" pitchFamily="18" charset="0"/>
+                              </a:rPr>
+                              <m:t>𝑦</m:t>
+                            </m:r>
+                          </m:e>
+                          <m:sub>
+                            <m:r>
+                              <a:rPr lang="ar-AE" sz="1600" i="1">
+                                <a:solidFill>
+                                  <a:srgbClr val="FF0000"/>
+                                </a:solidFill>
+                                <a:latin typeface="Cambria Math" panose="02040503050406030204" pitchFamily="18" charset="0"/>
+                              </a:rPr>
+                              <m:t>2</m:t>
+                            </m:r>
+                          </m:sub>
+                        </m:sSub>
+                      </m:e>
+                    </m:acc>
+                    <m:r>
+                      <a:rPr lang="fr-FR" sz="1600" b="0" i="1" smtClean="0">
+                        <a:solidFill>
+                          <a:srgbClr val="FF0000"/>
+                        </a:solidFill>
+                        <a:latin typeface="Cambria Math" panose="02040503050406030204" pitchFamily="18" charset="0"/>
+                      </a:rPr>
+                      <m:t>+</m:t>
+                    </m:r>
+                    <m:sSub>
+                      <m:sSubPr>
+                        <m:ctrlPr>
+                          <a:rPr lang="ar-AE" sz="1600" i="1">
+                            <a:solidFill>
+                              <a:srgbClr val="FF0000"/>
+                            </a:solidFill>
+                            <a:latin typeface="Cambria Math" panose="02040503050406030204" pitchFamily="18" charset="0"/>
+                          </a:rPr>
+                        </m:ctrlPr>
+                      </m:sSubPr>
+                      <m:e>
+                        <m:r>
+                          <a:rPr lang="ar-AE" sz="1600" i="1">
+                            <a:solidFill>
+                              <a:srgbClr val="FF0000"/>
+                            </a:solidFill>
+                            <a:latin typeface="Cambria Math" panose="02040503050406030204" pitchFamily="18" charset="0"/>
+                          </a:rPr>
+                          <m:t>𝐵</m:t>
+                        </m:r>
+                      </m:e>
+                      <m:sub>
+                        <m:r>
+                          <a:rPr lang="ar-AE" sz="1600" i="1">
+                            <a:solidFill>
+                              <a:srgbClr val="FF0000"/>
+                            </a:solidFill>
+                            <a:latin typeface="Cambria Math" panose="02040503050406030204" pitchFamily="18" charset="0"/>
+                          </a:rPr>
+                          <m:t>2</m:t>
+                        </m:r>
+                      </m:sub>
+                    </m:sSub>
+                    <m:acc>
+                      <m:accPr>
+                        <m:chr m:val="̇"/>
+                        <m:ctrlPr>
+                          <a:rPr lang="ar-AE" sz="1600" i="1">
+                            <a:solidFill>
+                              <a:srgbClr val="FF0000"/>
+                            </a:solidFill>
+                            <a:latin typeface="Cambria Math" panose="02040503050406030204" pitchFamily="18" charset="0"/>
+                            <a:ea typeface="Cambria Math" panose="02040503050406030204" pitchFamily="18" charset="0"/>
+                          </a:rPr>
+                        </m:ctrlPr>
+                      </m:accPr>
+                      <m:e>
+                        <m:r>
+                          <a:rPr lang="ar-AE" sz="1600" i="1">
+                            <a:solidFill>
+                              <a:srgbClr val="FF0000"/>
+                            </a:solidFill>
+                            <a:latin typeface="Cambria Math" panose="02040503050406030204" pitchFamily="18" charset="0"/>
+                            <a:ea typeface="Cambria Math" panose="02040503050406030204" pitchFamily="18" charset="0"/>
+                          </a:rPr>
+                          <m:t>𝜃</m:t>
+                        </m:r>
+                      </m:e>
+                    </m:acc>
+                    <m:func>
+                      <m:funcPr>
+                        <m:ctrlPr>
+                          <a:rPr lang="ar-AE" sz="1600" i="1">
+                            <a:solidFill>
+                              <a:srgbClr val="FF0000"/>
+                            </a:solidFill>
+                            <a:latin typeface="Cambria Math" panose="02040503050406030204" pitchFamily="18" charset="0"/>
+                            <a:ea typeface="Cambria Math" panose="02040503050406030204" pitchFamily="18" charset="0"/>
+                          </a:rPr>
+                        </m:ctrlPr>
+                      </m:funcPr>
+                      <m:fName>
+                        <m:r>
+                          <m:rPr>
+                            <m:sty m:val="p"/>
+                          </m:rPr>
+                          <a:rPr lang="fr-FR" sz="1600">
+                            <a:solidFill>
+                              <a:srgbClr val="FF0000"/>
+                            </a:solidFill>
+                            <a:latin typeface="Cambria Math" panose="02040503050406030204" pitchFamily="18" charset="0"/>
+                            <a:ea typeface="Cambria Math" panose="02040503050406030204" pitchFamily="18" charset="0"/>
+                          </a:rPr>
+                          <m:t>sin</m:t>
+                        </m:r>
+                      </m:fName>
+                      <m:e>
+                        <m:r>
+                          <a:rPr lang="ar-AE" sz="1600" i="1">
+                            <a:solidFill>
+                              <a:srgbClr val="FF0000"/>
+                            </a:solidFill>
+                            <a:latin typeface="Cambria Math" panose="02040503050406030204" pitchFamily="18" charset="0"/>
+                            <a:ea typeface="Cambria Math" panose="02040503050406030204" pitchFamily="18" charset="0"/>
+                          </a:rPr>
+                          <m:t>𝜑</m:t>
+                        </m:r>
+                      </m:e>
+                    </m:func>
+                    <m:acc>
+                      <m:accPr>
+                        <m:chr m:val="⃗"/>
+                        <m:ctrlPr>
+                          <a:rPr lang="ar-AE" sz="1600" i="1">
+                            <a:solidFill>
+                              <a:srgbClr val="FF0000"/>
+                            </a:solidFill>
+                            <a:latin typeface="Cambria Math" panose="02040503050406030204" pitchFamily="18" charset="0"/>
+                          </a:rPr>
+                        </m:ctrlPr>
+                      </m:accPr>
+                      <m:e>
+                        <m:sSub>
+                          <m:sSubPr>
+                            <m:ctrlPr>
+                              <a:rPr lang="ar-AE" sz="1600" i="1">
+                                <a:solidFill>
+                                  <a:srgbClr val="FF0000"/>
+                                </a:solidFill>
+                                <a:latin typeface="Cambria Math" panose="02040503050406030204" pitchFamily="18" charset="0"/>
+                              </a:rPr>
+                            </m:ctrlPr>
+                          </m:sSubPr>
+                          <m:e>
+                            <m:r>
+                              <a:rPr lang="ar-AE" sz="1600" i="1">
+                                <a:solidFill>
+                                  <a:srgbClr val="FF0000"/>
+                                </a:solidFill>
+                                <a:latin typeface="Cambria Math" panose="02040503050406030204" pitchFamily="18" charset="0"/>
+                              </a:rPr>
+                              <m:t>𝑦</m:t>
+                            </m:r>
+                          </m:e>
+                          <m:sub>
+                            <m:r>
+                              <a:rPr lang="ar-AE" sz="1600" i="1">
+                                <a:solidFill>
+                                  <a:srgbClr val="FF0000"/>
+                                </a:solidFill>
+                                <a:latin typeface="Cambria Math" panose="02040503050406030204" pitchFamily="18" charset="0"/>
+                              </a:rPr>
+                              <m:t>2</m:t>
+                            </m:r>
+                          </m:sub>
+                        </m:sSub>
+                      </m:e>
+                    </m:acc>
+                    <m:r>
+                      <a:rPr lang="ar-AE" sz="1600" i="1">
+                        <a:solidFill>
+                          <a:srgbClr val="FF0000"/>
+                        </a:solidFill>
+                        <a:latin typeface="Cambria Math" panose="02040503050406030204" pitchFamily="18" charset="0"/>
+                      </a:rPr>
+                      <m:t>+</m:t>
+                    </m:r>
+                    <m:d>
+                      <m:dPr>
+                        <m:ctrlPr>
+                          <a:rPr lang="ar-AE" sz="1600" i="1">
+                            <a:solidFill>
+                              <a:srgbClr val="FF0000"/>
+                            </a:solidFill>
+                            <a:latin typeface="Cambria Math" panose="02040503050406030204" pitchFamily="18" charset="0"/>
+                          </a:rPr>
+                        </m:ctrlPr>
+                      </m:dPr>
+                      <m:e>
+                        <m:r>
+                          <a:rPr lang="ar-AE" sz="1600" i="1">
+                            <a:solidFill>
+                              <a:srgbClr val="FF0000"/>
+                            </a:solidFill>
+                            <a:latin typeface="Cambria Math" panose="02040503050406030204" pitchFamily="18" charset="0"/>
+                          </a:rPr>
+                          <m:t>−</m:t>
+                        </m:r>
+                        <m:sSub>
+                          <m:sSubPr>
+                            <m:ctrlPr>
+                              <a:rPr lang="ar-AE" sz="1600" i="1">
+                                <a:solidFill>
+                                  <a:srgbClr val="FF0000"/>
+                                </a:solidFill>
+                                <a:latin typeface="Cambria Math" panose="02040503050406030204" pitchFamily="18" charset="0"/>
+                              </a:rPr>
+                            </m:ctrlPr>
+                          </m:sSubPr>
+                          <m:e>
+                            <m:r>
+                              <a:rPr lang="ar-AE" sz="1600" i="1">
+                                <a:solidFill>
+                                  <a:srgbClr val="FF0000"/>
+                                </a:solidFill>
+                                <a:latin typeface="Cambria Math" panose="02040503050406030204" pitchFamily="18" charset="0"/>
+                              </a:rPr>
+                              <m:t>𝐸</m:t>
+                            </m:r>
+                          </m:e>
+                          <m:sub>
+                            <m:r>
+                              <a:rPr lang="ar-AE" sz="1600" i="1">
+                                <a:solidFill>
+                                  <a:srgbClr val="FF0000"/>
+                                </a:solidFill>
+                                <a:latin typeface="Cambria Math" panose="02040503050406030204" pitchFamily="18" charset="0"/>
+                              </a:rPr>
+                              <m:t>2</m:t>
+                            </m:r>
+                          </m:sub>
+                        </m:sSub>
+                        <m:acc>
+                          <m:accPr>
+                            <m:chr m:val="̇"/>
+                            <m:ctrlPr>
+                              <a:rPr lang="ar-AE" sz="1600" i="1">
+                                <a:solidFill>
+                                  <a:srgbClr val="FF0000"/>
+                                </a:solidFill>
+                                <a:latin typeface="Cambria Math" panose="02040503050406030204" pitchFamily="18" charset="0"/>
+                                <a:ea typeface="Cambria Math" panose="02040503050406030204" pitchFamily="18" charset="0"/>
+                              </a:rPr>
+                            </m:ctrlPr>
+                          </m:accPr>
+                          <m:e>
+                            <m:r>
+                              <a:rPr lang="ar-AE" sz="1600" i="1">
+                                <a:solidFill>
+                                  <a:srgbClr val="FF0000"/>
+                                </a:solidFill>
+                                <a:latin typeface="Cambria Math" panose="02040503050406030204" pitchFamily="18" charset="0"/>
+                                <a:ea typeface="Cambria Math" panose="02040503050406030204" pitchFamily="18" charset="0"/>
+                              </a:rPr>
+                              <m:t>𝜑</m:t>
+                            </m:r>
+                          </m:e>
+                        </m:acc>
+                        <m:r>
+                          <a:rPr lang="ar-AE" sz="1600" i="1">
+                            <a:solidFill>
+                              <a:srgbClr val="FF0000"/>
+                            </a:solidFill>
+                            <a:latin typeface="Cambria Math" panose="02040503050406030204" pitchFamily="18" charset="0"/>
+                            <a:ea typeface="Cambria Math" panose="02040503050406030204" pitchFamily="18" charset="0"/>
+                          </a:rPr>
+                          <m:t>+</m:t>
+                        </m:r>
+                        <m:sSub>
+                          <m:sSubPr>
+                            <m:ctrlPr>
+                              <a:rPr lang="ar-AE" sz="1600" i="1">
+                                <a:solidFill>
+                                  <a:srgbClr val="FF0000"/>
+                                </a:solidFill>
+                                <a:latin typeface="Cambria Math" panose="02040503050406030204" pitchFamily="18" charset="0"/>
+                                <a:ea typeface="Cambria Math" panose="02040503050406030204" pitchFamily="18" charset="0"/>
+                              </a:rPr>
+                            </m:ctrlPr>
+                          </m:sSubPr>
+                          <m:e>
+                            <m:r>
+                              <a:rPr lang="ar-AE" sz="1600" i="1">
+                                <a:solidFill>
+                                  <a:srgbClr val="FF0000"/>
+                                </a:solidFill>
+                                <a:latin typeface="Cambria Math" panose="02040503050406030204" pitchFamily="18" charset="0"/>
+                                <a:ea typeface="Cambria Math" panose="02040503050406030204" pitchFamily="18" charset="0"/>
+                              </a:rPr>
+                              <m:t>𝐶</m:t>
+                            </m:r>
+                          </m:e>
+                          <m:sub>
+                            <m:r>
+                              <a:rPr lang="ar-AE" sz="1600" i="1">
+                                <a:solidFill>
+                                  <a:srgbClr val="FF0000"/>
+                                </a:solidFill>
+                                <a:latin typeface="Cambria Math" panose="02040503050406030204" pitchFamily="18" charset="0"/>
+                                <a:ea typeface="Cambria Math" panose="02040503050406030204" pitchFamily="18" charset="0"/>
+                              </a:rPr>
+                              <m:t>2</m:t>
+                            </m:r>
+                          </m:sub>
+                        </m:sSub>
+                        <m:acc>
+                          <m:accPr>
+                            <m:chr m:val="̇"/>
+                            <m:ctrlPr>
+                              <a:rPr lang="ar-AE" sz="1600" i="1">
+                                <a:solidFill>
+                                  <a:srgbClr val="FF0000"/>
+                                </a:solidFill>
+                                <a:latin typeface="Cambria Math" panose="02040503050406030204" pitchFamily="18" charset="0"/>
+                                <a:ea typeface="Cambria Math" panose="02040503050406030204" pitchFamily="18" charset="0"/>
+                              </a:rPr>
+                            </m:ctrlPr>
+                          </m:accPr>
+                          <m:e>
+                            <m:r>
+                              <a:rPr lang="ar-AE" sz="1600" i="1">
+                                <a:solidFill>
+                                  <a:srgbClr val="FF0000"/>
+                                </a:solidFill>
+                                <a:latin typeface="Cambria Math" panose="02040503050406030204" pitchFamily="18" charset="0"/>
+                                <a:ea typeface="Cambria Math" panose="02040503050406030204" pitchFamily="18" charset="0"/>
+                              </a:rPr>
+                              <m:t>𝜃</m:t>
+                            </m:r>
+                          </m:e>
+                        </m:acc>
+                        <m:func>
+                          <m:funcPr>
+                            <m:ctrlPr>
+                              <a:rPr lang="ar-AE" sz="1600" i="1">
+                                <a:solidFill>
+                                  <a:srgbClr val="FF0000"/>
+                                </a:solidFill>
+                                <a:latin typeface="Cambria Math" panose="02040503050406030204" pitchFamily="18" charset="0"/>
+                                <a:ea typeface="Cambria Math" panose="02040503050406030204" pitchFamily="18" charset="0"/>
+                              </a:rPr>
+                            </m:ctrlPr>
+                          </m:funcPr>
+                          <m:fName>
+                            <m:r>
+                              <m:rPr>
+                                <m:sty m:val="p"/>
+                              </m:rPr>
+                              <a:rPr lang="fr-FR" sz="1600">
+                                <a:solidFill>
+                                  <a:srgbClr val="FF0000"/>
+                                </a:solidFill>
+                                <a:latin typeface="Cambria Math" panose="02040503050406030204" pitchFamily="18" charset="0"/>
+                                <a:ea typeface="Cambria Math" panose="02040503050406030204" pitchFamily="18" charset="0"/>
+                              </a:rPr>
+                              <m:t>cos</m:t>
+                            </m:r>
+                          </m:fName>
+                          <m:e>
+                            <m:r>
+                              <a:rPr lang="ar-AE" sz="1600" i="1">
+                                <a:solidFill>
+                                  <a:srgbClr val="FF0000"/>
+                                </a:solidFill>
+                                <a:latin typeface="Cambria Math" panose="02040503050406030204" pitchFamily="18" charset="0"/>
+                                <a:ea typeface="Cambria Math" panose="02040503050406030204" pitchFamily="18" charset="0"/>
+                              </a:rPr>
+                              <m:t>𝜑</m:t>
+                            </m:r>
+                          </m:e>
+                        </m:func>
+                      </m:e>
+                    </m:d>
+                    <m:acc>
+                      <m:accPr>
+                        <m:chr m:val="⃗"/>
+                        <m:ctrlPr>
+                          <a:rPr lang="ar-AE" sz="1600" i="1">
+                            <a:solidFill>
+                              <a:srgbClr val="FF0000"/>
+                            </a:solidFill>
+                            <a:latin typeface="Cambria Math" panose="02040503050406030204" pitchFamily="18" charset="0"/>
+                          </a:rPr>
+                        </m:ctrlPr>
+                      </m:accPr>
+                      <m:e>
+                        <m:sSub>
+                          <m:sSubPr>
+                            <m:ctrlPr>
+                              <a:rPr lang="ar-AE" sz="1600" i="1">
+                                <a:solidFill>
+                                  <a:srgbClr val="FF0000"/>
+                                </a:solidFill>
+                                <a:latin typeface="Cambria Math" panose="02040503050406030204" pitchFamily="18" charset="0"/>
+                              </a:rPr>
+                            </m:ctrlPr>
+                          </m:sSubPr>
+                          <m:e>
+                            <m:r>
+                              <a:rPr lang="ar-AE" sz="1600" i="1">
+                                <a:solidFill>
+                                  <a:srgbClr val="FF0000"/>
+                                </a:solidFill>
+                                <a:latin typeface="Cambria Math" panose="02040503050406030204" pitchFamily="18" charset="0"/>
+                              </a:rPr>
+                              <m:t>𝑧</m:t>
+                            </m:r>
+                          </m:e>
+                          <m:sub>
+                            <m:r>
+                              <a:rPr lang="ar-AE" sz="1600" i="1">
+                                <a:solidFill>
+                                  <a:srgbClr val="FF0000"/>
+                                </a:solidFill>
+                                <a:latin typeface="Cambria Math" panose="02040503050406030204" pitchFamily="18" charset="0"/>
+                              </a:rPr>
+                              <m:t>2</m:t>
+                            </m:r>
+                          </m:sub>
+                        </m:sSub>
+                      </m:e>
+                    </m:acc>
+                    <m:r>
+                      <a:rPr lang="ar-AE" sz="1600" i="1">
+                        <a:solidFill>
+                          <a:srgbClr val="FF0000"/>
+                        </a:solidFill>
+                        <a:latin typeface="Cambria Math" panose="02040503050406030204" pitchFamily="18" charset="0"/>
+                      </a:rPr>
+                      <m:t>+</m:t>
+                    </m:r>
+                    <m:d>
+                      <m:dPr>
+                        <m:ctrlPr>
+                          <a:rPr lang="ar-AE" sz="1600" i="1">
+                            <a:solidFill>
+                              <a:srgbClr val="FF0000"/>
+                            </a:solidFill>
+                            <a:latin typeface="Cambria Math" panose="02040503050406030204" pitchFamily="18" charset="0"/>
+                          </a:rPr>
+                        </m:ctrlPr>
+                      </m:dPr>
+                      <m:e>
+                        <m:r>
+                          <a:rPr lang="ar-AE" sz="1600" i="1">
+                            <a:solidFill>
+                              <a:srgbClr val="FF0000"/>
+                            </a:solidFill>
+                            <a:latin typeface="Cambria Math" panose="02040503050406030204" pitchFamily="18" charset="0"/>
+                          </a:rPr>
+                          <m:t>−</m:t>
+                        </m:r>
+                        <m:sSub>
+                          <m:sSubPr>
+                            <m:ctrlPr>
+                              <a:rPr lang="ar-AE" sz="1600" i="1">
+                                <a:solidFill>
+                                  <a:srgbClr val="FF0000"/>
+                                </a:solidFill>
+                                <a:latin typeface="Cambria Math" panose="02040503050406030204" pitchFamily="18" charset="0"/>
+                              </a:rPr>
+                            </m:ctrlPr>
+                          </m:sSubPr>
+                          <m:e>
+                            <m:r>
+                              <a:rPr lang="ar-AE" sz="1600" i="1">
+                                <a:solidFill>
+                                  <a:srgbClr val="FF0000"/>
+                                </a:solidFill>
+                                <a:latin typeface="Cambria Math" panose="02040503050406030204" pitchFamily="18" charset="0"/>
+                              </a:rPr>
+                              <m:t>𝐸</m:t>
+                            </m:r>
+                          </m:e>
+                          <m:sub>
+                            <m:r>
+                              <a:rPr lang="ar-AE" sz="1600" i="1">
+                                <a:solidFill>
+                                  <a:srgbClr val="FF0000"/>
+                                </a:solidFill>
+                                <a:latin typeface="Cambria Math" panose="02040503050406030204" pitchFamily="18" charset="0"/>
+                              </a:rPr>
+                              <m:t>2</m:t>
+                            </m:r>
+                          </m:sub>
+                        </m:sSub>
+                        <m:acc>
+                          <m:accPr>
+                            <m:chr m:val="̇"/>
+                            <m:ctrlPr>
+                              <a:rPr lang="ar-AE" sz="1600" i="1">
+                                <a:solidFill>
+                                  <a:srgbClr val="FF0000"/>
+                                </a:solidFill>
+                                <a:latin typeface="Cambria Math" panose="02040503050406030204" pitchFamily="18" charset="0"/>
+                                <a:ea typeface="Cambria Math" panose="02040503050406030204" pitchFamily="18" charset="0"/>
+                              </a:rPr>
+                            </m:ctrlPr>
+                          </m:accPr>
+                          <m:e>
+                            <m:r>
+                              <a:rPr lang="ar-AE" sz="1600" i="1">
+                                <a:solidFill>
+                                  <a:srgbClr val="FF0000"/>
+                                </a:solidFill>
+                                <a:latin typeface="Cambria Math" panose="02040503050406030204" pitchFamily="18" charset="0"/>
+                                <a:ea typeface="Cambria Math" panose="02040503050406030204" pitchFamily="18" charset="0"/>
+                              </a:rPr>
+                              <m:t>𝜑</m:t>
+                            </m:r>
+                          </m:e>
+                        </m:acc>
+                        <m:r>
+                          <a:rPr lang="ar-AE" sz="1600" i="1">
+                            <a:solidFill>
+                              <a:srgbClr val="FF0000"/>
+                            </a:solidFill>
+                            <a:latin typeface="Cambria Math" panose="02040503050406030204" pitchFamily="18" charset="0"/>
+                            <a:ea typeface="Cambria Math" panose="02040503050406030204" pitchFamily="18" charset="0"/>
+                          </a:rPr>
+                          <m:t>+</m:t>
+                        </m:r>
+                        <m:sSub>
+                          <m:sSubPr>
+                            <m:ctrlPr>
+                              <a:rPr lang="ar-AE" sz="1600" i="1">
+                                <a:solidFill>
+                                  <a:srgbClr val="FF0000"/>
+                                </a:solidFill>
+                                <a:latin typeface="Cambria Math" panose="02040503050406030204" pitchFamily="18" charset="0"/>
+                                <a:ea typeface="Cambria Math" panose="02040503050406030204" pitchFamily="18" charset="0"/>
+                              </a:rPr>
+                            </m:ctrlPr>
+                          </m:sSubPr>
+                          <m:e>
+                            <m:r>
+                              <a:rPr lang="ar-AE" sz="1600" i="1">
+                                <a:solidFill>
+                                  <a:srgbClr val="FF0000"/>
+                                </a:solidFill>
+                                <a:latin typeface="Cambria Math" panose="02040503050406030204" pitchFamily="18" charset="0"/>
+                                <a:ea typeface="Cambria Math" panose="02040503050406030204" pitchFamily="18" charset="0"/>
+                              </a:rPr>
+                              <m:t>𝐶</m:t>
+                            </m:r>
+                          </m:e>
+                          <m:sub>
+                            <m:r>
+                              <a:rPr lang="ar-AE" sz="1600" i="1">
+                                <a:solidFill>
+                                  <a:srgbClr val="FF0000"/>
+                                </a:solidFill>
+                                <a:latin typeface="Cambria Math" panose="02040503050406030204" pitchFamily="18" charset="0"/>
+                                <a:ea typeface="Cambria Math" panose="02040503050406030204" pitchFamily="18" charset="0"/>
+                              </a:rPr>
+                              <m:t>2</m:t>
+                            </m:r>
+                          </m:sub>
+                        </m:sSub>
+                        <m:acc>
+                          <m:accPr>
+                            <m:chr m:val="̇"/>
+                            <m:ctrlPr>
+                              <a:rPr lang="ar-AE" sz="1600" i="1">
+                                <a:solidFill>
+                                  <a:srgbClr val="FF0000"/>
+                                </a:solidFill>
+                                <a:latin typeface="Cambria Math" panose="02040503050406030204" pitchFamily="18" charset="0"/>
+                                <a:ea typeface="Cambria Math" panose="02040503050406030204" pitchFamily="18" charset="0"/>
+                              </a:rPr>
+                            </m:ctrlPr>
+                          </m:accPr>
+                          <m:e>
+                            <m:r>
+                              <a:rPr lang="ar-AE" sz="1600" i="1">
+                                <a:solidFill>
+                                  <a:srgbClr val="FF0000"/>
+                                </a:solidFill>
+                                <a:latin typeface="Cambria Math" panose="02040503050406030204" pitchFamily="18" charset="0"/>
+                                <a:ea typeface="Cambria Math" panose="02040503050406030204" pitchFamily="18" charset="0"/>
+                              </a:rPr>
+                              <m:t>𝜃</m:t>
+                            </m:r>
+                          </m:e>
+                        </m:acc>
+                        <m:func>
+                          <m:funcPr>
+                            <m:ctrlPr>
+                              <a:rPr lang="ar-AE" sz="1600" i="1">
+                                <a:solidFill>
+                                  <a:srgbClr val="FF0000"/>
+                                </a:solidFill>
+                                <a:latin typeface="Cambria Math" panose="02040503050406030204" pitchFamily="18" charset="0"/>
+                                <a:ea typeface="Cambria Math" panose="02040503050406030204" pitchFamily="18" charset="0"/>
+                              </a:rPr>
+                            </m:ctrlPr>
+                          </m:funcPr>
+                          <m:fName>
+                            <m:r>
+                              <m:rPr>
+                                <m:sty m:val="p"/>
+                              </m:rPr>
+                              <a:rPr lang="fr-FR" sz="1600">
+                                <a:solidFill>
+                                  <a:srgbClr val="FF0000"/>
+                                </a:solidFill>
+                                <a:latin typeface="Cambria Math" panose="02040503050406030204" pitchFamily="18" charset="0"/>
+                                <a:ea typeface="Cambria Math" panose="02040503050406030204" pitchFamily="18" charset="0"/>
+                              </a:rPr>
+                              <m:t>cos</m:t>
+                            </m:r>
+                          </m:fName>
+                          <m:e>
+                            <m:r>
+                              <a:rPr lang="ar-AE" sz="1600" i="1">
+                                <a:solidFill>
+                                  <a:srgbClr val="FF0000"/>
+                                </a:solidFill>
+                                <a:latin typeface="Cambria Math" panose="02040503050406030204" pitchFamily="18" charset="0"/>
+                                <a:ea typeface="Cambria Math" panose="02040503050406030204" pitchFamily="18" charset="0"/>
+                              </a:rPr>
+                              <m:t>𝜑</m:t>
+                            </m:r>
+                          </m:e>
+                        </m:func>
+                      </m:e>
+                    </m:d>
+                    <m:acc>
+                      <m:accPr>
+                        <m:chr m:val="⃗"/>
+                        <m:ctrlPr>
+                          <a:rPr lang="ar-AE" sz="1600" i="1">
+                            <a:solidFill>
+                              <a:srgbClr val="FF0000"/>
+                            </a:solidFill>
+                            <a:latin typeface="Cambria Math" panose="02040503050406030204" pitchFamily="18" charset="0"/>
+                          </a:rPr>
+                        </m:ctrlPr>
+                      </m:accPr>
+                      <m:e>
+                        <m:sSub>
+                          <m:sSubPr>
+                            <m:ctrlPr>
+                              <a:rPr lang="ar-AE" sz="1600" i="1">
+                                <a:solidFill>
+                                  <a:srgbClr val="FF0000"/>
+                                </a:solidFill>
+                                <a:latin typeface="Cambria Math" panose="02040503050406030204" pitchFamily="18" charset="0"/>
+                              </a:rPr>
+                            </m:ctrlPr>
+                          </m:sSubPr>
+                          <m:e>
+                            <m:r>
+                              <a:rPr lang="ar-AE" sz="1600" i="1">
+                                <a:solidFill>
+                                  <a:srgbClr val="FF0000"/>
+                                </a:solidFill>
+                                <a:latin typeface="Cambria Math" panose="02040503050406030204" pitchFamily="18" charset="0"/>
+                              </a:rPr>
+                              <m:t>𝑧</m:t>
+                            </m:r>
+                          </m:e>
+                          <m:sub>
+                            <m:r>
+                              <a:rPr lang="ar-AE" sz="1600" i="1">
+                                <a:solidFill>
+                                  <a:srgbClr val="FF0000"/>
+                                </a:solidFill>
+                                <a:latin typeface="Cambria Math" panose="02040503050406030204" pitchFamily="18" charset="0"/>
+                              </a:rPr>
+                              <m:t>2</m:t>
+                            </m:r>
+                          </m:sub>
+                        </m:sSub>
+                      </m:e>
+                    </m:acc>
+                  </m:oMath>
+                </a14:m>
+                <a:endParaRPr lang="ar-AE" sz="1600" dirty="0"/>
+              </a:p>
+              <a:p>
+                <a:pPr lvl="1"/>
+                <a:endParaRPr lang="ar-AE" sz="1600" dirty="0"/>
+              </a:p>
+            </p:txBody>
+          </p:sp>
+        </mc:Choice>
+        <mc:Fallback>
+          <p:sp>
+            <p:nvSpPr>
+              <p:cNvPr id="59" name="Espace réservé du contenu 2">
+                <a:extLst>
+                  <a:ext uri="{FF2B5EF4-FFF2-40B4-BE49-F238E27FC236}">
+                    <a16:creationId xmlns:a16="http://schemas.microsoft.com/office/drawing/2014/main" id="{DD54C1D3-8449-BBFD-450E-C6CBF7A9479D}"/>
+                  </a:ext>
+                </a:extLst>
+              </p:cNvPr>
+              <p:cNvSpPr txBox="1">
+                <a:spLocks noRot="1" noChangeAspect="1" noMove="1" noResize="1" noEditPoints="1" noAdjustHandles="1" noChangeArrowheads="1" noChangeShapeType="1" noTextEdit="1"/>
+              </p:cNvSpPr>
+              <p:nvPr/>
+            </p:nvSpPr>
+            <p:spPr>
+              <a:xfrm>
+                <a:off x="2175112" y="3149328"/>
+                <a:ext cx="10016888" cy="3591651"/>
+              </a:xfrm>
+              <a:prstGeom prst="rect">
+                <a:avLst/>
+              </a:prstGeom>
+              <a:blipFill>
+                <a:blip r:embed="rId16"/>
+                <a:stretch>
+                  <a:fillRect l="-1035" t="-1698"/>
+                </a:stretch>
+              </a:blipFill>
+            </p:spPr>
+            <p:txBody>
+              <a:bodyPr/>
+              <a:lstStyle/>
+              <a:p>
+                <a:r>
+                  <a:rPr lang="fr-FR">
+                    <a:noFill/>
+                  </a:rPr>
+                  <a:t> </a:t>
+                </a:r>
+              </a:p>
+            </p:txBody>
+          </p:sp>
+        </mc:Fallback>
+      </mc:AlternateContent>
     </p:spTree>
     <p:extLst>
       <p:ext uri="{BB962C8B-B14F-4D97-AF65-F5344CB8AC3E}">
